--- a/01_FoundationProjects/01_Car_Basic_movements/01_Car_Basic_movements.pptx
+++ b/01_FoundationProjects/01_Car_Basic_movements/01_Car_Basic_movements.pptx
@@ -151,7 +151,7 @@
       </p:grpSpPr>
       <p:sp>
         <p:nvSpPr>
-          <p:cNvPr id="1250030212" name="Header Placeholder 1"/>
+          <p:cNvPr id="1090771621" name="Header Placeholder 1"/>
           <p:cNvSpPr>
             <a:spLocks noGrp="1"/>
           </p:cNvSpPr>
@@ -185,7 +185,7 @@
       </p:sp>
       <p:sp>
         <p:nvSpPr>
-          <p:cNvPr id="288644255" name="Date Placeholder 2"/>
+          <p:cNvPr id="748265582" name="Date Placeholder 2"/>
           <p:cNvSpPr>
             <a:spLocks noGrp="1"/>
           </p:cNvSpPr>
@@ -219,7 +219,7 @@
       </p:sp>
       <p:sp>
         <p:nvSpPr>
-          <p:cNvPr id="1933052983" name="Date Placeholder 2"/>
+          <p:cNvPr id="946779077" name="Date Placeholder 2"/>
           <p:cNvSpPr>
             <a:spLocks noGrp="1"/>
           </p:cNvSpPr>
@@ -253,7 +253,7 @@
       </p:sp>
       <p:sp>
         <p:nvSpPr>
-          <p:cNvPr id="1605224437" name="Notes Placeholder 4"/>
+          <p:cNvPr id="8052700" name="Notes Placeholder 4"/>
           <p:cNvSpPr>
             <a:spLocks noGrp="1"/>
           </p:cNvSpPr>
@@ -283,7 +283,7 @@
       </p:sp>
       <p:sp>
         <p:nvSpPr>
-          <p:cNvPr id="996063855" name="Footer Placeholder 5"/>
+          <p:cNvPr id="712286111" name="Footer Placeholder 5"/>
           <p:cNvSpPr>
             <a:spLocks noGrp="1"/>
           </p:cNvSpPr>
@@ -317,7 +317,7 @@
       </p:sp>
       <p:sp>
         <p:nvSpPr>
-          <p:cNvPr id="1802058102" name="Slide Number Placeholder 6"/>
+          <p:cNvPr id="1244840635" name="Slide Number Placeholder 6"/>
           <p:cNvSpPr>
             <a:spLocks noGrp="1"/>
           </p:cNvSpPr>
@@ -466,7 +466,7 @@
       </p:grpSpPr>
       <p:sp>
         <p:nvSpPr>
-          <p:cNvPr id="856348241" name="Slide Image Placeholder 1"/>
+          <p:cNvPr id="1842485798" name="Slide Image Placeholder 1"/>
           <p:cNvSpPr>
             <a:spLocks noChangeAspect="1" noGrp="1" noRot="1"/>
           </p:cNvSpPr>
@@ -478,7 +478,7 @@
       </p:sp>
       <p:sp>
         <p:nvSpPr>
-          <p:cNvPr id="1327114207" name="Notes Placeholder 2"/>
+          <p:cNvPr id="95066508" name="Notes Placeholder 2"/>
           <p:cNvSpPr>
             <a:spLocks noGrp="1"/>
           </p:cNvSpPr>
@@ -500,7 +500,7 @@
       </p:sp>
       <p:sp>
         <p:nvSpPr>
-          <p:cNvPr id="308934829" name="Slide Number Placeholder 3"/>
+          <p:cNvPr id="1065024762" name="Slide Number Placeholder 3"/>
           <p:cNvSpPr>
             <a:spLocks noGrp="1"/>
           </p:cNvSpPr>
@@ -548,7 +548,7 @@
       </p:grpSpPr>
       <p:sp>
         <p:nvSpPr>
-          <p:cNvPr id="466708323" name="Slide Image Placeholder 1"/>
+          <p:cNvPr id="72334888" name="Slide Image Placeholder 1"/>
           <p:cNvSpPr>
             <a:spLocks noChangeAspect="1" noGrp="1" noRot="1"/>
           </p:cNvSpPr>
@@ -560,7 +560,7 @@
       </p:sp>
       <p:sp>
         <p:nvSpPr>
-          <p:cNvPr id="136437978" name="Notes Placeholder 2"/>
+          <p:cNvPr id="1616784145" name="Notes Placeholder 2"/>
           <p:cNvSpPr>
             <a:spLocks noGrp="1"/>
           </p:cNvSpPr>
@@ -582,7 +582,7 @@
       </p:sp>
       <p:sp>
         <p:nvSpPr>
-          <p:cNvPr id="2008240674" name="Slide Number Placeholder 3"/>
+          <p:cNvPr id="1798970102" name="Slide Number Placeholder 3"/>
           <p:cNvSpPr>
             <a:spLocks noGrp="1"/>
           </p:cNvSpPr>
@@ -630,7 +630,7 @@
       </p:grpSpPr>
       <p:sp>
         <p:nvSpPr>
-          <p:cNvPr id="997366626" name="Slide Image Placeholder 1"/>
+          <p:cNvPr id="1692312353" name="Slide Image Placeholder 1"/>
           <p:cNvSpPr>
             <a:spLocks noChangeAspect="1" noGrp="1" noRot="1"/>
           </p:cNvSpPr>
@@ -642,7 +642,7 @@
       </p:sp>
       <p:sp>
         <p:nvSpPr>
-          <p:cNvPr id="526813753" name="Notes Placeholder 2"/>
+          <p:cNvPr id="1074266618" name="Notes Placeholder 2"/>
           <p:cNvSpPr>
             <a:spLocks noGrp="1"/>
           </p:cNvSpPr>
@@ -664,7 +664,7 @@
       </p:sp>
       <p:sp>
         <p:nvSpPr>
-          <p:cNvPr id="15687714" name="Slide Number Placeholder 3"/>
+          <p:cNvPr id="1337963520" name="Slide Number Placeholder 3"/>
           <p:cNvSpPr>
             <a:spLocks noGrp="1"/>
           </p:cNvSpPr>
@@ -680,7 +680,7 @@
             <a:pPr>
               <a:defRPr/>
             </a:pPr>
-            <a:fld id="{2096AE28-1750-FB0A-13D1-D80273FFDC97}" type="slidenum">
+            <a:fld id="{B66B4B94-7C55-2EB6-CDD0-E59D69E88D63}" type="slidenum">
               <a:rPr/>
               <a:t/>
             </a:fld>
@@ -712,7 +712,7 @@
       </p:grpSpPr>
       <p:sp>
         <p:nvSpPr>
-          <p:cNvPr id="765008091" name="Slide Image Placeholder 1"/>
+          <p:cNvPr id="1344222789" name="Slide Image Placeholder 1"/>
           <p:cNvSpPr>
             <a:spLocks noChangeAspect="1" noGrp="1" noRot="1"/>
           </p:cNvSpPr>
@@ -724,7 +724,7 @@
       </p:sp>
       <p:sp>
         <p:nvSpPr>
-          <p:cNvPr id="1370788292" name="Notes Placeholder 2"/>
+          <p:cNvPr id="452995076" name="Notes Placeholder 2"/>
           <p:cNvSpPr>
             <a:spLocks noGrp="1"/>
           </p:cNvSpPr>
@@ -746,7 +746,7 @@
       </p:sp>
       <p:sp>
         <p:nvSpPr>
-          <p:cNvPr id="1323240669" name="Slide Number Placeholder 3"/>
+          <p:cNvPr id="1448182124" name="Slide Number Placeholder 3"/>
           <p:cNvSpPr>
             <a:spLocks noGrp="1"/>
           </p:cNvSpPr>
@@ -762,7 +762,7 @@
             <a:pPr>
               <a:defRPr/>
             </a:pPr>
-            <a:fld id="{9C401278-5463-3FBB-39EC-EA3E47386B1E}" type="slidenum">
+            <a:fld id="{2096AE28-1750-FB0A-13D1-D80273FFDC97}" type="slidenum">
               <a:rPr/>
               <a:t/>
             </a:fld>
@@ -794,7 +794,7 @@
       </p:grpSpPr>
       <p:sp>
         <p:nvSpPr>
-          <p:cNvPr id="468044716" name="Slide Image Placeholder 1"/>
+          <p:cNvPr id="838010622" name="Slide Image Placeholder 1"/>
           <p:cNvSpPr>
             <a:spLocks noChangeAspect="1" noGrp="1" noRot="1"/>
           </p:cNvSpPr>
@@ -806,7 +806,7 @@
       </p:sp>
       <p:sp>
         <p:nvSpPr>
-          <p:cNvPr id="54122222" name="Notes Placeholder 2"/>
+          <p:cNvPr id="43331969" name="Notes Placeholder 2"/>
           <p:cNvSpPr>
             <a:spLocks noGrp="1"/>
           </p:cNvSpPr>
@@ -828,7 +828,7 @@
       </p:sp>
       <p:sp>
         <p:nvSpPr>
-          <p:cNvPr id="643555285" name="Slide Number Placeholder 3"/>
+          <p:cNvPr id="1476993785" name="Slide Number Placeholder 3"/>
           <p:cNvSpPr>
             <a:spLocks noGrp="1"/>
           </p:cNvSpPr>
@@ -844,7 +844,7 @@
             <a:pPr>
               <a:defRPr/>
             </a:pPr>
-            <a:fld id="{B66B4B94-7C55-2EB6-CDD0-E59D69E88D63}" type="slidenum">
+            <a:fld id="{9C401278-5463-3FBB-39EC-EA3E47386B1E}" type="slidenum">
               <a:rPr/>
               <a:t/>
             </a:fld>
@@ -876,7 +876,7 @@
       </p:grpSpPr>
       <p:sp>
         <p:nvSpPr>
-          <p:cNvPr id="2005852502" name="Slide Image Placeholder 1"/>
+          <p:cNvPr id="199454247" name="Slide Image Placeholder 1"/>
           <p:cNvSpPr>
             <a:spLocks noChangeAspect="1" noGrp="1" noRot="1"/>
           </p:cNvSpPr>
@@ -888,7 +888,7 @@
       </p:sp>
       <p:sp>
         <p:nvSpPr>
-          <p:cNvPr id="1639619075" name="Notes Placeholder 2"/>
+          <p:cNvPr id="683380671" name="Notes Placeholder 2"/>
           <p:cNvSpPr>
             <a:spLocks noGrp="1"/>
           </p:cNvSpPr>
@@ -910,7 +910,7 @@
       </p:sp>
       <p:sp>
         <p:nvSpPr>
-          <p:cNvPr id="1576756512" name="Slide Number Placeholder 3"/>
+          <p:cNvPr id="659653335" name="Slide Number Placeholder 3"/>
           <p:cNvSpPr>
             <a:spLocks noGrp="1"/>
           </p:cNvSpPr>
@@ -958,7 +958,7 @@
       </p:grpSpPr>
       <p:sp>
         <p:nvSpPr>
-          <p:cNvPr id="1393296041" name="Slide Image Placeholder 1"/>
+          <p:cNvPr id="1500561256" name="Slide Image Placeholder 1"/>
           <p:cNvSpPr>
             <a:spLocks noChangeAspect="1" noGrp="1" noRot="1"/>
           </p:cNvSpPr>
@@ -970,7 +970,7 @@
       </p:sp>
       <p:sp>
         <p:nvSpPr>
-          <p:cNvPr id="1013256662" name="Notes Placeholder 2"/>
+          <p:cNvPr id="1405181648" name="Notes Placeholder 2"/>
           <p:cNvSpPr>
             <a:spLocks noGrp="1"/>
           </p:cNvSpPr>
@@ -992,7 +992,7 @@
       </p:sp>
       <p:sp>
         <p:nvSpPr>
-          <p:cNvPr id="945317324" name="Slide Number Placeholder 3"/>
+          <p:cNvPr id="391069074" name="Slide Number Placeholder 3"/>
           <p:cNvSpPr>
             <a:spLocks noGrp="1"/>
           </p:cNvSpPr>
@@ -1040,7 +1040,7 @@
       </p:grpSpPr>
       <p:sp>
         <p:nvSpPr>
-          <p:cNvPr id="1650313305" name="Slide Image Placeholder 1"/>
+          <p:cNvPr id="278994478" name="Slide Image Placeholder 1"/>
           <p:cNvSpPr>
             <a:spLocks noChangeAspect="1" noGrp="1" noRot="1"/>
           </p:cNvSpPr>
@@ -1052,7 +1052,7 @@
       </p:sp>
       <p:sp>
         <p:nvSpPr>
-          <p:cNvPr id="849116245" name="Notes Placeholder 2"/>
+          <p:cNvPr id="1153871914" name="Notes Placeholder 2"/>
           <p:cNvSpPr>
             <a:spLocks noGrp="1"/>
           </p:cNvSpPr>
@@ -1074,7 +1074,7 @@
       </p:sp>
       <p:sp>
         <p:nvSpPr>
-          <p:cNvPr id="1761843731" name="Slide Number Placeholder 3"/>
+          <p:cNvPr id="110335085" name="Slide Number Placeholder 3"/>
           <p:cNvSpPr>
             <a:spLocks noGrp="1"/>
           </p:cNvSpPr>
@@ -1122,7 +1122,7 @@
       </p:grpSpPr>
       <p:sp>
         <p:nvSpPr>
-          <p:cNvPr id="2066703462" name="Slide Image Placeholder 1"/>
+          <p:cNvPr id="275557313" name="Slide Image Placeholder 1"/>
           <p:cNvSpPr>
             <a:spLocks noChangeAspect="1" noGrp="1" noRot="1"/>
           </p:cNvSpPr>
@@ -1134,7 +1134,7 @@
       </p:sp>
       <p:sp>
         <p:nvSpPr>
-          <p:cNvPr id="1084454868" name="Notes Placeholder 2"/>
+          <p:cNvPr id="1996073186" name="Notes Placeholder 2"/>
           <p:cNvSpPr>
             <a:spLocks noGrp="1"/>
           </p:cNvSpPr>
@@ -1156,7 +1156,7 @@
       </p:sp>
       <p:sp>
         <p:nvSpPr>
-          <p:cNvPr id="1497104842" name="Slide Number Placeholder 3"/>
+          <p:cNvPr id="781611246" name="Slide Number Placeholder 3"/>
           <p:cNvSpPr>
             <a:spLocks noGrp="1"/>
           </p:cNvSpPr>
@@ -1204,7 +1204,7 @@
       </p:grpSpPr>
       <p:sp>
         <p:nvSpPr>
-          <p:cNvPr id="2043070918" name="Slide Image Placeholder 1"/>
+          <p:cNvPr id="1659766159" name="Slide Image Placeholder 1"/>
           <p:cNvSpPr>
             <a:spLocks noChangeAspect="1" noGrp="1" noRot="1"/>
           </p:cNvSpPr>
@@ -1216,7 +1216,7 @@
       </p:sp>
       <p:sp>
         <p:nvSpPr>
-          <p:cNvPr id="1715329016" name="Notes Placeholder 2"/>
+          <p:cNvPr id="1747379607" name="Notes Placeholder 2"/>
           <p:cNvSpPr>
             <a:spLocks noGrp="1"/>
           </p:cNvSpPr>
@@ -1238,7 +1238,7 @@
       </p:sp>
       <p:sp>
         <p:nvSpPr>
-          <p:cNvPr id="412936392" name="Slide Number Placeholder 3"/>
+          <p:cNvPr id="393610900" name="Slide Number Placeholder 3"/>
           <p:cNvSpPr>
             <a:spLocks noGrp="1"/>
           </p:cNvSpPr>
@@ -1450,7 +1450,7 @@
       </p:grpSpPr>
       <p:sp>
         <p:nvSpPr>
-          <p:cNvPr id="1048703898" name="Slide Image Placeholder 1"/>
+          <p:cNvPr id="2060953866" name="Slide Image Placeholder 1"/>
           <p:cNvSpPr>
             <a:spLocks noChangeAspect="1" noGrp="1" noRot="1"/>
           </p:cNvSpPr>
@@ -1462,7 +1462,7 @@
       </p:sp>
       <p:sp>
         <p:nvSpPr>
-          <p:cNvPr id="708070571" name="Notes Placeholder 2"/>
+          <p:cNvPr id="414374458" name="Notes Placeholder 2"/>
           <p:cNvSpPr>
             <a:spLocks noGrp="1"/>
           </p:cNvSpPr>
@@ -1484,7 +1484,7 @@
       </p:sp>
       <p:sp>
         <p:nvSpPr>
-          <p:cNvPr id="1926651719" name="Slide Number Placeholder 3"/>
+          <p:cNvPr id="411746540" name="Slide Number Placeholder 3"/>
           <p:cNvSpPr>
             <a:spLocks noGrp="1"/>
           </p:cNvSpPr>
@@ -1532,7 +1532,7 @@
       </p:grpSpPr>
       <p:sp>
         <p:nvSpPr>
-          <p:cNvPr id="307464255" name="Slide Image Placeholder 1"/>
+          <p:cNvPr id="1990253084" name="Slide Image Placeholder 1"/>
           <p:cNvSpPr>
             <a:spLocks noChangeAspect="1" noGrp="1" noRot="1"/>
           </p:cNvSpPr>
@@ -1544,7 +1544,7 @@
       </p:sp>
       <p:sp>
         <p:nvSpPr>
-          <p:cNvPr id="2124327294" name="Notes Placeholder 2"/>
+          <p:cNvPr id="7878485" name="Notes Placeholder 2"/>
           <p:cNvSpPr>
             <a:spLocks noGrp="1"/>
           </p:cNvSpPr>
@@ -1566,7 +1566,7 @@
       </p:sp>
       <p:sp>
         <p:nvSpPr>
-          <p:cNvPr id="374184552" name="Slide Number Placeholder 3"/>
+          <p:cNvPr id="757641618" name="Slide Number Placeholder 3"/>
           <p:cNvSpPr>
             <a:spLocks noGrp="1"/>
           </p:cNvSpPr>
@@ -1614,7 +1614,7 @@
       </p:grpSpPr>
       <p:sp>
         <p:nvSpPr>
-          <p:cNvPr id="793874266" name="Slide Image Placeholder 1"/>
+          <p:cNvPr id="653316470" name="Slide Image Placeholder 1"/>
           <p:cNvSpPr>
             <a:spLocks noChangeAspect="1" noGrp="1" noRot="1"/>
           </p:cNvSpPr>
@@ -1626,7 +1626,7 @@
       </p:sp>
       <p:sp>
         <p:nvSpPr>
-          <p:cNvPr id="1903267690" name="Notes Placeholder 2"/>
+          <p:cNvPr id="1714630846" name="Notes Placeholder 2"/>
           <p:cNvSpPr>
             <a:spLocks noGrp="1"/>
           </p:cNvSpPr>
@@ -1648,7 +1648,7 @@
       </p:sp>
       <p:sp>
         <p:nvSpPr>
-          <p:cNvPr id="1665081969" name="Slide Number Placeholder 3"/>
+          <p:cNvPr id="544308589" name="Slide Number Placeholder 3"/>
           <p:cNvSpPr>
             <a:spLocks noGrp="1"/>
           </p:cNvSpPr>
@@ -1696,7 +1696,7 @@
       </p:grpSpPr>
       <p:sp>
         <p:nvSpPr>
-          <p:cNvPr id="1946566587" name="Slide Image Placeholder 1"/>
+          <p:cNvPr id="1464280876" name="Slide Image Placeholder 1"/>
           <p:cNvSpPr>
             <a:spLocks noChangeAspect="1" noGrp="1" noRot="1"/>
           </p:cNvSpPr>
@@ -1708,7 +1708,7 @@
       </p:sp>
       <p:sp>
         <p:nvSpPr>
-          <p:cNvPr id="389044852" name="Notes Placeholder 2"/>
+          <p:cNvPr id="2108899738" name="Notes Placeholder 2"/>
           <p:cNvSpPr>
             <a:spLocks noGrp="1"/>
           </p:cNvSpPr>
@@ -1730,7 +1730,7 @@
       </p:sp>
       <p:sp>
         <p:nvSpPr>
-          <p:cNvPr id="2011067203" name="Slide Number Placeholder 3"/>
+          <p:cNvPr id="1149898623" name="Slide Number Placeholder 3"/>
           <p:cNvSpPr>
             <a:spLocks noGrp="1"/>
           </p:cNvSpPr>
@@ -1778,7 +1778,7 @@
       </p:grpSpPr>
       <p:sp>
         <p:nvSpPr>
-          <p:cNvPr id="211675309" name="Slide Image Placeholder 1"/>
+          <p:cNvPr id="1478323884" name="Slide Image Placeholder 1"/>
           <p:cNvSpPr>
             <a:spLocks noChangeAspect="1" noGrp="1" noRot="1"/>
           </p:cNvSpPr>
@@ -1790,7 +1790,7 @@
       </p:sp>
       <p:sp>
         <p:nvSpPr>
-          <p:cNvPr id="393611565" name="Notes Placeholder 2"/>
+          <p:cNvPr id="644842936" name="Notes Placeholder 2"/>
           <p:cNvSpPr>
             <a:spLocks noGrp="1"/>
           </p:cNvSpPr>
@@ -1812,7 +1812,7 @@
       </p:sp>
       <p:sp>
         <p:nvSpPr>
-          <p:cNvPr id="195224183" name="Slide Number Placeholder 3"/>
+          <p:cNvPr id="1517671355" name="Slide Number Placeholder 3"/>
           <p:cNvSpPr>
             <a:spLocks noGrp="1"/>
           </p:cNvSpPr>
@@ -1860,7 +1860,7 @@
       </p:grpSpPr>
       <p:sp>
         <p:nvSpPr>
-          <p:cNvPr id="1138473475" name="Slide Image Placeholder 1"/>
+          <p:cNvPr id="572216624" name="Slide Image Placeholder 1"/>
           <p:cNvSpPr>
             <a:spLocks noChangeAspect="1" noGrp="1" noRot="1"/>
           </p:cNvSpPr>
@@ -1872,7 +1872,7 @@
       </p:sp>
       <p:sp>
         <p:nvSpPr>
-          <p:cNvPr id="1569482308" name="Notes Placeholder 2"/>
+          <p:cNvPr id="1904853458" name="Notes Placeholder 2"/>
           <p:cNvSpPr>
             <a:spLocks noGrp="1"/>
           </p:cNvSpPr>
@@ -1894,7 +1894,7 @@
       </p:sp>
       <p:sp>
         <p:nvSpPr>
-          <p:cNvPr id="1073179198" name="Slide Number Placeholder 3"/>
+          <p:cNvPr id="430371517" name="Slide Number Placeholder 3"/>
           <p:cNvSpPr>
             <a:spLocks noGrp="1"/>
           </p:cNvSpPr>
@@ -1942,7 +1942,7 @@
       </p:grpSpPr>
       <p:sp>
         <p:nvSpPr>
-          <p:cNvPr id="620293428" name="Title 1"/>
+          <p:cNvPr id="1604612169" name="Title 1"/>
           <p:cNvSpPr>
             <a:spLocks noGrp="1"/>
           </p:cNvSpPr>
@@ -1977,7 +1977,7 @@
       </p:sp>
       <p:sp>
         <p:nvSpPr>
-          <p:cNvPr id="1549540626" name="Subtitle 2"/>
+          <p:cNvPr id="58920122" name="Subtitle 2"/>
           <p:cNvSpPr>
             <a:spLocks noGrp="1"/>
           </p:cNvSpPr>
@@ -2045,7 +2045,7 @@
       </p:sp>
       <p:sp>
         <p:nvSpPr>
-          <p:cNvPr id="404287500" name="Date Placeholder 3"/>
+          <p:cNvPr id="1986949178" name="Date Placeholder 3"/>
           <p:cNvSpPr>
             <a:spLocks noGrp="1"/>
           </p:cNvSpPr>
@@ -2071,7 +2071,7 @@
       </p:sp>
       <p:sp>
         <p:nvSpPr>
-          <p:cNvPr id="1205923628" name="Footer Placeholder 4"/>
+          <p:cNvPr id="335857467" name="Footer Placeholder 4"/>
           <p:cNvSpPr>
             <a:spLocks noGrp="1"/>
           </p:cNvSpPr>
@@ -2093,7 +2093,7 @@
       </p:sp>
       <p:sp>
         <p:nvSpPr>
-          <p:cNvPr id="304922070" name="Slide Number Placeholder 5"/>
+          <p:cNvPr id="1694631420" name="Slide Number Placeholder 5"/>
           <p:cNvSpPr>
             <a:spLocks noGrp="1"/>
           </p:cNvSpPr>
@@ -2144,7 +2144,7 @@
       </p:grpSpPr>
       <p:sp>
         <p:nvSpPr>
-          <p:cNvPr id="1180020615" name="Title 1"/>
+          <p:cNvPr id="607448049" name="Title 1"/>
           <p:cNvSpPr>
             <a:spLocks noGrp="1"/>
           </p:cNvSpPr>
@@ -2170,7 +2170,7 @@
       </p:sp>
       <p:sp>
         <p:nvSpPr>
-          <p:cNvPr id="1133255253" name="Vertical Text Placeholder 2"/>
+          <p:cNvPr id="496215145" name="Vertical Text Placeholder 2"/>
           <p:cNvSpPr>
             <a:spLocks noGrp="1"/>
           </p:cNvSpPr>
@@ -2236,7 +2236,7 @@
       </p:sp>
       <p:sp>
         <p:nvSpPr>
-          <p:cNvPr id="540805858" name="Date Placeholder 3"/>
+          <p:cNvPr id="186722101" name="Date Placeholder 3"/>
           <p:cNvSpPr>
             <a:spLocks noGrp="1"/>
           </p:cNvSpPr>
@@ -2262,7 +2262,7 @@
       </p:sp>
       <p:sp>
         <p:nvSpPr>
-          <p:cNvPr id="1991913363" name="Footer Placeholder 4"/>
+          <p:cNvPr id="1677439607" name="Footer Placeholder 4"/>
           <p:cNvSpPr>
             <a:spLocks noGrp="1"/>
           </p:cNvSpPr>
@@ -2284,7 +2284,7 @@
       </p:sp>
       <p:sp>
         <p:nvSpPr>
-          <p:cNvPr id="1420215371" name="Slide Number Placeholder 5"/>
+          <p:cNvPr id="695688148" name="Slide Number Placeholder 5"/>
           <p:cNvSpPr>
             <a:spLocks noGrp="1"/>
           </p:cNvSpPr>
@@ -2335,7 +2335,7 @@
       </p:grpSpPr>
       <p:sp>
         <p:nvSpPr>
-          <p:cNvPr id="421100783" name="Vertical Title 1"/>
+          <p:cNvPr id="824601721" name="Vertical Title 1"/>
           <p:cNvSpPr>
             <a:spLocks noGrp="1"/>
           </p:cNvSpPr>
@@ -2366,7 +2366,7 @@
       </p:sp>
       <p:sp>
         <p:nvSpPr>
-          <p:cNvPr id="1237644691" name="Vertical Text Placeholder 2"/>
+          <p:cNvPr id="837358008" name="Vertical Text Placeholder 2"/>
           <p:cNvSpPr>
             <a:spLocks noGrp="1"/>
           </p:cNvSpPr>
@@ -2437,7 +2437,7 @@
       </p:sp>
       <p:sp>
         <p:nvSpPr>
-          <p:cNvPr id="1550091558" name="Date Placeholder 3"/>
+          <p:cNvPr id="859195771" name="Date Placeholder 3"/>
           <p:cNvSpPr>
             <a:spLocks noGrp="1"/>
           </p:cNvSpPr>
@@ -2463,7 +2463,7 @@
       </p:sp>
       <p:sp>
         <p:nvSpPr>
-          <p:cNvPr id="1717847657" name="Footer Placeholder 4"/>
+          <p:cNvPr id="1847281159" name="Footer Placeholder 4"/>
           <p:cNvSpPr>
             <a:spLocks noGrp="1"/>
           </p:cNvSpPr>
@@ -2485,7 +2485,7 @@
       </p:sp>
       <p:sp>
         <p:nvSpPr>
-          <p:cNvPr id="1239265741" name="Slide Number Placeholder 5"/>
+          <p:cNvPr id="569682643" name="Slide Number Placeholder 5"/>
           <p:cNvSpPr>
             <a:spLocks noGrp="1"/>
           </p:cNvSpPr>
@@ -2536,7 +2536,7 @@
       </p:grpSpPr>
       <p:sp>
         <p:nvSpPr>
-          <p:cNvPr id="264144287" name="Title 1"/>
+          <p:cNvPr id="1151873555" name="Title 1"/>
           <p:cNvSpPr>
             <a:spLocks noGrp="1"/>
           </p:cNvSpPr>
@@ -2562,7 +2562,7 @@
       </p:sp>
       <p:sp>
         <p:nvSpPr>
-          <p:cNvPr id="1187321733" name="Content Placeholder 2"/>
+          <p:cNvPr id="1508605181" name="Content Placeholder 2"/>
           <p:cNvSpPr>
             <a:spLocks noGrp="1"/>
           </p:cNvSpPr>
@@ -2628,7 +2628,7 @@
       </p:sp>
       <p:sp>
         <p:nvSpPr>
-          <p:cNvPr id="296300480" name="Date Placeholder 3"/>
+          <p:cNvPr id="1677066115" name="Date Placeholder 3"/>
           <p:cNvSpPr>
             <a:spLocks noGrp="1"/>
           </p:cNvSpPr>
@@ -2654,7 +2654,7 @@
       </p:sp>
       <p:sp>
         <p:nvSpPr>
-          <p:cNvPr id="1344275755" name="Footer Placeholder 4"/>
+          <p:cNvPr id="1480043949" name="Footer Placeholder 4"/>
           <p:cNvSpPr>
             <a:spLocks noGrp="1"/>
           </p:cNvSpPr>
@@ -2676,7 +2676,7 @@
       </p:sp>
       <p:sp>
         <p:nvSpPr>
-          <p:cNvPr id="81661627" name="Slide Number Placeholder 5"/>
+          <p:cNvPr id="573594424" name="Slide Number Placeholder 5"/>
           <p:cNvSpPr>
             <a:spLocks noGrp="1"/>
           </p:cNvSpPr>
@@ -2727,7 +2727,7 @@
       </p:grpSpPr>
       <p:sp>
         <p:nvSpPr>
-          <p:cNvPr id="1559953809" name="Title 1"/>
+          <p:cNvPr id="694966649" name="Title 1"/>
           <p:cNvSpPr>
             <a:spLocks noGrp="1"/>
           </p:cNvSpPr>
@@ -2762,7 +2762,7 @@
       </p:sp>
       <p:sp>
         <p:nvSpPr>
-          <p:cNvPr id="904358543" name="Text Placeholder 2"/>
+          <p:cNvPr id="217456758" name="Text Placeholder 2"/>
           <p:cNvSpPr>
             <a:spLocks noGrp="1"/>
           </p:cNvSpPr>
@@ -2884,7 +2884,7 @@
       </p:sp>
       <p:sp>
         <p:nvSpPr>
-          <p:cNvPr id="1503717256" name="Date Placeholder 3"/>
+          <p:cNvPr id="1651552644" name="Date Placeholder 3"/>
           <p:cNvSpPr>
             <a:spLocks noGrp="1"/>
           </p:cNvSpPr>
@@ -2910,7 +2910,7 @@
       </p:sp>
       <p:sp>
         <p:nvSpPr>
-          <p:cNvPr id="939076584" name="Footer Placeholder 4"/>
+          <p:cNvPr id="634809183" name="Footer Placeholder 4"/>
           <p:cNvSpPr>
             <a:spLocks noGrp="1"/>
           </p:cNvSpPr>
@@ -2932,7 +2932,7 @@
       </p:sp>
       <p:sp>
         <p:nvSpPr>
-          <p:cNvPr id="2105826557" name="Slide Number Placeholder 5"/>
+          <p:cNvPr id="1116836101" name="Slide Number Placeholder 5"/>
           <p:cNvSpPr>
             <a:spLocks noGrp="1"/>
           </p:cNvSpPr>
@@ -2983,7 +2983,7 @@
       </p:grpSpPr>
       <p:sp>
         <p:nvSpPr>
-          <p:cNvPr id="1673140072" name="Title 1"/>
+          <p:cNvPr id="2129612341" name="Title 1"/>
           <p:cNvSpPr>
             <a:spLocks noGrp="1"/>
           </p:cNvSpPr>
@@ -3009,7 +3009,7 @@
       </p:sp>
       <p:sp>
         <p:nvSpPr>
-          <p:cNvPr id="38220298" name="Content Placeholder 2"/>
+          <p:cNvPr id="1350866700" name="Content Placeholder 2"/>
           <p:cNvSpPr>
             <a:spLocks noGrp="1"/>
           </p:cNvSpPr>
@@ -3080,7 +3080,7 @@
       </p:sp>
       <p:sp>
         <p:nvSpPr>
-          <p:cNvPr id="494105210" name="Content Placeholder 3"/>
+          <p:cNvPr id="1270035947" name="Content Placeholder 3"/>
           <p:cNvSpPr>
             <a:spLocks noGrp="1"/>
           </p:cNvSpPr>
@@ -3151,7 +3151,7 @@
       </p:sp>
       <p:sp>
         <p:nvSpPr>
-          <p:cNvPr id="429234442" name="Date Placeholder 4"/>
+          <p:cNvPr id="1968334535" name="Date Placeholder 4"/>
           <p:cNvSpPr>
             <a:spLocks noGrp="1"/>
           </p:cNvSpPr>
@@ -3177,7 +3177,7 @@
       </p:sp>
       <p:sp>
         <p:nvSpPr>
-          <p:cNvPr id="494509666" name="Footer Placeholder 5"/>
+          <p:cNvPr id="1345263373" name="Footer Placeholder 5"/>
           <p:cNvSpPr>
             <a:spLocks noGrp="1"/>
           </p:cNvSpPr>
@@ -3199,7 +3199,7 @@
       </p:sp>
       <p:sp>
         <p:nvSpPr>
-          <p:cNvPr id="1434700414" name="Slide Number Placeholder 6"/>
+          <p:cNvPr id="1945108659" name="Slide Number Placeholder 6"/>
           <p:cNvSpPr>
             <a:spLocks noGrp="1"/>
           </p:cNvSpPr>
@@ -3250,7 +3250,7 @@
       </p:grpSpPr>
       <p:sp>
         <p:nvSpPr>
-          <p:cNvPr id="2088462279" name="Title 1"/>
+          <p:cNvPr id="620342334" name="Title 1"/>
           <p:cNvSpPr>
             <a:spLocks noGrp="1"/>
           </p:cNvSpPr>
@@ -3281,7 +3281,7 @@
       </p:sp>
       <p:sp>
         <p:nvSpPr>
-          <p:cNvPr id="1915564281" name="Text Placeholder 2"/>
+          <p:cNvPr id="881941976" name="Text Placeholder 2"/>
           <p:cNvSpPr>
             <a:spLocks noGrp="1"/>
           </p:cNvSpPr>
@@ -3349,7 +3349,7 @@
       </p:sp>
       <p:sp>
         <p:nvSpPr>
-          <p:cNvPr id="1732343546" name="Content Placeholder 3"/>
+          <p:cNvPr id="1293372871" name="Content Placeholder 3"/>
           <p:cNvSpPr>
             <a:spLocks noGrp="1"/>
           </p:cNvSpPr>
@@ -3420,7 +3420,7 @@
       </p:sp>
       <p:sp>
         <p:nvSpPr>
-          <p:cNvPr id="1954651423" name="Text Placeholder 4"/>
+          <p:cNvPr id="1636586788" name="Text Placeholder 4"/>
           <p:cNvSpPr>
             <a:spLocks noGrp="1"/>
           </p:cNvSpPr>
@@ -3488,7 +3488,7 @@
       </p:sp>
       <p:sp>
         <p:nvSpPr>
-          <p:cNvPr id="1794432479" name="Content Placeholder 5"/>
+          <p:cNvPr id="562617893" name="Content Placeholder 5"/>
           <p:cNvSpPr>
             <a:spLocks noGrp="1"/>
           </p:cNvSpPr>
@@ -3559,7 +3559,7 @@
       </p:sp>
       <p:sp>
         <p:nvSpPr>
-          <p:cNvPr id="2108551592" name="Date Placeholder 6"/>
+          <p:cNvPr id="2023967356" name="Date Placeholder 6"/>
           <p:cNvSpPr>
             <a:spLocks noGrp="1"/>
           </p:cNvSpPr>
@@ -3585,7 +3585,7 @@
       </p:sp>
       <p:sp>
         <p:nvSpPr>
-          <p:cNvPr id="804809699" name="Footer Placeholder 7"/>
+          <p:cNvPr id="699943462" name="Footer Placeholder 7"/>
           <p:cNvSpPr>
             <a:spLocks noGrp="1"/>
           </p:cNvSpPr>
@@ -3607,7 +3607,7 @@
       </p:sp>
       <p:sp>
         <p:nvSpPr>
-          <p:cNvPr id="1512579549" name="Slide Number Placeholder 8"/>
+          <p:cNvPr id="1615883779" name="Slide Number Placeholder 8"/>
           <p:cNvSpPr>
             <a:spLocks noGrp="1"/>
           </p:cNvSpPr>
@@ -3658,7 +3658,7 @@
       </p:grpSpPr>
       <p:sp>
         <p:nvSpPr>
-          <p:cNvPr id="602440841" name="Title 1"/>
+          <p:cNvPr id="675539240" name="Title 1"/>
           <p:cNvSpPr>
             <a:spLocks noGrp="1"/>
           </p:cNvSpPr>
@@ -3684,7 +3684,7 @@
       </p:sp>
       <p:sp>
         <p:nvSpPr>
-          <p:cNvPr id="402550199" name="Date Placeholder 2"/>
+          <p:cNvPr id="1414248003" name="Date Placeholder 2"/>
           <p:cNvSpPr>
             <a:spLocks noGrp="1"/>
           </p:cNvSpPr>
@@ -3710,7 +3710,7 @@
       </p:sp>
       <p:sp>
         <p:nvSpPr>
-          <p:cNvPr id="1373623831" name="Footer Placeholder 3"/>
+          <p:cNvPr id="782245359" name="Footer Placeholder 3"/>
           <p:cNvSpPr>
             <a:spLocks noGrp="1"/>
           </p:cNvSpPr>
@@ -3732,7 +3732,7 @@
       </p:sp>
       <p:sp>
         <p:nvSpPr>
-          <p:cNvPr id="352438059" name="Slide Number Placeholder 4"/>
+          <p:cNvPr id="900006884" name="Slide Number Placeholder 4"/>
           <p:cNvSpPr>
             <a:spLocks noGrp="1"/>
           </p:cNvSpPr>
@@ -3783,7 +3783,7 @@
       </p:grpSpPr>
       <p:sp>
         <p:nvSpPr>
-          <p:cNvPr id="675430912" name="Date Placeholder 1"/>
+          <p:cNvPr id="1019217179" name="Date Placeholder 1"/>
           <p:cNvSpPr>
             <a:spLocks noGrp="1"/>
           </p:cNvSpPr>
@@ -3809,7 +3809,7 @@
       </p:sp>
       <p:sp>
         <p:nvSpPr>
-          <p:cNvPr id="1625458626" name="Footer Placeholder 2"/>
+          <p:cNvPr id="911126519" name="Footer Placeholder 2"/>
           <p:cNvSpPr>
             <a:spLocks noGrp="1"/>
           </p:cNvSpPr>
@@ -3831,7 +3831,7 @@
       </p:sp>
       <p:sp>
         <p:nvSpPr>
-          <p:cNvPr id="2077309387" name="Slide Number Placeholder 3"/>
+          <p:cNvPr id="836696068" name="Slide Number Placeholder 3"/>
           <p:cNvSpPr>
             <a:spLocks noGrp="1"/>
           </p:cNvSpPr>
@@ -3882,7 +3882,7 @@
       </p:grpSpPr>
       <p:sp>
         <p:nvSpPr>
-          <p:cNvPr id="1156745157" name="Title 1"/>
+          <p:cNvPr id="924646486" name="Title 1"/>
           <p:cNvSpPr>
             <a:spLocks noGrp="1"/>
           </p:cNvSpPr>
@@ -3917,7 +3917,7 @@
       </p:sp>
       <p:sp>
         <p:nvSpPr>
-          <p:cNvPr id="1495896314" name="Content Placeholder 2"/>
+          <p:cNvPr id="1172326637" name="Content Placeholder 2"/>
           <p:cNvSpPr>
             <a:spLocks noGrp="1"/>
           </p:cNvSpPr>
@@ -4016,7 +4016,7 @@
       </p:sp>
       <p:sp>
         <p:nvSpPr>
-          <p:cNvPr id="2072456950" name="Text Placeholder 3"/>
+          <p:cNvPr id="107845625" name="Text Placeholder 3"/>
           <p:cNvSpPr>
             <a:spLocks noGrp="1"/>
           </p:cNvSpPr>
@@ -4084,7 +4084,7 @@
       </p:sp>
       <p:sp>
         <p:nvSpPr>
-          <p:cNvPr id="1302278950" name="Date Placeholder 4"/>
+          <p:cNvPr id="865081909" name="Date Placeholder 4"/>
           <p:cNvSpPr>
             <a:spLocks noGrp="1"/>
           </p:cNvSpPr>
@@ -4110,7 +4110,7 @@
       </p:sp>
       <p:sp>
         <p:nvSpPr>
-          <p:cNvPr id="471009043" name="Footer Placeholder 5"/>
+          <p:cNvPr id="205363460" name="Footer Placeholder 5"/>
           <p:cNvSpPr>
             <a:spLocks noGrp="1"/>
           </p:cNvSpPr>
@@ -4132,7 +4132,7 @@
       </p:sp>
       <p:sp>
         <p:nvSpPr>
-          <p:cNvPr id="1754870088" name="Slide Number Placeholder 6"/>
+          <p:cNvPr id="1497861133" name="Slide Number Placeholder 6"/>
           <p:cNvSpPr>
             <a:spLocks noGrp="1"/>
           </p:cNvSpPr>
@@ -4183,7 +4183,7 @@
       </p:grpSpPr>
       <p:sp>
         <p:nvSpPr>
-          <p:cNvPr id="1814805197" name="Title 1"/>
+          <p:cNvPr id="869023835" name="Title 1"/>
           <p:cNvSpPr>
             <a:spLocks noGrp="1"/>
           </p:cNvSpPr>
@@ -4218,7 +4218,7 @@
       </p:sp>
       <p:sp>
         <p:nvSpPr>
-          <p:cNvPr id="1783445543" name="Picture Placeholder 2"/>
+          <p:cNvPr id="1865915360" name="Picture Placeholder 2"/>
           <p:cNvSpPr>
             <a:spLocks noGrp="1"/>
           </p:cNvSpPr>
@@ -4282,7 +4282,7 @@
       </p:sp>
       <p:sp>
         <p:nvSpPr>
-          <p:cNvPr id="295311046" name="Text Placeholder 3"/>
+          <p:cNvPr id="841502116" name="Text Placeholder 3"/>
           <p:cNvSpPr>
             <a:spLocks noGrp="1"/>
           </p:cNvSpPr>
@@ -4350,7 +4350,7 @@
       </p:sp>
       <p:sp>
         <p:nvSpPr>
-          <p:cNvPr id="346483126" name="Date Placeholder 4"/>
+          <p:cNvPr id="1687771333" name="Date Placeholder 4"/>
           <p:cNvSpPr>
             <a:spLocks noGrp="1"/>
           </p:cNvSpPr>
@@ -4376,7 +4376,7 @@
       </p:sp>
       <p:sp>
         <p:nvSpPr>
-          <p:cNvPr id="607485686" name="Footer Placeholder 5"/>
+          <p:cNvPr id="781381145" name="Footer Placeholder 5"/>
           <p:cNvSpPr>
             <a:spLocks noGrp="1"/>
           </p:cNvSpPr>
@@ -4398,7 +4398,7 @@
       </p:sp>
       <p:sp>
         <p:nvSpPr>
-          <p:cNvPr id="816324188" name="Slide Number Placeholder 6"/>
+          <p:cNvPr id="514404489" name="Slide Number Placeholder 6"/>
           <p:cNvSpPr>
             <a:spLocks noGrp="1"/>
           </p:cNvSpPr>
@@ -4454,7 +4454,7 @@
       </p:grpSpPr>
       <p:sp>
         <p:nvSpPr>
-          <p:cNvPr id="1376583212" name="Title Placeholder 1"/>
+          <p:cNvPr id="918190665" name="Title Placeholder 1"/>
           <p:cNvSpPr>
             <a:spLocks noGrp="1"/>
           </p:cNvSpPr>
@@ -4490,7 +4490,7 @@
       </p:sp>
       <p:sp>
         <p:nvSpPr>
-          <p:cNvPr id="1278112053" name="Text Placeholder 2"/>
+          <p:cNvPr id="829318789" name="Text Placeholder 2"/>
           <p:cNvSpPr>
             <a:spLocks noGrp="1"/>
           </p:cNvSpPr>
@@ -4566,7 +4566,7 @@
       </p:sp>
       <p:sp>
         <p:nvSpPr>
-          <p:cNvPr id="1740548272" name="Date Placeholder 3"/>
+          <p:cNvPr id="2000433867" name="Date Placeholder 3"/>
           <p:cNvSpPr>
             <a:spLocks noGrp="1"/>
           </p:cNvSpPr>
@@ -4610,7 +4610,7 @@
       </p:sp>
       <p:sp>
         <p:nvSpPr>
-          <p:cNvPr id="1285183754" name="Footer Placeholder 4"/>
+          <p:cNvPr id="145792224" name="Footer Placeholder 4"/>
           <p:cNvSpPr>
             <a:spLocks noGrp="1"/>
           </p:cNvSpPr>
@@ -4650,7 +4650,7 @@
       </p:sp>
       <p:sp>
         <p:nvSpPr>
-          <p:cNvPr id="943204573" name="Slide Number Placeholder 5"/>
+          <p:cNvPr id="213294495" name="Slide Number Placeholder 5"/>
           <p:cNvSpPr>
             <a:spLocks noGrp="1"/>
           </p:cNvSpPr>
@@ -5017,7 +5017,7 @@
       </p:grpSpPr>
       <p:sp>
         <p:nvSpPr>
-          <p:cNvPr id="173195728" name="Title 1"/>
+          <p:cNvPr id="723846321" name="Title 1"/>
           <p:cNvSpPr>
             <a:spLocks noGrp="1"/>
           </p:cNvSpPr>
@@ -5052,7 +5052,7 @@
       </p:sp>
       <p:sp>
         <p:nvSpPr>
-          <p:cNvPr id="708834437" name="Subtitle 2"/>
+          <p:cNvPr id="1239041246" name="Subtitle 2"/>
           <p:cNvSpPr>
             <a:spLocks noGrp="1"/>
           </p:cNvSpPr>
@@ -5155,7 +5155,7 @@
       </p:sp>
       <p:pic>
         <p:nvPicPr>
-          <p:cNvPr id="281110848" name="Picture 3"/>
+          <p:cNvPr id="687695419" name="Picture 3"/>
           <p:cNvPicPr>
             <a:picLocks noChangeAspect="1"/>
           </p:cNvPicPr>
@@ -5217,7 +5217,7 @@
       </p:grpSpPr>
       <p:sp>
         <p:nvSpPr>
-          <p:cNvPr id="1991590950" name="Title 1"/>
+          <p:cNvPr id="1709021907" name="Title 1"/>
           <p:cNvSpPr>
             <a:spLocks noGrp="1"/>
           </p:cNvSpPr>
@@ -5255,7 +5255,7 @@
       </p:sp>
       <p:sp>
         <p:nvSpPr>
-          <p:cNvPr id="1086605388" name="Content Placeholder 2"/>
+          <p:cNvPr id="2012918922" name="Content Placeholder 2"/>
           <p:cNvSpPr>
             <a:spLocks noGrp="1"/>
           </p:cNvSpPr>
@@ -5639,7 +5639,7 @@
       </p:sp>
       <p:pic>
         <p:nvPicPr>
-          <p:cNvPr id="874781531" name="Picture 3"/>
+          <p:cNvPr id="1142092327" name="Picture 3"/>
           <p:cNvPicPr>
             <a:picLocks noChangeAspect="1"/>
           </p:cNvPicPr>
@@ -5701,7 +5701,7 @@
       </p:grpSpPr>
       <p:sp>
         <p:nvSpPr>
-          <p:cNvPr id="1148909595" name="Title 1"/>
+          <p:cNvPr id="665276906" name="Title 1"/>
           <p:cNvSpPr>
             <a:spLocks noGrp="1"/>
           </p:cNvSpPr>
@@ -5711,8 +5711,8 @@
         </p:nvSpPr>
         <p:spPr bwMode="auto">
           <a:xfrm>
-            <a:off x="295034" y="-232065"/>
-            <a:ext cx="10515600" cy="1325559"/>
+            <a:off x="474572" y="-48641"/>
+            <a:ext cx="10515600" cy="1325562"/>
           </a:xfrm>
         </p:spPr>
         <p:txBody>
@@ -5731,7 +5731,7 @@
                 <a:ea typeface="Arial"/>
                 <a:cs typeface="Arial"/>
               </a:rPr>
-              <a:t>Car Basic Movements</a:t>
+              <a:t> Car Basic Movements</a:t>
             </a:r>
             <a:endParaRPr/>
           </a:p>
@@ -5739,7 +5739,7 @@
       </p:sp>
       <p:sp>
         <p:nvSpPr>
-          <p:cNvPr id="263069127" name="Content Placeholder 2"/>
+          <p:cNvPr id="1509628345" name="Content Placeholder 2"/>
           <p:cNvSpPr>
             <a:spLocks noGrp="1"/>
           </p:cNvSpPr>
@@ -5749,21 +5749,24 @@
         </p:nvSpPr>
         <p:spPr bwMode="auto">
           <a:xfrm flipH="0" flipV="0">
-            <a:off x="295034" y="765121"/>
-            <a:ext cx="11196689" cy="5982711"/>
+            <a:off x="376651" y="979204"/>
+            <a:ext cx="10515600" cy="5853322"/>
           </a:xfrm>
         </p:spPr>
         <p:txBody>
           <a:bodyPr vertOverflow="overflow" horzOverflow="overflow" vert="horz" wrap="square" lIns="91440" tIns="45720" rIns="91440" bIns="45720" numCol="1" spcCol="0" rtlCol="0" fromWordArt="0" anchor="t" anchorCtr="0" forceAA="0" upright="0" compatLnSpc="0">
-            <a:normAutofit fontScale="80000" lnSpcReduction="4000"/>
+            <a:normAutofit/>
           </a:bodyPr>
           <a:lstStyle/>
           <a:p>
-            <a:pPr>
-              <a:defRPr/>
-            </a:pPr>
-            <a:r>
-              <a:rPr sz="2800" b="1" i="0" u="none">
+            <a:pPr marL="0" marR="0" indent="0">
+              <a:spcBef>
+                <a:spcPts val="2699"/>
+              </a:spcBef>
+              <a:defRPr/>
+            </a:pPr>
+            <a:r>
+              <a:rPr sz="2800" b="0" i="0" u="none">
                 <a:solidFill>
                   <a:schemeClr val="accent5"/>
                 </a:solidFill>
@@ -5771,386 +5774,40 @@
                 <a:ea typeface="Aptos Display"/>
                 <a:cs typeface="Aptos Display"/>
               </a:rPr>
-              <a:t>Critical Programming Setup</a:t>
-            </a:r>
-            <a:r>
-              <a:rPr sz="2800" b="1" i="0" u="none">
-                <a:solidFill>
-                  <a:schemeClr val="bg1"/>
-                </a:solidFill>
-                <a:latin typeface="Aptos Display"/>
-                <a:ea typeface="Aptos Display"/>
-                <a:cs typeface="Aptos Display"/>
-              </a:rPr>
-              <a:t> </a:t>
-            </a:r>
-            <a:endParaRPr sz="2800">
+              <a:t>Algorithm - Movement Control Logic</a:t>
+            </a:r>
+            <a:endParaRPr sz="2800" b="1">
+              <a:solidFill>
+                <a:schemeClr val="bg1">
+                  <a:lumMod val="95000"/>
+                </a:schemeClr>
+              </a:solidFill>
+              <a:latin typeface="Aptos Display"/>
+              <a:ea typeface="Aptos Display"/>
+              <a:cs typeface="Aptos Display"/>
+            </a:endParaRPr>
+          </a:p>
+          <a:p>
+            <a:pPr marL="0" marR="0" indent="0">
+              <a:spcBef>
+                <a:spcPts val="2698"/>
+              </a:spcBef>
+              <a:defRPr/>
+            </a:pPr>
+            <a:endParaRPr sz="2800" b="1">
               <a:solidFill>
                 <a:schemeClr val="bg1"/>
               </a:solidFill>
-              <a:latin typeface="Aptos Display"/>
-              <a:cs typeface="Aptos Display"/>
+              <a:latin typeface="Aptos"/>
+              <a:ea typeface="Aptos"/>
+              <a:cs typeface="Aptos"/>
             </a:endParaRPr>
-          </a:p>
-          <a:p>
-            <a:pPr>
-              <a:defRPr/>
-            </a:pPr>
-            <a:r>
-              <a:rPr sz="2800" b="1" i="0" u="none">
-                <a:solidFill>
-                  <a:schemeClr val="bg1"/>
-                </a:solidFill>
-                <a:latin typeface="Aptos Display"/>
-                <a:ea typeface="Aptos Display"/>
-                <a:cs typeface="Aptos Display"/>
-              </a:rPr>
-              <a:t>MANDATORY Switch Settings Before Uploading Code</a:t>
-            </a:r>
-            <a:endParaRPr sz="2800">
-              <a:solidFill>
-                <a:schemeClr val="bg1"/>
-              </a:solidFill>
-              <a:latin typeface="Aptos Display"/>
-              <a:cs typeface="Aptos Display"/>
-            </a:endParaRPr>
-          </a:p>
-          <a:p>
-            <a:pPr>
-              <a:defRPr/>
-            </a:pPr>
-            <a:r>
-              <a:rPr sz="2800" b="1" i="0" u="none">
-                <a:solidFill>
-                  <a:schemeClr val="bg1"/>
-                </a:solidFill>
-                <a:latin typeface="Aptos Display"/>
-                <a:ea typeface="Aptos Display"/>
-                <a:cs typeface="Aptos Display"/>
-              </a:rPr>
-              <a:t>Before connecting USB and uploading program:</a:t>
-            </a:r>
-            <a:endParaRPr sz="2800">
-              <a:solidFill>
-                <a:schemeClr val="bg1"/>
-              </a:solidFill>
-              <a:latin typeface="Aptos Display"/>
-              <a:cs typeface="Aptos Display"/>
-            </a:endParaRPr>
-          </a:p>
-          <a:p>
-            <a:pPr lvl="1">
-              <a:defRPr/>
-            </a:pPr>
-            <a:r>
-              <a:rPr sz="2800" b="1" i="1" u="none">
-                <a:solidFill>
-                  <a:schemeClr val="accent5"/>
-                </a:solidFill>
-                <a:latin typeface="Aptos Display"/>
-                <a:ea typeface="Aptos Display"/>
-                <a:cs typeface="Aptos Display"/>
-              </a:rPr>
-              <a:t>Motor Driver Standby/On Switch</a:t>
-            </a:r>
-            <a:r>
-              <a:rPr sz="2800" b="1" i="0" u="none">
-                <a:solidFill>
-                  <a:schemeClr val="bg1"/>
-                </a:solidFill>
-                <a:latin typeface="Aptos Display"/>
-                <a:ea typeface="Aptos Display"/>
-                <a:cs typeface="Aptos Display"/>
-              </a:rPr>
-              <a:t> </a:t>
-            </a:r>
-            <a:endParaRPr sz="2800">
-              <a:solidFill>
-                <a:schemeClr val="bg1"/>
-              </a:solidFill>
-              <a:latin typeface="Aptos Display"/>
-              <a:cs typeface="Aptos Display"/>
-            </a:endParaRPr>
-          </a:p>
-          <a:p>
-            <a:pPr lvl="2">
-              <a:defRPr/>
-            </a:pPr>
-            <a:r>
-              <a:rPr sz="2800" b="0" i="0" u="none">
-                <a:solidFill>
-                  <a:schemeClr val="accent4">
-                    <a:lumMod val="75000"/>
-                  </a:schemeClr>
-                </a:solidFill>
-                <a:latin typeface="Aptos Display"/>
-                <a:ea typeface="Aptos Display"/>
-                <a:cs typeface="Aptos Display"/>
-              </a:rPr>
-              <a:t>⚠️ MUST BE SET TO: STANDBY</a:t>
-            </a:r>
-            <a:endParaRPr sz="2800">
-              <a:solidFill>
-                <a:schemeClr val="bg1"/>
-              </a:solidFill>
-              <a:latin typeface="Aptos Display"/>
-              <a:cs typeface="Aptos Display"/>
-            </a:endParaRPr>
-          </a:p>
-          <a:p>
-            <a:pPr lvl="1">
-              <a:defRPr/>
-            </a:pPr>
-            <a:r>
-              <a:rPr sz="2800" b="1" i="0" u="none">
-                <a:solidFill>
-                  <a:schemeClr val="bg1"/>
-                </a:solidFill>
-                <a:latin typeface="Aptos Display"/>
-                <a:ea typeface="Aptos Display"/>
-                <a:cs typeface="Aptos Display"/>
-              </a:rPr>
-              <a:t>Why?</a:t>
-            </a:r>
-            <a:endParaRPr sz="2800">
-              <a:solidFill>
-                <a:schemeClr val="bg1"/>
-              </a:solidFill>
-              <a:latin typeface="Aptos Display"/>
-              <a:cs typeface="Aptos Display"/>
-            </a:endParaRPr>
-          </a:p>
-          <a:p>
-            <a:pPr lvl="2">
-              <a:defRPr/>
-            </a:pPr>
-            <a:r>
-              <a:rPr sz="2800" b="0" i="0" u="none">
-                <a:solidFill>
-                  <a:schemeClr val="bg1"/>
-                </a:solidFill>
-                <a:latin typeface="Aptos Display"/>
-                <a:ea typeface="Aptos Display"/>
-                <a:cs typeface="Aptos Display"/>
-              </a:rPr>
-              <a:t>Prevents motors from running during code upload</a:t>
-            </a:r>
-            <a:endParaRPr sz="2800">
-              <a:solidFill>
-                <a:schemeClr val="bg1"/>
-              </a:solidFill>
-              <a:latin typeface="Aptos Display"/>
-              <a:cs typeface="Aptos Display"/>
-            </a:endParaRPr>
-          </a:p>
-          <a:p>
-            <a:pPr lvl="2">
-              <a:defRPr/>
-            </a:pPr>
-            <a:r>
-              <a:rPr sz="2800" b="0" i="0" u="none">
-                <a:solidFill>
-                  <a:schemeClr val="bg1"/>
-                </a:solidFill>
-                <a:latin typeface="Aptos Display"/>
-                <a:ea typeface="Aptos Display"/>
-                <a:cs typeface="Aptos Display"/>
-              </a:rPr>
-              <a:t>Avoids car moving unexpectedly on desk</a:t>
-            </a:r>
-            <a:endParaRPr sz="2800">
-              <a:solidFill>
-                <a:schemeClr val="bg1"/>
-              </a:solidFill>
-              <a:latin typeface="Aptos Display"/>
-              <a:cs typeface="Aptos Display"/>
-            </a:endParaRPr>
-          </a:p>
-          <a:p>
-            <a:pPr lvl="2">
-              <a:defRPr/>
-            </a:pPr>
-            <a:r>
-              <a:rPr sz="2800" b="0" i="0" u="none">
-                <a:solidFill>
-                  <a:schemeClr val="bg1"/>
-                </a:solidFill>
-                <a:latin typeface="Aptos Display"/>
-                <a:ea typeface="Aptos Display"/>
-                <a:cs typeface="Aptos Display"/>
-              </a:rPr>
-              <a:t>Protects USB connection from power surges</a:t>
-            </a:r>
-            <a:endParaRPr sz="2800">
-              <a:solidFill>
-                <a:schemeClr val="bg1"/>
-              </a:solidFill>
-              <a:latin typeface="Aptos Display"/>
-              <a:cs typeface="Aptos Display"/>
-            </a:endParaRPr>
-          </a:p>
-          <a:p>
-            <a:pPr>
-              <a:defRPr/>
-            </a:pPr>
-            <a:r>
-              <a:rPr sz="2800" b="1" i="0" u="none">
-                <a:solidFill>
-                  <a:schemeClr val="bg1"/>
-                </a:solidFill>
-                <a:latin typeface="Aptos Display"/>
-                <a:ea typeface="Aptos Display"/>
-                <a:cs typeface="Aptos Display"/>
-              </a:rPr>
-              <a:t>Safety first during programming!</a:t>
-            </a:r>
-            <a:endParaRPr sz="2800">
-              <a:solidFill>
-                <a:schemeClr val="bg1"/>
-              </a:solidFill>
-              <a:latin typeface="Aptos Display"/>
-              <a:cs typeface="Aptos Display"/>
-            </a:endParaRPr>
-          </a:p>
-          <a:p>
-            <a:pPr lvl="1">
-              <a:defRPr/>
-            </a:pPr>
-            <a:r>
-              <a:rPr sz="2800" b="1" i="1" u="none">
-                <a:solidFill>
-                  <a:schemeClr val="accent5"/>
-                </a:solidFill>
-                <a:latin typeface="Aptos Display"/>
-                <a:ea typeface="Aptos Display"/>
-                <a:cs typeface="Aptos Display"/>
-              </a:rPr>
-              <a:t>Line/Wall Following Switch </a:t>
-            </a:r>
-            <a:endParaRPr sz="2800">
-              <a:solidFill>
-                <a:schemeClr val="bg1"/>
-              </a:solidFill>
-              <a:latin typeface="Aptos Display"/>
-              <a:cs typeface="Aptos Display"/>
-            </a:endParaRPr>
-          </a:p>
-          <a:p>
-            <a:pPr lvl="2">
-              <a:defRPr/>
-            </a:pPr>
-            <a:r>
-              <a:rPr sz="2400" b="0" i="0" u="none">
-                <a:solidFill>
-                  <a:schemeClr val="accent4">
-                    <a:lumMod val="75000"/>
-                  </a:schemeClr>
-                </a:solidFill>
-                <a:latin typeface="Aptos Display"/>
-                <a:ea typeface="Aptos Display"/>
-                <a:cs typeface="Aptos Display"/>
-              </a:rPr>
-              <a:t>⚠️ MUST BE SET TO: WALL FOLLOWING MODE</a:t>
-            </a:r>
-            <a:endParaRPr sz="2800">
-              <a:solidFill>
-                <a:schemeClr val="bg1"/>
-              </a:solidFill>
-              <a:latin typeface="Aptos Display"/>
-              <a:cs typeface="Aptos Display"/>
-            </a:endParaRPr>
-          </a:p>
-          <a:p>
-            <a:pPr lvl="1">
-              <a:defRPr/>
-            </a:pPr>
-            <a:r>
-              <a:rPr sz="2800" b="1" i="0" u="none">
-                <a:solidFill>
-                  <a:schemeClr val="bg1"/>
-                </a:solidFill>
-                <a:latin typeface="Aptos Display"/>
-                <a:ea typeface="Aptos Display"/>
-                <a:cs typeface="Aptos Display"/>
-              </a:rPr>
-              <a:t>Why?</a:t>
-            </a:r>
-            <a:endParaRPr sz="2800">
-              <a:solidFill>
-                <a:schemeClr val="bg1"/>
-              </a:solidFill>
-              <a:latin typeface="Aptos Display"/>
-              <a:cs typeface="Aptos Display"/>
-            </a:endParaRPr>
-          </a:p>
-          <a:p>
-            <a:pPr lvl="1">
-              <a:defRPr/>
-            </a:pPr>
-            <a:r>
-              <a:rPr sz="2800" b="0" i="0" u="none">
-                <a:solidFill>
-                  <a:schemeClr val="bg1"/>
-                </a:solidFill>
-                <a:latin typeface="Aptos Display"/>
-                <a:ea typeface="Aptos Display"/>
-                <a:cs typeface="Aptos Display"/>
-              </a:rPr>
-              <a:t>Pit avoidance uses the same sensor array as line following</a:t>
-            </a:r>
-            <a:endParaRPr sz="2800">
-              <a:solidFill>
-                <a:schemeClr val="bg1"/>
-              </a:solidFill>
-              <a:latin typeface="Aptos Display"/>
-              <a:cs typeface="Aptos Display"/>
-            </a:endParaRPr>
-          </a:p>
-          <a:p>
-            <a:pPr lvl="1">
-              <a:defRPr/>
-            </a:pPr>
-            <a:r>
-              <a:rPr sz="2800" b="0" i="0" u="none">
-                <a:solidFill>
-                  <a:schemeClr val="bg1"/>
-                </a:solidFill>
-                <a:latin typeface="Aptos Display"/>
-                <a:ea typeface="Aptos Display"/>
-                <a:cs typeface="Aptos Display"/>
-              </a:rPr>
-              <a:t>Switch must be in "Line Following" position for downward sensors to work</a:t>
-            </a:r>
-            <a:endParaRPr sz="2800">
-              <a:solidFill>
-                <a:schemeClr val="bg1"/>
-              </a:solidFill>
-              <a:latin typeface="Aptos Display"/>
-              <a:cs typeface="Aptos Display"/>
-            </a:endParaRPr>
-          </a:p>
-          <a:p>
-            <a:pPr lvl="1">
-              <a:defRPr/>
-            </a:pPr>
-            <a:r>
-              <a:rPr sz="2800" b="0" i="0" u="none">
-                <a:solidFill>
-                  <a:schemeClr val="bg1"/>
-                </a:solidFill>
-                <a:latin typeface="Aptos Display"/>
-                <a:ea typeface="Aptos Display"/>
-                <a:cs typeface="Aptos Display"/>
-              </a:rPr>
-              <a:t>Wrong position = sensors won't be read correctly</a:t>
-            </a:r>
-            <a:endParaRPr/>
           </a:p>
         </p:txBody>
       </p:sp>
       <p:pic>
         <p:nvPicPr>
-          <p:cNvPr id="587998861" name="Picture 3"/>
+          <p:cNvPr id="188864892" name="Picture 3"/>
           <p:cNvPicPr>
             <a:picLocks noChangeAspect="1"/>
           </p:cNvPicPr>
@@ -6162,38 +5819,2159 @@
         </p:blipFill>
         <p:spPr bwMode="auto">
           <a:xfrm>
-            <a:off x="9971313" y="156099"/>
-            <a:ext cx="2037717" cy="549226"/>
+            <a:off x="9971313" y="156101"/>
+            <a:ext cx="2037719" cy="549228"/>
           </a:xfrm>
           <a:prstGeom prst="rect">
             <a:avLst/>
           </a:prstGeom>
         </p:spPr>
       </p:pic>
+      <p:graphicFrame>
+        <p:nvGraphicFramePr>
+          <p:cNvPr id="485583726" name=""/>
+          <p:cNvGraphicFramePr>
+            <a:graphicFrameLocks xmlns:a="http://schemas.openxmlformats.org/drawingml/2006/main"/>
+          </p:cNvGraphicFramePr>
+          <p:nvPr/>
+        </p:nvGraphicFramePr>
+        <p:xfrm>
+          <a:off x="567371" y="1522086"/>
+          <a:ext cx="10422801" cy="2919303"/>
+        </p:xfrm>
+        <a:graphic>
+          <a:graphicData uri="http://schemas.openxmlformats.org/drawingml/2006/table">
+            <a:tbl>
+              <a:tblPr firstRow="1" firstCol="1" lastRow="0" lastCol="0" bandRow="1" bandCol="0">
+                <a:tableStyleId>{5C22544A-7EE6-4342-B048-85BDC9FD1C3A}</a:tableStyleId>
+              </a:tblPr>
+              <a:tblGrid>
+                <a:gridCol w="1813924"/>
+                <a:gridCol w="2004864"/>
+                <a:gridCol w="2100333"/>
+                <a:gridCol w="1460876"/>
+                <a:gridCol w="3030104"/>
+              </a:tblGrid>
+              <a:tr h="429174">
+                <a:tc>
+                  <a:txBody>
+                    <a:bodyPr/>
+                    <a:p>
+                      <a:pPr algn="l">
+                        <a:lnSpc>
+                          <a:spcPct val="100000"/>
+                        </a:lnSpc>
+                        <a:spcBef>
+                          <a:spcPts val="0"/>
+                        </a:spcBef>
+                        <a:spcAft>
+                          <a:spcPts val="0"/>
+                        </a:spcAft>
+                        <a:defRPr/>
+                      </a:pPr>
+                      <a:r>
+                        <a:rPr sz="1200" b="1">
+                          <a:solidFill>
+                            <a:srgbClr val="000000"/>
+                          </a:solidFill>
+                          <a:latin typeface="Times New Roman"/>
+                          <a:ea typeface="Times New Roman"/>
+                          <a:cs typeface="Times New Roman"/>
+                        </a:rPr>
+                        <a:t>Movement Command</a:t>
+                      </a:r>
+                      <a:endParaRPr/>
+                    </a:p>
+                  </a:txBody>
+                  <a:tcPr vert="horz"/>
+                </a:tc>
+                <a:tc>
+                  <a:txBody>
+                    <a:bodyPr/>
+                    <a:p>
+                      <a:pPr algn="l">
+                        <a:lnSpc>
+                          <a:spcPct val="100000"/>
+                        </a:lnSpc>
+                        <a:spcBef>
+                          <a:spcPts val="0"/>
+                        </a:spcBef>
+                        <a:spcAft>
+                          <a:spcPts val="0"/>
+                        </a:spcAft>
+                        <a:defRPr/>
+                      </a:pPr>
+                      <a:r>
+                        <a:rPr sz="1200" b="1">
+                          <a:solidFill>
+                            <a:srgbClr val="000000"/>
+                          </a:solidFill>
+                          <a:latin typeface="Times New Roman"/>
+                          <a:ea typeface="Times New Roman"/>
+                          <a:cs typeface="Times New Roman"/>
+                        </a:rPr>
+                        <a:t>Left Motor (IN1 / IN2)</a:t>
+                      </a:r>
+                      <a:endParaRPr/>
+                    </a:p>
+                  </a:txBody>
+                  <a:tcPr vert="horz"/>
+                </a:tc>
+                <a:tc>
+                  <a:txBody>
+                    <a:bodyPr/>
+                    <a:p>
+                      <a:pPr algn="l">
+                        <a:lnSpc>
+                          <a:spcPct val="100000"/>
+                        </a:lnSpc>
+                        <a:spcBef>
+                          <a:spcPts val="0"/>
+                        </a:spcBef>
+                        <a:spcAft>
+                          <a:spcPts val="0"/>
+                        </a:spcAft>
+                        <a:defRPr/>
+                      </a:pPr>
+                      <a:r>
+                        <a:rPr sz="1200" b="1">
+                          <a:solidFill>
+                            <a:srgbClr val="000000"/>
+                          </a:solidFill>
+                          <a:latin typeface="Times New Roman"/>
+                          <a:ea typeface="Times New Roman"/>
+                          <a:cs typeface="Times New Roman"/>
+                        </a:rPr>
+                        <a:t>Right Motor (IN3 / IN4)</a:t>
+                      </a:r>
+                      <a:endParaRPr/>
+                    </a:p>
+                  </a:txBody>
+                  <a:tcPr vert="horz"/>
+                </a:tc>
+                <a:tc>
+                  <a:txBody>
+                    <a:bodyPr/>
+                    <a:p>
+                      <a:pPr algn="l">
+                        <a:lnSpc>
+                          <a:spcPct val="100000"/>
+                        </a:lnSpc>
+                        <a:spcBef>
+                          <a:spcPts val="0"/>
+                        </a:spcBef>
+                        <a:spcAft>
+                          <a:spcPts val="0"/>
+                        </a:spcAft>
+                        <a:defRPr/>
+                      </a:pPr>
+                      <a:r>
+                        <a:rPr sz="1200" b="1">
+                          <a:solidFill>
+                            <a:srgbClr val="000000"/>
+                          </a:solidFill>
+                          <a:latin typeface="Times New Roman"/>
+                          <a:ea typeface="Times New Roman"/>
+                          <a:cs typeface="Times New Roman"/>
+                        </a:rPr>
+                        <a:t>Speed (ENA / ENB)</a:t>
+                      </a:r>
+                      <a:endParaRPr/>
+                    </a:p>
+                  </a:txBody>
+                  <a:tcPr vert="horz"/>
+                </a:tc>
+                <a:tc>
+                  <a:txBody>
+                    <a:bodyPr/>
+                    <a:p>
+                      <a:pPr algn="l">
+                        <a:lnSpc>
+                          <a:spcPct val="100000"/>
+                        </a:lnSpc>
+                        <a:spcBef>
+                          <a:spcPts val="0"/>
+                        </a:spcBef>
+                        <a:spcAft>
+                          <a:spcPts val="0"/>
+                        </a:spcAft>
+                        <a:defRPr/>
+                      </a:pPr>
+                      <a:r>
+                        <a:rPr sz="1200" b="1">
+                          <a:solidFill>
+                            <a:srgbClr val="000000"/>
+                          </a:solidFill>
+                          <a:latin typeface="Times New Roman"/>
+                          <a:ea typeface="Times New Roman"/>
+                          <a:cs typeface="Times New Roman"/>
+                        </a:rPr>
+                        <a:t>Description</a:t>
+                      </a:r>
+                      <a:endParaRPr/>
+                    </a:p>
+                  </a:txBody>
+                  <a:tcPr vert="horz"/>
+                </a:tc>
+              </a:tr>
+              <a:tr h="512878">
+                <a:tc>
+                  <a:txBody>
+                    <a:bodyPr/>
+                    <a:p>
+                      <a:pPr algn="l">
+                        <a:lnSpc>
+                          <a:spcPct val="100000"/>
+                        </a:lnSpc>
+                        <a:spcBef>
+                          <a:spcPts val="0"/>
+                        </a:spcBef>
+                        <a:spcAft>
+                          <a:spcPts val="0"/>
+                        </a:spcAft>
+                        <a:defRPr/>
+                      </a:pPr>
+                      <a:r>
+                        <a:rPr sz="1200" b="1">
+                          <a:solidFill>
+                            <a:srgbClr val="000000"/>
+                          </a:solidFill>
+                          <a:latin typeface="Times New Roman"/>
+                          <a:ea typeface="Times New Roman"/>
+                          <a:cs typeface="Times New Roman"/>
+                        </a:rPr>
+                        <a:t>FORWARD</a:t>
+                      </a:r>
+                      <a:endParaRPr/>
+                    </a:p>
+                  </a:txBody>
+                  <a:tcPr vert="horz"/>
+                </a:tc>
+                <a:tc>
+                  <a:txBody>
+                    <a:bodyPr/>
+                    <a:p>
+                      <a:pPr algn="l">
+                        <a:lnSpc>
+                          <a:spcPct val="100000"/>
+                        </a:lnSpc>
+                        <a:spcBef>
+                          <a:spcPts val="0"/>
+                        </a:spcBef>
+                        <a:spcAft>
+                          <a:spcPts val="0"/>
+                        </a:spcAft>
+                        <a:defRPr/>
+                      </a:pPr>
+                      <a:r>
+                        <a:rPr sz="1200">
+                          <a:solidFill>
+                            <a:srgbClr val="000000"/>
+                          </a:solidFill>
+                          <a:latin typeface="Times New Roman"/>
+                          <a:ea typeface="Times New Roman"/>
+                          <a:cs typeface="Times New Roman"/>
+                        </a:rPr>
+                        <a:t>IN1 = HIGH IN2 = LOW</a:t>
+                      </a:r>
+                      <a:endParaRPr/>
+                    </a:p>
+                  </a:txBody>
+                  <a:tcPr vert="horz"/>
+                </a:tc>
+                <a:tc>
+                  <a:txBody>
+                    <a:bodyPr/>
+                    <a:p>
+                      <a:pPr algn="l">
+                        <a:lnSpc>
+                          <a:spcPct val="100000"/>
+                        </a:lnSpc>
+                        <a:spcBef>
+                          <a:spcPts val="0"/>
+                        </a:spcBef>
+                        <a:spcAft>
+                          <a:spcPts val="0"/>
+                        </a:spcAft>
+                        <a:defRPr/>
+                      </a:pPr>
+                      <a:r>
+                        <a:rPr sz="1200">
+                          <a:solidFill>
+                            <a:srgbClr val="000000"/>
+                          </a:solidFill>
+                          <a:latin typeface="Times New Roman"/>
+                          <a:ea typeface="Times New Roman"/>
+                          <a:cs typeface="Times New Roman"/>
+                        </a:rPr>
+                        <a:t>IN3 = HIGH IN4 = LOW</a:t>
+                      </a:r>
+                      <a:endParaRPr/>
+                    </a:p>
+                  </a:txBody>
+                  <a:tcPr vert="horz"/>
+                </a:tc>
+                <a:tc>
+                  <a:txBody>
+                    <a:bodyPr/>
+                    <a:p>
+                      <a:pPr algn="l">
+                        <a:lnSpc>
+                          <a:spcPct val="100000"/>
+                        </a:lnSpc>
+                        <a:spcBef>
+                          <a:spcPts val="0"/>
+                        </a:spcBef>
+                        <a:spcAft>
+                          <a:spcPts val="0"/>
+                        </a:spcAft>
+                        <a:defRPr/>
+                      </a:pPr>
+                      <a:r>
+                        <a:rPr sz="1200">
+                          <a:solidFill>
+                            <a:srgbClr val="000000"/>
+                          </a:solidFill>
+                          <a:latin typeface="Times New Roman"/>
+                          <a:ea typeface="Times New Roman"/>
+                          <a:cs typeface="Times New Roman"/>
+                        </a:rPr>
+                        <a:t>PWM (0–255)</a:t>
+                      </a:r>
+                      <a:endParaRPr/>
+                    </a:p>
+                  </a:txBody>
+                  <a:tcPr vert="horz"/>
+                </a:tc>
+                <a:tc>
+                  <a:txBody>
+                    <a:bodyPr/>
+                    <a:p>
+                      <a:pPr algn="l">
+                        <a:lnSpc>
+                          <a:spcPct val="100000"/>
+                        </a:lnSpc>
+                        <a:spcBef>
+                          <a:spcPts val="0"/>
+                        </a:spcBef>
+                        <a:spcAft>
+                          <a:spcPts val="0"/>
+                        </a:spcAft>
+                        <a:defRPr/>
+                      </a:pPr>
+                      <a:r>
+                        <a:rPr sz="1200">
+                          <a:solidFill>
+                            <a:srgbClr val="000000"/>
+                          </a:solidFill>
+                          <a:latin typeface="Times New Roman"/>
+                          <a:ea typeface="Times New Roman"/>
+                          <a:cs typeface="Times New Roman"/>
+                        </a:rPr>
+                        <a:t>Both motors rotate forward at the same speed</a:t>
+                      </a:r>
+                      <a:endParaRPr/>
+                    </a:p>
+                  </a:txBody>
+                  <a:tcPr vert="horz"/>
+                </a:tc>
+              </a:tr>
+              <a:tr h="442604">
+                <a:tc>
+                  <a:txBody>
+                    <a:bodyPr/>
+                    <a:p>
+                      <a:pPr algn="l">
+                        <a:lnSpc>
+                          <a:spcPct val="100000"/>
+                        </a:lnSpc>
+                        <a:spcBef>
+                          <a:spcPts val="0"/>
+                        </a:spcBef>
+                        <a:spcAft>
+                          <a:spcPts val="0"/>
+                        </a:spcAft>
+                        <a:defRPr/>
+                      </a:pPr>
+                      <a:r>
+                        <a:rPr sz="1200" b="1">
+                          <a:solidFill>
+                            <a:srgbClr val="000000"/>
+                          </a:solidFill>
+                          <a:latin typeface="Times New Roman"/>
+                          <a:ea typeface="Times New Roman"/>
+                          <a:cs typeface="Times New Roman"/>
+                        </a:rPr>
+                        <a:t>BACKWARD</a:t>
+                      </a:r>
+                      <a:endParaRPr/>
+                    </a:p>
+                  </a:txBody>
+                  <a:tcPr vert="horz"/>
+                </a:tc>
+                <a:tc>
+                  <a:txBody>
+                    <a:bodyPr/>
+                    <a:p>
+                      <a:pPr algn="l">
+                        <a:lnSpc>
+                          <a:spcPct val="100000"/>
+                        </a:lnSpc>
+                        <a:spcBef>
+                          <a:spcPts val="0"/>
+                        </a:spcBef>
+                        <a:spcAft>
+                          <a:spcPts val="0"/>
+                        </a:spcAft>
+                        <a:defRPr/>
+                      </a:pPr>
+                      <a:r>
+                        <a:rPr sz="1200">
+                          <a:solidFill>
+                            <a:srgbClr val="000000"/>
+                          </a:solidFill>
+                          <a:latin typeface="Times New Roman"/>
+                          <a:ea typeface="Times New Roman"/>
+                          <a:cs typeface="Times New Roman"/>
+                        </a:rPr>
+                        <a:t>IN1 = LOW IN2 = HIGH</a:t>
+                      </a:r>
+                      <a:endParaRPr/>
+                    </a:p>
+                  </a:txBody>
+                  <a:tcPr vert="horz"/>
+                </a:tc>
+                <a:tc>
+                  <a:txBody>
+                    <a:bodyPr/>
+                    <a:p>
+                      <a:pPr algn="l">
+                        <a:lnSpc>
+                          <a:spcPct val="100000"/>
+                        </a:lnSpc>
+                        <a:spcBef>
+                          <a:spcPts val="0"/>
+                        </a:spcBef>
+                        <a:spcAft>
+                          <a:spcPts val="0"/>
+                        </a:spcAft>
+                        <a:defRPr/>
+                      </a:pPr>
+                      <a:r>
+                        <a:rPr sz="1200">
+                          <a:solidFill>
+                            <a:srgbClr val="000000"/>
+                          </a:solidFill>
+                          <a:latin typeface="Times New Roman"/>
+                          <a:ea typeface="Times New Roman"/>
+                          <a:cs typeface="Times New Roman"/>
+                        </a:rPr>
+                        <a:t>IN3 = LOW IN4 = HIGH</a:t>
+                      </a:r>
+                      <a:endParaRPr/>
+                    </a:p>
+                  </a:txBody>
+                  <a:tcPr vert="horz"/>
+                </a:tc>
+                <a:tc>
+                  <a:txBody>
+                    <a:bodyPr/>
+                    <a:p>
+                      <a:pPr algn="l">
+                        <a:lnSpc>
+                          <a:spcPct val="100000"/>
+                        </a:lnSpc>
+                        <a:spcBef>
+                          <a:spcPts val="0"/>
+                        </a:spcBef>
+                        <a:spcAft>
+                          <a:spcPts val="0"/>
+                        </a:spcAft>
+                        <a:defRPr/>
+                      </a:pPr>
+                      <a:r>
+                        <a:rPr sz="1200">
+                          <a:solidFill>
+                            <a:srgbClr val="000000"/>
+                          </a:solidFill>
+                          <a:latin typeface="Times New Roman"/>
+                          <a:ea typeface="Times New Roman"/>
+                          <a:cs typeface="Times New Roman"/>
+                        </a:rPr>
+                        <a:t>PWM (0–255)</a:t>
+                      </a:r>
+                      <a:endParaRPr/>
+                    </a:p>
+                  </a:txBody>
+                  <a:tcPr vert="horz"/>
+                </a:tc>
+                <a:tc>
+                  <a:txBody>
+                    <a:bodyPr/>
+                    <a:p>
+                      <a:pPr algn="l">
+                        <a:lnSpc>
+                          <a:spcPct val="100000"/>
+                        </a:lnSpc>
+                        <a:spcBef>
+                          <a:spcPts val="0"/>
+                        </a:spcBef>
+                        <a:spcAft>
+                          <a:spcPts val="0"/>
+                        </a:spcAft>
+                        <a:defRPr/>
+                      </a:pPr>
+                      <a:r>
+                        <a:rPr sz="1200">
+                          <a:solidFill>
+                            <a:srgbClr val="000000"/>
+                          </a:solidFill>
+                          <a:latin typeface="Times New Roman"/>
+                          <a:ea typeface="Times New Roman"/>
+                          <a:cs typeface="Times New Roman"/>
+                        </a:rPr>
+                        <a:t>Both motors rotate backward at the same speed</a:t>
+                      </a:r>
+                      <a:endParaRPr/>
+                    </a:p>
+                  </a:txBody>
+                  <a:tcPr vert="horz"/>
+                </a:tc>
+              </a:tr>
+              <a:tr h="429174">
+                <a:tc>
+                  <a:txBody>
+                    <a:bodyPr/>
+                    <a:p>
+                      <a:pPr algn="l">
+                        <a:lnSpc>
+                          <a:spcPct val="100000"/>
+                        </a:lnSpc>
+                        <a:spcBef>
+                          <a:spcPts val="0"/>
+                        </a:spcBef>
+                        <a:spcAft>
+                          <a:spcPts val="0"/>
+                        </a:spcAft>
+                        <a:defRPr/>
+                      </a:pPr>
+                      <a:r>
+                        <a:rPr sz="1200" b="1">
+                          <a:solidFill>
+                            <a:srgbClr val="000000"/>
+                          </a:solidFill>
+                          <a:latin typeface="Times New Roman"/>
+                          <a:ea typeface="Times New Roman"/>
+                          <a:cs typeface="Times New Roman"/>
+                        </a:rPr>
+                        <a:t>TURN LEFT</a:t>
+                      </a:r>
+                      <a:endParaRPr/>
+                    </a:p>
+                  </a:txBody>
+                  <a:tcPr vert="horz"/>
+                </a:tc>
+                <a:tc>
+                  <a:txBody>
+                    <a:bodyPr/>
+                    <a:p>
+                      <a:pPr algn="l">
+                        <a:lnSpc>
+                          <a:spcPct val="100000"/>
+                        </a:lnSpc>
+                        <a:spcBef>
+                          <a:spcPts val="0"/>
+                        </a:spcBef>
+                        <a:spcAft>
+                          <a:spcPts val="0"/>
+                        </a:spcAft>
+                        <a:defRPr/>
+                      </a:pPr>
+                      <a:r>
+                        <a:rPr sz="1200">
+                          <a:solidFill>
+                            <a:srgbClr val="000000"/>
+                          </a:solidFill>
+                          <a:latin typeface="Times New Roman"/>
+                          <a:ea typeface="Times New Roman"/>
+                          <a:cs typeface="Times New Roman"/>
+                        </a:rPr>
+                        <a:t>IN1 = LOW IN2 = HIGH</a:t>
+                      </a:r>
+                      <a:endParaRPr/>
+                    </a:p>
+                  </a:txBody>
+                  <a:tcPr vert="horz"/>
+                </a:tc>
+                <a:tc>
+                  <a:txBody>
+                    <a:bodyPr/>
+                    <a:p>
+                      <a:pPr algn="l">
+                        <a:lnSpc>
+                          <a:spcPct val="100000"/>
+                        </a:lnSpc>
+                        <a:spcBef>
+                          <a:spcPts val="0"/>
+                        </a:spcBef>
+                        <a:spcAft>
+                          <a:spcPts val="0"/>
+                        </a:spcAft>
+                        <a:defRPr/>
+                      </a:pPr>
+                      <a:r>
+                        <a:rPr sz="1200">
+                          <a:solidFill>
+                            <a:srgbClr val="000000"/>
+                          </a:solidFill>
+                          <a:latin typeface="Times New Roman"/>
+                          <a:ea typeface="Times New Roman"/>
+                          <a:cs typeface="Times New Roman"/>
+                        </a:rPr>
+                        <a:t>IN3 = HIGH IN4 = LOW</a:t>
+                      </a:r>
+                      <a:endParaRPr/>
+                    </a:p>
+                  </a:txBody>
+                  <a:tcPr vert="horz"/>
+                </a:tc>
+                <a:tc>
+                  <a:txBody>
+                    <a:bodyPr/>
+                    <a:p>
+                      <a:pPr algn="l">
+                        <a:lnSpc>
+                          <a:spcPct val="100000"/>
+                        </a:lnSpc>
+                        <a:spcBef>
+                          <a:spcPts val="0"/>
+                        </a:spcBef>
+                        <a:spcAft>
+                          <a:spcPts val="0"/>
+                        </a:spcAft>
+                        <a:defRPr/>
+                      </a:pPr>
+                      <a:r>
+                        <a:rPr sz="1200">
+                          <a:solidFill>
+                            <a:srgbClr val="000000"/>
+                          </a:solidFill>
+                          <a:latin typeface="Times New Roman"/>
+                          <a:ea typeface="Times New Roman"/>
+                          <a:cs typeface="Times New Roman"/>
+                        </a:rPr>
+                        <a:t>PWM (0–255)</a:t>
+                      </a:r>
+                      <a:endParaRPr/>
+                    </a:p>
+                  </a:txBody>
+                  <a:tcPr vert="horz"/>
+                </a:tc>
+                <a:tc>
+                  <a:txBody>
+                    <a:bodyPr/>
+                    <a:p>
+                      <a:pPr algn="l">
+                        <a:lnSpc>
+                          <a:spcPct val="100000"/>
+                        </a:lnSpc>
+                        <a:spcBef>
+                          <a:spcPts val="0"/>
+                        </a:spcBef>
+                        <a:spcAft>
+                          <a:spcPts val="0"/>
+                        </a:spcAft>
+                        <a:defRPr/>
+                      </a:pPr>
+                      <a:r>
+                        <a:rPr sz="1200">
+                          <a:solidFill>
+                            <a:srgbClr val="000000"/>
+                          </a:solidFill>
+                          <a:latin typeface="Times New Roman"/>
+                          <a:ea typeface="Times New Roman"/>
+                          <a:cs typeface="Times New Roman"/>
+                        </a:rPr>
+                        <a:t>Left motor backward, right motor forward (pivot turn)</a:t>
+                      </a:r>
+                      <a:endParaRPr/>
+                    </a:p>
+                  </a:txBody>
+                  <a:tcPr vert="horz"/>
+                </a:tc>
+              </a:tr>
+              <a:tr h="457480">
+                <a:tc>
+                  <a:txBody>
+                    <a:bodyPr/>
+                    <a:p>
+                      <a:pPr algn="l">
+                        <a:lnSpc>
+                          <a:spcPct val="100000"/>
+                        </a:lnSpc>
+                        <a:spcBef>
+                          <a:spcPts val="0"/>
+                        </a:spcBef>
+                        <a:spcAft>
+                          <a:spcPts val="0"/>
+                        </a:spcAft>
+                        <a:defRPr/>
+                      </a:pPr>
+                      <a:r>
+                        <a:rPr sz="1200" b="1">
+                          <a:solidFill>
+                            <a:srgbClr val="000000"/>
+                          </a:solidFill>
+                          <a:latin typeface="Times New Roman"/>
+                          <a:ea typeface="Times New Roman"/>
+                          <a:cs typeface="Times New Roman"/>
+                        </a:rPr>
+                        <a:t>TURN RIGHT</a:t>
+                      </a:r>
+                      <a:endParaRPr/>
+                    </a:p>
+                  </a:txBody>
+                  <a:tcPr vert="horz"/>
+                </a:tc>
+                <a:tc>
+                  <a:txBody>
+                    <a:bodyPr/>
+                    <a:p>
+                      <a:pPr algn="l">
+                        <a:lnSpc>
+                          <a:spcPct val="100000"/>
+                        </a:lnSpc>
+                        <a:spcBef>
+                          <a:spcPts val="0"/>
+                        </a:spcBef>
+                        <a:spcAft>
+                          <a:spcPts val="0"/>
+                        </a:spcAft>
+                        <a:defRPr/>
+                      </a:pPr>
+                      <a:r>
+                        <a:rPr sz="1200">
+                          <a:solidFill>
+                            <a:srgbClr val="000000"/>
+                          </a:solidFill>
+                          <a:latin typeface="Times New Roman"/>
+                          <a:ea typeface="Times New Roman"/>
+                          <a:cs typeface="Times New Roman"/>
+                        </a:rPr>
+                        <a:t>IN1 = HIGH IN2 = LOW</a:t>
+                      </a:r>
+                      <a:endParaRPr/>
+                    </a:p>
+                  </a:txBody>
+                  <a:tcPr vert="horz"/>
+                </a:tc>
+                <a:tc>
+                  <a:txBody>
+                    <a:bodyPr/>
+                    <a:p>
+                      <a:pPr algn="l">
+                        <a:lnSpc>
+                          <a:spcPct val="100000"/>
+                        </a:lnSpc>
+                        <a:spcBef>
+                          <a:spcPts val="0"/>
+                        </a:spcBef>
+                        <a:spcAft>
+                          <a:spcPts val="0"/>
+                        </a:spcAft>
+                        <a:defRPr/>
+                      </a:pPr>
+                      <a:r>
+                        <a:rPr sz="1200">
+                          <a:solidFill>
+                            <a:srgbClr val="000000"/>
+                          </a:solidFill>
+                          <a:latin typeface="Times New Roman"/>
+                          <a:ea typeface="Times New Roman"/>
+                          <a:cs typeface="Times New Roman"/>
+                        </a:rPr>
+                        <a:t>IN3 = LOW IN4 = HIGH</a:t>
+                      </a:r>
+                      <a:endParaRPr/>
+                    </a:p>
+                  </a:txBody>
+                  <a:tcPr vert="horz"/>
+                </a:tc>
+                <a:tc>
+                  <a:txBody>
+                    <a:bodyPr/>
+                    <a:p>
+                      <a:pPr algn="l">
+                        <a:lnSpc>
+                          <a:spcPct val="100000"/>
+                        </a:lnSpc>
+                        <a:spcBef>
+                          <a:spcPts val="0"/>
+                        </a:spcBef>
+                        <a:spcAft>
+                          <a:spcPts val="0"/>
+                        </a:spcAft>
+                        <a:defRPr/>
+                      </a:pPr>
+                      <a:r>
+                        <a:rPr sz="1200">
+                          <a:solidFill>
+                            <a:srgbClr val="000000"/>
+                          </a:solidFill>
+                          <a:latin typeface="Times New Roman"/>
+                          <a:ea typeface="Times New Roman"/>
+                          <a:cs typeface="Times New Roman"/>
+                        </a:rPr>
+                        <a:t>PWM (0–255)</a:t>
+                      </a:r>
+                      <a:endParaRPr/>
+                    </a:p>
+                  </a:txBody>
+                  <a:tcPr vert="horz"/>
+                </a:tc>
+                <a:tc>
+                  <a:txBody>
+                    <a:bodyPr/>
+                    <a:p>
+                      <a:pPr algn="l">
+                        <a:lnSpc>
+                          <a:spcPct val="100000"/>
+                        </a:lnSpc>
+                        <a:spcBef>
+                          <a:spcPts val="0"/>
+                        </a:spcBef>
+                        <a:spcAft>
+                          <a:spcPts val="0"/>
+                        </a:spcAft>
+                        <a:defRPr/>
+                      </a:pPr>
+                      <a:r>
+                        <a:rPr sz="1200">
+                          <a:solidFill>
+                            <a:srgbClr val="000000"/>
+                          </a:solidFill>
+                          <a:latin typeface="Times New Roman"/>
+                          <a:ea typeface="Times New Roman"/>
+                          <a:cs typeface="Times New Roman"/>
+                        </a:rPr>
+                        <a:t>Left motor forward, right motor backward (pivot turn)</a:t>
+                      </a:r>
+                      <a:endParaRPr/>
+                    </a:p>
+                  </a:txBody>
+                  <a:tcPr vert="horz"/>
+                </a:tc>
+              </a:tr>
+              <a:tr h="564646">
+                <a:tc>
+                  <a:txBody>
+                    <a:bodyPr/>
+                    <a:p>
+                      <a:pPr algn="l">
+                        <a:lnSpc>
+                          <a:spcPct val="100000"/>
+                        </a:lnSpc>
+                        <a:spcBef>
+                          <a:spcPts val="0"/>
+                        </a:spcBef>
+                        <a:spcAft>
+                          <a:spcPts val="0"/>
+                        </a:spcAft>
+                        <a:defRPr/>
+                      </a:pPr>
+                      <a:r>
+                        <a:rPr sz="1200" b="1">
+                          <a:solidFill>
+                            <a:srgbClr val="000000"/>
+                          </a:solidFill>
+                          <a:latin typeface="Times New Roman"/>
+                          <a:ea typeface="Times New Roman"/>
+                          <a:cs typeface="Times New Roman"/>
+                        </a:rPr>
+                        <a:t>STOP</a:t>
+                      </a:r>
+                      <a:endParaRPr/>
+                    </a:p>
+                  </a:txBody>
+                  <a:tcPr vert="horz"/>
+                </a:tc>
+                <a:tc>
+                  <a:txBody>
+                    <a:bodyPr/>
+                    <a:p>
+                      <a:pPr algn="l">
+                        <a:lnSpc>
+                          <a:spcPct val="100000"/>
+                        </a:lnSpc>
+                        <a:spcBef>
+                          <a:spcPts val="0"/>
+                        </a:spcBef>
+                        <a:spcAft>
+                          <a:spcPts val="0"/>
+                        </a:spcAft>
+                        <a:defRPr/>
+                      </a:pPr>
+                      <a:r>
+                        <a:rPr sz="1200">
+                          <a:solidFill>
+                            <a:srgbClr val="000000"/>
+                          </a:solidFill>
+                          <a:latin typeface="Times New Roman"/>
+                          <a:ea typeface="Times New Roman"/>
+                          <a:cs typeface="Times New Roman"/>
+                        </a:rPr>
+                        <a:t>IN1 = LOW IN2 = LOW</a:t>
+                      </a:r>
+                      <a:endParaRPr/>
+                    </a:p>
+                  </a:txBody>
+                  <a:tcPr vert="horz"/>
+                </a:tc>
+                <a:tc>
+                  <a:txBody>
+                    <a:bodyPr/>
+                    <a:p>
+                      <a:pPr algn="l">
+                        <a:lnSpc>
+                          <a:spcPct val="100000"/>
+                        </a:lnSpc>
+                        <a:spcBef>
+                          <a:spcPts val="0"/>
+                        </a:spcBef>
+                        <a:spcAft>
+                          <a:spcPts val="0"/>
+                        </a:spcAft>
+                        <a:defRPr/>
+                      </a:pPr>
+                      <a:r>
+                        <a:rPr sz="1200">
+                          <a:solidFill>
+                            <a:srgbClr val="000000"/>
+                          </a:solidFill>
+                          <a:latin typeface="Times New Roman"/>
+                          <a:ea typeface="Times New Roman"/>
+                          <a:cs typeface="Times New Roman"/>
+                        </a:rPr>
+                        <a:t>IN3 = LOW IN4 = LOW</a:t>
+                      </a:r>
+                      <a:endParaRPr/>
+                    </a:p>
+                  </a:txBody>
+                  <a:tcPr vert="horz"/>
+                </a:tc>
+                <a:tc>
+                  <a:txBody>
+                    <a:bodyPr/>
+                    <a:p>
+                      <a:pPr algn="l">
+                        <a:lnSpc>
+                          <a:spcPct val="100000"/>
+                        </a:lnSpc>
+                        <a:spcBef>
+                          <a:spcPts val="0"/>
+                        </a:spcBef>
+                        <a:spcAft>
+                          <a:spcPts val="0"/>
+                        </a:spcAft>
+                        <a:defRPr/>
+                      </a:pPr>
+                      <a:r>
+                        <a:rPr sz="1200">
+                          <a:solidFill>
+                            <a:srgbClr val="000000"/>
+                          </a:solidFill>
+                          <a:latin typeface="Times New Roman"/>
+                          <a:ea typeface="Times New Roman"/>
+                          <a:cs typeface="Times New Roman"/>
+                        </a:rPr>
+                        <a:t>0</a:t>
+                      </a:r>
+                      <a:endParaRPr/>
+                    </a:p>
+                  </a:txBody>
+                  <a:tcPr vert="horz"/>
+                </a:tc>
+                <a:tc>
+                  <a:txBody>
+                    <a:bodyPr/>
+                    <a:p>
+                      <a:pPr algn="l">
+                        <a:lnSpc>
+                          <a:spcPct val="100000"/>
+                        </a:lnSpc>
+                        <a:spcBef>
+                          <a:spcPts val="0"/>
+                        </a:spcBef>
+                        <a:spcAft>
+                          <a:spcPts val="0"/>
+                        </a:spcAft>
+                        <a:defRPr/>
+                      </a:pPr>
+                      <a:r>
+                        <a:rPr sz="1200">
+                          <a:solidFill>
+                            <a:srgbClr val="000000"/>
+                          </a:solidFill>
+                          <a:latin typeface="Times New Roman"/>
+                          <a:ea typeface="Times New Roman"/>
+                          <a:cs typeface="Times New Roman"/>
+                        </a:rPr>
+                        <a:t>Both motors disabled, no movement</a:t>
+                      </a:r>
+                      <a:endParaRPr/>
+                    </a:p>
+                  </a:txBody>
+                  <a:tcPr vert="horz"/>
+                </a:tc>
+              </a:tr>
+            </a:tbl>
+          </a:graphicData>
+        </a:graphic>
+      </p:graphicFrame>
+      <p:graphicFrame>
+        <p:nvGraphicFramePr>
+          <p:cNvPr id="692468597" name=""/>
+          <p:cNvGraphicFramePr>
+            <a:graphicFrameLocks xmlns:a="http://schemas.openxmlformats.org/drawingml/2006/main"/>
+          </p:cNvGraphicFramePr>
+          <p:nvPr/>
+        </p:nvGraphicFramePr>
+        <p:xfrm>
+          <a:off x="741050" y="5051059"/>
+          <a:ext cx="7152639" cy="1580691"/>
+        </p:xfrm>
+        <a:graphic>
+          <a:graphicData uri="http://schemas.openxmlformats.org/drawingml/2006/table">
+            <a:tbl>
+              <a:tblPr firstRow="1" firstCol="1" lastRow="0" lastCol="0" bandRow="1" bandCol="0">
+                <a:tableStyleId>{5C22544A-7EE6-4342-B048-85BDC9FD1C3A}</a:tableStyleId>
+              </a:tblPr>
+              <a:tblGrid>
+                <a:gridCol w="1188719"/>
+                <a:gridCol w="1188719"/>
+                <a:gridCol w="1188719"/>
+                <a:gridCol w="1188719"/>
+                <a:gridCol w="1188719"/>
+                <a:gridCol w="1196339"/>
+              </a:tblGrid>
+              <a:tr h="457200">
+                <a:tc>
+                  <a:txBody>
+                    <a:bodyPr/>
+                    <a:p>
+                      <a:pPr algn="l">
+                        <a:lnSpc>
+                          <a:spcPct val="100000"/>
+                        </a:lnSpc>
+                        <a:spcBef>
+                          <a:spcPts val="0"/>
+                        </a:spcBef>
+                        <a:spcAft>
+                          <a:spcPts val="0"/>
+                        </a:spcAft>
+                        <a:defRPr/>
+                      </a:pPr>
+                      <a:r>
+                        <a:rPr sz="1200" b="1">
+                          <a:solidFill>
+                            <a:srgbClr val="000000"/>
+                          </a:solidFill>
+                          <a:latin typeface="Times New Roman"/>
+                          <a:ea typeface="Times New Roman"/>
+                          <a:cs typeface="Times New Roman"/>
+                        </a:rPr>
+                        <a:t>IN1</a:t>
+                      </a:r>
+                      <a:endParaRPr/>
+                    </a:p>
+                  </a:txBody>
+                  <a:tcPr vert="horz"/>
+                </a:tc>
+                <a:tc>
+                  <a:txBody>
+                    <a:bodyPr/>
+                    <a:p>
+                      <a:pPr algn="l">
+                        <a:lnSpc>
+                          <a:spcPct val="100000"/>
+                        </a:lnSpc>
+                        <a:spcBef>
+                          <a:spcPts val="0"/>
+                        </a:spcBef>
+                        <a:spcAft>
+                          <a:spcPts val="0"/>
+                        </a:spcAft>
+                        <a:defRPr/>
+                      </a:pPr>
+                      <a:r>
+                        <a:rPr sz="1200" b="1">
+                          <a:solidFill>
+                            <a:srgbClr val="000000"/>
+                          </a:solidFill>
+                          <a:latin typeface="Times New Roman"/>
+                          <a:ea typeface="Times New Roman"/>
+                          <a:cs typeface="Times New Roman"/>
+                        </a:rPr>
+                        <a:t>IN2</a:t>
+                      </a:r>
+                      <a:endParaRPr/>
+                    </a:p>
+                  </a:txBody>
+                  <a:tcPr vert="horz"/>
+                </a:tc>
+                <a:tc>
+                  <a:txBody>
+                    <a:bodyPr/>
+                    <a:p>
+                      <a:pPr algn="l">
+                        <a:lnSpc>
+                          <a:spcPct val="100000"/>
+                        </a:lnSpc>
+                        <a:spcBef>
+                          <a:spcPts val="0"/>
+                        </a:spcBef>
+                        <a:spcAft>
+                          <a:spcPts val="0"/>
+                        </a:spcAft>
+                        <a:defRPr/>
+                      </a:pPr>
+                      <a:r>
+                        <a:rPr sz="1200" b="1">
+                          <a:solidFill>
+                            <a:srgbClr val="000000"/>
+                          </a:solidFill>
+                          <a:latin typeface="Times New Roman"/>
+                          <a:ea typeface="Times New Roman"/>
+                          <a:cs typeface="Times New Roman"/>
+                        </a:rPr>
+                        <a:t>Motor A Direction</a:t>
+                      </a:r>
+                      <a:endParaRPr/>
+                    </a:p>
+                  </a:txBody>
+                  <a:tcPr vert="horz"/>
+                </a:tc>
+                <a:tc>
+                  <a:txBody>
+                    <a:bodyPr/>
+                    <a:p>
+                      <a:pPr algn="l">
+                        <a:lnSpc>
+                          <a:spcPct val="100000"/>
+                        </a:lnSpc>
+                        <a:spcBef>
+                          <a:spcPts val="0"/>
+                        </a:spcBef>
+                        <a:spcAft>
+                          <a:spcPts val="0"/>
+                        </a:spcAft>
+                        <a:defRPr/>
+                      </a:pPr>
+                      <a:r>
+                        <a:rPr sz="1200" b="1">
+                          <a:solidFill>
+                            <a:srgbClr val="000000"/>
+                          </a:solidFill>
+                          <a:latin typeface="Times New Roman"/>
+                          <a:ea typeface="Times New Roman"/>
+                          <a:cs typeface="Times New Roman"/>
+                        </a:rPr>
+                        <a:t>IN3</a:t>
+                      </a:r>
+                      <a:endParaRPr/>
+                    </a:p>
+                  </a:txBody>
+                  <a:tcPr vert="horz"/>
+                </a:tc>
+                <a:tc>
+                  <a:txBody>
+                    <a:bodyPr/>
+                    <a:p>
+                      <a:pPr algn="l">
+                        <a:lnSpc>
+                          <a:spcPct val="100000"/>
+                        </a:lnSpc>
+                        <a:spcBef>
+                          <a:spcPts val="0"/>
+                        </a:spcBef>
+                        <a:spcAft>
+                          <a:spcPts val="0"/>
+                        </a:spcAft>
+                        <a:defRPr/>
+                      </a:pPr>
+                      <a:r>
+                        <a:rPr sz="1200" b="1">
+                          <a:solidFill>
+                            <a:srgbClr val="000000"/>
+                          </a:solidFill>
+                          <a:latin typeface="Times New Roman"/>
+                          <a:ea typeface="Times New Roman"/>
+                          <a:cs typeface="Times New Roman"/>
+                        </a:rPr>
+                        <a:t>IN4</a:t>
+                      </a:r>
+                      <a:endParaRPr/>
+                    </a:p>
+                  </a:txBody>
+                  <a:tcPr vert="horz"/>
+                </a:tc>
+                <a:tc>
+                  <a:txBody>
+                    <a:bodyPr/>
+                    <a:p>
+                      <a:pPr algn="l">
+                        <a:lnSpc>
+                          <a:spcPct val="100000"/>
+                        </a:lnSpc>
+                        <a:spcBef>
+                          <a:spcPts val="0"/>
+                        </a:spcBef>
+                        <a:spcAft>
+                          <a:spcPts val="0"/>
+                        </a:spcAft>
+                        <a:defRPr/>
+                      </a:pPr>
+                      <a:r>
+                        <a:rPr sz="1200" b="1">
+                          <a:solidFill>
+                            <a:srgbClr val="000000"/>
+                          </a:solidFill>
+                          <a:latin typeface="Times New Roman"/>
+                          <a:ea typeface="Times New Roman"/>
+                          <a:cs typeface="Times New Roman"/>
+                        </a:rPr>
+                        <a:t>Motor B Direction</a:t>
+                      </a:r>
+                      <a:endParaRPr/>
+                    </a:p>
+                  </a:txBody>
+                  <a:tcPr vert="horz" anchor="ctr"/>
+                </a:tc>
+              </a:tr>
+              <a:tr h="274320">
+                <a:tc>
+                  <a:txBody>
+                    <a:bodyPr/>
+                    <a:p>
+                      <a:pPr algn="l">
+                        <a:lnSpc>
+                          <a:spcPct val="100000"/>
+                        </a:lnSpc>
+                        <a:spcBef>
+                          <a:spcPts val="0"/>
+                        </a:spcBef>
+                        <a:spcAft>
+                          <a:spcPts val="0"/>
+                        </a:spcAft>
+                        <a:defRPr/>
+                      </a:pPr>
+                      <a:r>
+                        <a:rPr sz="1200">
+                          <a:solidFill>
+                            <a:srgbClr val="000000"/>
+                          </a:solidFill>
+                          <a:latin typeface="Times New Roman"/>
+                          <a:ea typeface="Times New Roman"/>
+                          <a:cs typeface="Times New Roman"/>
+                        </a:rPr>
+                        <a:t>HIGH</a:t>
+                      </a:r>
+                      <a:endParaRPr/>
+                    </a:p>
+                  </a:txBody>
+                  <a:tcPr vert="horz"/>
+                </a:tc>
+                <a:tc>
+                  <a:txBody>
+                    <a:bodyPr/>
+                    <a:p>
+                      <a:pPr algn="l">
+                        <a:lnSpc>
+                          <a:spcPct val="100000"/>
+                        </a:lnSpc>
+                        <a:spcBef>
+                          <a:spcPts val="0"/>
+                        </a:spcBef>
+                        <a:spcAft>
+                          <a:spcPts val="0"/>
+                        </a:spcAft>
+                        <a:defRPr/>
+                      </a:pPr>
+                      <a:r>
+                        <a:rPr sz="1200">
+                          <a:solidFill>
+                            <a:srgbClr val="000000"/>
+                          </a:solidFill>
+                          <a:latin typeface="Times New Roman"/>
+                          <a:ea typeface="Times New Roman"/>
+                          <a:cs typeface="Times New Roman"/>
+                        </a:rPr>
+                        <a:t>LOW</a:t>
+                      </a:r>
+                      <a:endParaRPr/>
+                    </a:p>
+                  </a:txBody>
+                  <a:tcPr vert="horz"/>
+                </a:tc>
+                <a:tc>
+                  <a:txBody>
+                    <a:bodyPr/>
+                    <a:p>
+                      <a:pPr algn="l">
+                        <a:lnSpc>
+                          <a:spcPct val="100000"/>
+                        </a:lnSpc>
+                        <a:spcBef>
+                          <a:spcPts val="0"/>
+                        </a:spcBef>
+                        <a:spcAft>
+                          <a:spcPts val="0"/>
+                        </a:spcAft>
+                        <a:defRPr/>
+                      </a:pPr>
+                      <a:r>
+                        <a:rPr sz="1200" b="1">
+                          <a:solidFill>
+                            <a:srgbClr val="000000"/>
+                          </a:solidFill>
+                          <a:latin typeface="Times New Roman"/>
+                          <a:ea typeface="Times New Roman"/>
+                          <a:cs typeface="Times New Roman"/>
+                        </a:rPr>
+                        <a:t>Forward</a:t>
+                      </a:r>
+                      <a:r>
+                        <a:rPr sz="1200">
+                          <a:solidFill>
+                            <a:srgbClr val="000000"/>
+                          </a:solidFill>
+                          <a:latin typeface="Times New Roman"/>
+                          <a:ea typeface="Times New Roman"/>
+                          <a:cs typeface="Times New Roman"/>
+                        </a:rPr>
+                        <a:t> →</a:t>
+                      </a:r>
+                      <a:endParaRPr/>
+                    </a:p>
+                  </a:txBody>
+                  <a:tcPr vert="horz"/>
+                </a:tc>
+                <a:tc>
+                  <a:txBody>
+                    <a:bodyPr/>
+                    <a:p>
+                      <a:pPr algn="l">
+                        <a:lnSpc>
+                          <a:spcPct val="100000"/>
+                        </a:lnSpc>
+                        <a:spcBef>
+                          <a:spcPts val="0"/>
+                        </a:spcBef>
+                        <a:spcAft>
+                          <a:spcPts val="0"/>
+                        </a:spcAft>
+                        <a:defRPr/>
+                      </a:pPr>
+                      <a:r>
+                        <a:rPr sz="1200">
+                          <a:solidFill>
+                            <a:srgbClr val="000000"/>
+                          </a:solidFill>
+                          <a:latin typeface="Times New Roman"/>
+                          <a:ea typeface="Times New Roman"/>
+                          <a:cs typeface="Times New Roman"/>
+                        </a:rPr>
+                        <a:t>HIGH</a:t>
+                      </a:r>
+                      <a:endParaRPr/>
+                    </a:p>
+                  </a:txBody>
+                  <a:tcPr vert="horz"/>
+                </a:tc>
+                <a:tc>
+                  <a:txBody>
+                    <a:bodyPr/>
+                    <a:p>
+                      <a:pPr algn="l">
+                        <a:lnSpc>
+                          <a:spcPct val="100000"/>
+                        </a:lnSpc>
+                        <a:spcBef>
+                          <a:spcPts val="0"/>
+                        </a:spcBef>
+                        <a:spcAft>
+                          <a:spcPts val="0"/>
+                        </a:spcAft>
+                        <a:defRPr/>
+                      </a:pPr>
+                      <a:r>
+                        <a:rPr sz="1200">
+                          <a:solidFill>
+                            <a:srgbClr val="000000"/>
+                          </a:solidFill>
+                          <a:latin typeface="Times New Roman"/>
+                          <a:ea typeface="Times New Roman"/>
+                          <a:cs typeface="Times New Roman"/>
+                        </a:rPr>
+                        <a:t>LOW</a:t>
+                      </a:r>
+                      <a:endParaRPr/>
+                    </a:p>
+                  </a:txBody>
+                  <a:tcPr vert="horz"/>
+                </a:tc>
+                <a:tc>
+                  <a:txBody>
+                    <a:bodyPr/>
+                    <a:p>
+                      <a:pPr algn="l">
+                        <a:lnSpc>
+                          <a:spcPct val="100000"/>
+                        </a:lnSpc>
+                        <a:spcBef>
+                          <a:spcPts val="0"/>
+                        </a:spcBef>
+                        <a:spcAft>
+                          <a:spcPts val="0"/>
+                        </a:spcAft>
+                        <a:defRPr/>
+                      </a:pPr>
+                      <a:r>
+                        <a:rPr sz="1200" b="1">
+                          <a:solidFill>
+                            <a:srgbClr val="000000"/>
+                          </a:solidFill>
+                          <a:latin typeface="Times New Roman"/>
+                          <a:ea typeface="Times New Roman"/>
+                          <a:cs typeface="Times New Roman"/>
+                        </a:rPr>
+                        <a:t>Forward</a:t>
+                      </a:r>
+                      <a:r>
+                        <a:rPr sz="1200">
+                          <a:solidFill>
+                            <a:srgbClr val="000000"/>
+                          </a:solidFill>
+                          <a:latin typeface="Times New Roman"/>
+                          <a:ea typeface="Times New Roman"/>
+                          <a:cs typeface="Times New Roman"/>
+                        </a:rPr>
+                        <a:t> →</a:t>
+                      </a:r>
+                      <a:endParaRPr/>
+                    </a:p>
+                  </a:txBody>
+                  <a:tcPr vert="horz" anchor="ctr"/>
+                </a:tc>
+              </a:tr>
+              <a:tr h="274320">
+                <a:tc>
+                  <a:txBody>
+                    <a:bodyPr/>
+                    <a:p>
+                      <a:pPr algn="l">
+                        <a:lnSpc>
+                          <a:spcPct val="100000"/>
+                        </a:lnSpc>
+                        <a:spcBef>
+                          <a:spcPts val="0"/>
+                        </a:spcBef>
+                        <a:spcAft>
+                          <a:spcPts val="0"/>
+                        </a:spcAft>
+                        <a:defRPr/>
+                      </a:pPr>
+                      <a:r>
+                        <a:rPr sz="1200">
+                          <a:solidFill>
+                            <a:srgbClr val="000000"/>
+                          </a:solidFill>
+                          <a:latin typeface="Times New Roman"/>
+                          <a:ea typeface="Times New Roman"/>
+                          <a:cs typeface="Times New Roman"/>
+                        </a:rPr>
+                        <a:t>LOW</a:t>
+                      </a:r>
+                      <a:endParaRPr/>
+                    </a:p>
+                  </a:txBody>
+                  <a:tcPr vert="horz"/>
+                </a:tc>
+                <a:tc>
+                  <a:txBody>
+                    <a:bodyPr/>
+                    <a:p>
+                      <a:pPr algn="l">
+                        <a:lnSpc>
+                          <a:spcPct val="100000"/>
+                        </a:lnSpc>
+                        <a:spcBef>
+                          <a:spcPts val="0"/>
+                        </a:spcBef>
+                        <a:spcAft>
+                          <a:spcPts val="0"/>
+                        </a:spcAft>
+                        <a:defRPr/>
+                      </a:pPr>
+                      <a:r>
+                        <a:rPr sz="1200">
+                          <a:solidFill>
+                            <a:srgbClr val="000000"/>
+                          </a:solidFill>
+                          <a:latin typeface="Times New Roman"/>
+                          <a:ea typeface="Times New Roman"/>
+                          <a:cs typeface="Times New Roman"/>
+                        </a:rPr>
+                        <a:t>HIGH</a:t>
+                      </a:r>
+                      <a:endParaRPr/>
+                    </a:p>
+                  </a:txBody>
+                  <a:tcPr vert="horz"/>
+                </a:tc>
+                <a:tc>
+                  <a:txBody>
+                    <a:bodyPr/>
+                    <a:p>
+                      <a:pPr algn="l">
+                        <a:lnSpc>
+                          <a:spcPct val="100000"/>
+                        </a:lnSpc>
+                        <a:spcBef>
+                          <a:spcPts val="0"/>
+                        </a:spcBef>
+                        <a:spcAft>
+                          <a:spcPts val="0"/>
+                        </a:spcAft>
+                        <a:defRPr/>
+                      </a:pPr>
+                      <a:r>
+                        <a:rPr sz="1200" b="1">
+                          <a:solidFill>
+                            <a:srgbClr val="000000"/>
+                          </a:solidFill>
+                          <a:latin typeface="Times New Roman"/>
+                          <a:ea typeface="Times New Roman"/>
+                          <a:cs typeface="Times New Roman"/>
+                        </a:rPr>
+                        <a:t>Backward</a:t>
+                      </a:r>
+                      <a:r>
+                        <a:rPr sz="1200">
+                          <a:solidFill>
+                            <a:srgbClr val="000000"/>
+                          </a:solidFill>
+                          <a:latin typeface="Times New Roman"/>
+                          <a:ea typeface="Times New Roman"/>
+                          <a:cs typeface="Times New Roman"/>
+                        </a:rPr>
+                        <a:t> ←</a:t>
+                      </a:r>
+                      <a:endParaRPr/>
+                    </a:p>
+                  </a:txBody>
+                  <a:tcPr vert="horz"/>
+                </a:tc>
+                <a:tc>
+                  <a:txBody>
+                    <a:bodyPr/>
+                    <a:p>
+                      <a:pPr algn="l">
+                        <a:lnSpc>
+                          <a:spcPct val="100000"/>
+                        </a:lnSpc>
+                        <a:spcBef>
+                          <a:spcPts val="0"/>
+                        </a:spcBef>
+                        <a:spcAft>
+                          <a:spcPts val="0"/>
+                        </a:spcAft>
+                        <a:defRPr/>
+                      </a:pPr>
+                      <a:r>
+                        <a:rPr sz="1200">
+                          <a:solidFill>
+                            <a:srgbClr val="000000"/>
+                          </a:solidFill>
+                          <a:latin typeface="Times New Roman"/>
+                          <a:ea typeface="Times New Roman"/>
+                          <a:cs typeface="Times New Roman"/>
+                        </a:rPr>
+                        <a:t>LOW</a:t>
+                      </a:r>
+                      <a:endParaRPr/>
+                    </a:p>
+                  </a:txBody>
+                  <a:tcPr vert="horz"/>
+                </a:tc>
+                <a:tc>
+                  <a:txBody>
+                    <a:bodyPr/>
+                    <a:p>
+                      <a:pPr algn="l">
+                        <a:lnSpc>
+                          <a:spcPct val="100000"/>
+                        </a:lnSpc>
+                        <a:spcBef>
+                          <a:spcPts val="0"/>
+                        </a:spcBef>
+                        <a:spcAft>
+                          <a:spcPts val="0"/>
+                        </a:spcAft>
+                        <a:defRPr/>
+                      </a:pPr>
+                      <a:r>
+                        <a:rPr sz="1200">
+                          <a:solidFill>
+                            <a:srgbClr val="000000"/>
+                          </a:solidFill>
+                          <a:latin typeface="Times New Roman"/>
+                          <a:ea typeface="Times New Roman"/>
+                          <a:cs typeface="Times New Roman"/>
+                        </a:rPr>
+                        <a:t>HIGH</a:t>
+                      </a:r>
+                      <a:endParaRPr/>
+                    </a:p>
+                  </a:txBody>
+                  <a:tcPr vert="horz"/>
+                </a:tc>
+                <a:tc>
+                  <a:txBody>
+                    <a:bodyPr/>
+                    <a:p>
+                      <a:pPr algn="l">
+                        <a:lnSpc>
+                          <a:spcPct val="100000"/>
+                        </a:lnSpc>
+                        <a:spcBef>
+                          <a:spcPts val="0"/>
+                        </a:spcBef>
+                        <a:spcAft>
+                          <a:spcPts val="0"/>
+                        </a:spcAft>
+                        <a:defRPr/>
+                      </a:pPr>
+                      <a:r>
+                        <a:rPr sz="1200" b="1">
+                          <a:solidFill>
+                            <a:srgbClr val="000000"/>
+                          </a:solidFill>
+                          <a:latin typeface="Times New Roman"/>
+                          <a:ea typeface="Times New Roman"/>
+                          <a:cs typeface="Times New Roman"/>
+                        </a:rPr>
+                        <a:t>Backward</a:t>
+                      </a:r>
+                      <a:r>
+                        <a:rPr sz="1200">
+                          <a:solidFill>
+                            <a:srgbClr val="000000"/>
+                          </a:solidFill>
+                          <a:latin typeface="Times New Roman"/>
+                          <a:ea typeface="Times New Roman"/>
+                          <a:cs typeface="Times New Roman"/>
+                        </a:rPr>
+                        <a:t> ←</a:t>
+                      </a:r>
+                      <a:endParaRPr/>
+                    </a:p>
+                  </a:txBody>
+                  <a:tcPr vert="horz" anchor="ctr"/>
+                </a:tc>
+              </a:tr>
+              <a:tr h="281076">
+                <a:tc>
+                  <a:txBody>
+                    <a:bodyPr/>
+                    <a:p>
+                      <a:pPr algn="l">
+                        <a:lnSpc>
+                          <a:spcPct val="100000"/>
+                        </a:lnSpc>
+                        <a:spcBef>
+                          <a:spcPts val="0"/>
+                        </a:spcBef>
+                        <a:spcAft>
+                          <a:spcPts val="0"/>
+                        </a:spcAft>
+                        <a:defRPr/>
+                      </a:pPr>
+                      <a:r>
+                        <a:rPr sz="1200">
+                          <a:solidFill>
+                            <a:srgbClr val="000000"/>
+                          </a:solidFill>
+                          <a:latin typeface="Times New Roman"/>
+                          <a:ea typeface="Times New Roman"/>
+                          <a:cs typeface="Times New Roman"/>
+                        </a:rPr>
+                        <a:t>LOW</a:t>
+                      </a:r>
+                      <a:endParaRPr/>
+                    </a:p>
+                  </a:txBody>
+                  <a:tcPr vert="horz"/>
+                </a:tc>
+                <a:tc>
+                  <a:txBody>
+                    <a:bodyPr/>
+                    <a:p>
+                      <a:pPr algn="l">
+                        <a:lnSpc>
+                          <a:spcPct val="100000"/>
+                        </a:lnSpc>
+                        <a:spcBef>
+                          <a:spcPts val="0"/>
+                        </a:spcBef>
+                        <a:spcAft>
+                          <a:spcPts val="0"/>
+                        </a:spcAft>
+                        <a:defRPr/>
+                      </a:pPr>
+                      <a:r>
+                        <a:rPr sz="1200">
+                          <a:solidFill>
+                            <a:srgbClr val="000000"/>
+                          </a:solidFill>
+                          <a:latin typeface="Times New Roman"/>
+                          <a:ea typeface="Times New Roman"/>
+                          <a:cs typeface="Times New Roman"/>
+                        </a:rPr>
+                        <a:t>LOW</a:t>
+                      </a:r>
+                      <a:endParaRPr/>
+                    </a:p>
+                  </a:txBody>
+                  <a:tcPr vert="horz"/>
+                </a:tc>
+                <a:tc>
+                  <a:txBody>
+                    <a:bodyPr/>
+                    <a:p>
+                      <a:pPr algn="l">
+                        <a:lnSpc>
+                          <a:spcPct val="100000"/>
+                        </a:lnSpc>
+                        <a:spcBef>
+                          <a:spcPts val="0"/>
+                        </a:spcBef>
+                        <a:spcAft>
+                          <a:spcPts val="0"/>
+                        </a:spcAft>
+                        <a:defRPr/>
+                      </a:pPr>
+                      <a:r>
+                        <a:rPr sz="1200" b="1">
+                          <a:solidFill>
+                            <a:srgbClr val="000000"/>
+                          </a:solidFill>
+                          <a:latin typeface="Times New Roman"/>
+                          <a:ea typeface="Times New Roman"/>
+                          <a:cs typeface="Times New Roman"/>
+                        </a:rPr>
+                        <a:t>Stop</a:t>
+                      </a:r>
+                      <a:r>
+                        <a:rPr sz="1200">
+                          <a:solidFill>
+                            <a:srgbClr val="000000"/>
+                          </a:solidFill>
+                          <a:latin typeface="Times New Roman"/>
+                          <a:ea typeface="Times New Roman"/>
+                          <a:cs typeface="Times New Roman"/>
+                        </a:rPr>
+                        <a:t> ⛔</a:t>
+                      </a:r>
+                      <a:endParaRPr/>
+                    </a:p>
+                  </a:txBody>
+                  <a:tcPr vert="horz"/>
+                </a:tc>
+                <a:tc>
+                  <a:txBody>
+                    <a:bodyPr/>
+                    <a:p>
+                      <a:pPr algn="l">
+                        <a:lnSpc>
+                          <a:spcPct val="100000"/>
+                        </a:lnSpc>
+                        <a:spcBef>
+                          <a:spcPts val="0"/>
+                        </a:spcBef>
+                        <a:spcAft>
+                          <a:spcPts val="0"/>
+                        </a:spcAft>
+                        <a:defRPr/>
+                      </a:pPr>
+                      <a:r>
+                        <a:rPr sz="1200">
+                          <a:solidFill>
+                            <a:srgbClr val="000000"/>
+                          </a:solidFill>
+                          <a:latin typeface="Times New Roman"/>
+                          <a:ea typeface="Times New Roman"/>
+                          <a:cs typeface="Times New Roman"/>
+                        </a:rPr>
+                        <a:t>LOW</a:t>
+                      </a:r>
+                      <a:endParaRPr/>
+                    </a:p>
+                  </a:txBody>
+                  <a:tcPr vert="horz"/>
+                </a:tc>
+                <a:tc>
+                  <a:txBody>
+                    <a:bodyPr/>
+                    <a:p>
+                      <a:pPr algn="l">
+                        <a:lnSpc>
+                          <a:spcPct val="100000"/>
+                        </a:lnSpc>
+                        <a:spcBef>
+                          <a:spcPts val="0"/>
+                        </a:spcBef>
+                        <a:spcAft>
+                          <a:spcPts val="0"/>
+                        </a:spcAft>
+                        <a:defRPr/>
+                      </a:pPr>
+                      <a:r>
+                        <a:rPr sz="1200">
+                          <a:solidFill>
+                            <a:srgbClr val="000000"/>
+                          </a:solidFill>
+                          <a:latin typeface="Times New Roman"/>
+                          <a:ea typeface="Times New Roman"/>
+                          <a:cs typeface="Times New Roman"/>
+                        </a:rPr>
+                        <a:t>LOW</a:t>
+                      </a:r>
+                      <a:endParaRPr/>
+                    </a:p>
+                  </a:txBody>
+                  <a:tcPr vert="horz"/>
+                </a:tc>
+                <a:tc>
+                  <a:txBody>
+                    <a:bodyPr/>
+                    <a:p>
+                      <a:pPr algn="l">
+                        <a:lnSpc>
+                          <a:spcPct val="100000"/>
+                        </a:lnSpc>
+                        <a:spcBef>
+                          <a:spcPts val="0"/>
+                        </a:spcBef>
+                        <a:spcAft>
+                          <a:spcPts val="0"/>
+                        </a:spcAft>
+                        <a:defRPr/>
+                      </a:pPr>
+                      <a:r>
+                        <a:rPr sz="1200" b="1">
+                          <a:solidFill>
+                            <a:srgbClr val="000000"/>
+                          </a:solidFill>
+                          <a:latin typeface="Times New Roman"/>
+                          <a:ea typeface="Times New Roman"/>
+                          <a:cs typeface="Times New Roman"/>
+                        </a:rPr>
+                        <a:t>Stop</a:t>
+                      </a:r>
+                      <a:r>
+                        <a:rPr sz="1200">
+                          <a:solidFill>
+                            <a:srgbClr val="000000"/>
+                          </a:solidFill>
+                          <a:latin typeface="Times New Roman"/>
+                          <a:ea typeface="Times New Roman"/>
+                          <a:cs typeface="Times New Roman"/>
+                        </a:rPr>
+                        <a:t> ⛔</a:t>
+                      </a:r>
+                      <a:endParaRPr/>
+                    </a:p>
+                  </a:txBody>
+                  <a:tcPr vert="horz" anchor="ctr"/>
+                </a:tc>
+              </a:tr>
+              <a:tr h="281076">
+                <a:tc>
+                  <a:txBody>
+                    <a:bodyPr/>
+                    <a:p>
+                      <a:pPr algn="l">
+                        <a:lnSpc>
+                          <a:spcPct val="100000"/>
+                        </a:lnSpc>
+                        <a:spcBef>
+                          <a:spcPts val="0"/>
+                        </a:spcBef>
+                        <a:spcAft>
+                          <a:spcPts val="0"/>
+                        </a:spcAft>
+                        <a:defRPr/>
+                      </a:pPr>
+                      <a:r>
+                        <a:rPr sz="1200">
+                          <a:solidFill>
+                            <a:srgbClr val="000000"/>
+                          </a:solidFill>
+                          <a:latin typeface="Times New Roman"/>
+                          <a:ea typeface="Times New Roman"/>
+                          <a:cs typeface="Times New Roman"/>
+                        </a:rPr>
+                        <a:t>HIGH</a:t>
+                      </a:r>
+                      <a:endParaRPr/>
+                    </a:p>
+                  </a:txBody>
+                  <a:tcPr vert="horz"/>
+                </a:tc>
+                <a:tc>
+                  <a:txBody>
+                    <a:bodyPr/>
+                    <a:p>
+                      <a:pPr algn="l">
+                        <a:lnSpc>
+                          <a:spcPct val="100000"/>
+                        </a:lnSpc>
+                        <a:spcBef>
+                          <a:spcPts val="0"/>
+                        </a:spcBef>
+                        <a:spcAft>
+                          <a:spcPts val="0"/>
+                        </a:spcAft>
+                        <a:defRPr/>
+                      </a:pPr>
+                      <a:r>
+                        <a:rPr sz="1200">
+                          <a:solidFill>
+                            <a:srgbClr val="000000"/>
+                          </a:solidFill>
+                          <a:latin typeface="Times New Roman"/>
+                          <a:ea typeface="Times New Roman"/>
+                          <a:cs typeface="Times New Roman"/>
+                        </a:rPr>
+                        <a:t>HIGH</a:t>
+                      </a:r>
+                      <a:endParaRPr/>
+                    </a:p>
+                  </a:txBody>
+                  <a:tcPr vert="horz"/>
+                </a:tc>
+                <a:tc>
+                  <a:txBody>
+                    <a:bodyPr/>
+                    <a:p>
+                      <a:pPr algn="l">
+                        <a:lnSpc>
+                          <a:spcPct val="100000"/>
+                        </a:lnSpc>
+                        <a:spcBef>
+                          <a:spcPts val="0"/>
+                        </a:spcBef>
+                        <a:spcAft>
+                          <a:spcPts val="0"/>
+                        </a:spcAft>
+                        <a:defRPr/>
+                      </a:pPr>
+                      <a:r>
+                        <a:rPr sz="1200" b="1">
+                          <a:solidFill>
+                            <a:srgbClr val="000000"/>
+                          </a:solidFill>
+                          <a:latin typeface="Times New Roman"/>
+                          <a:ea typeface="Times New Roman"/>
+                          <a:cs typeface="Times New Roman"/>
+                        </a:rPr>
+                        <a:t>Brake</a:t>
+                      </a:r>
+                      <a:r>
+                        <a:rPr sz="1200">
+                          <a:solidFill>
+                            <a:srgbClr val="000000"/>
+                          </a:solidFill>
+                          <a:latin typeface="Times New Roman"/>
+                          <a:ea typeface="Times New Roman"/>
+                          <a:cs typeface="Times New Roman"/>
+                        </a:rPr>
+                        <a:t> ⚠️</a:t>
+                      </a:r>
+                      <a:endParaRPr/>
+                    </a:p>
+                  </a:txBody>
+                  <a:tcPr vert="horz"/>
+                </a:tc>
+                <a:tc>
+                  <a:txBody>
+                    <a:bodyPr/>
+                    <a:p>
+                      <a:pPr algn="l">
+                        <a:lnSpc>
+                          <a:spcPct val="100000"/>
+                        </a:lnSpc>
+                        <a:spcBef>
+                          <a:spcPts val="0"/>
+                        </a:spcBef>
+                        <a:spcAft>
+                          <a:spcPts val="0"/>
+                        </a:spcAft>
+                        <a:defRPr/>
+                      </a:pPr>
+                      <a:r>
+                        <a:rPr sz="1200">
+                          <a:solidFill>
+                            <a:srgbClr val="000000"/>
+                          </a:solidFill>
+                          <a:latin typeface="Times New Roman"/>
+                          <a:ea typeface="Times New Roman"/>
+                          <a:cs typeface="Times New Roman"/>
+                        </a:rPr>
+                        <a:t>HIGH</a:t>
+                      </a:r>
+                      <a:endParaRPr/>
+                    </a:p>
+                  </a:txBody>
+                  <a:tcPr vert="horz"/>
+                </a:tc>
+                <a:tc>
+                  <a:txBody>
+                    <a:bodyPr/>
+                    <a:p>
+                      <a:pPr algn="l">
+                        <a:lnSpc>
+                          <a:spcPct val="100000"/>
+                        </a:lnSpc>
+                        <a:spcBef>
+                          <a:spcPts val="0"/>
+                        </a:spcBef>
+                        <a:spcAft>
+                          <a:spcPts val="0"/>
+                        </a:spcAft>
+                        <a:defRPr/>
+                      </a:pPr>
+                      <a:r>
+                        <a:rPr sz="1200">
+                          <a:solidFill>
+                            <a:srgbClr val="000000"/>
+                          </a:solidFill>
+                          <a:latin typeface="Times New Roman"/>
+                          <a:ea typeface="Times New Roman"/>
+                          <a:cs typeface="Times New Roman"/>
+                        </a:rPr>
+                        <a:t>HIGH</a:t>
+                      </a:r>
+                      <a:endParaRPr/>
+                    </a:p>
+                  </a:txBody>
+                  <a:tcPr vert="horz"/>
+                </a:tc>
+                <a:tc>
+                  <a:txBody>
+                    <a:bodyPr/>
+                    <a:p>
+                      <a:pPr algn="l">
+                        <a:lnSpc>
+                          <a:spcPct val="100000"/>
+                        </a:lnSpc>
+                        <a:spcBef>
+                          <a:spcPts val="0"/>
+                        </a:spcBef>
+                        <a:spcAft>
+                          <a:spcPts val="0"/>
+                        </a:spcAft>
+                        <a:defRPr/>
+                      </a:pPr>
+                      <a:r>
+                        <a:rPr sz="1200" b="1">
+                          <a:solidFill>
+                            <a:srgbClr val="000000"/>
+                          </a:solidFill>
+                          <a:latin typeface="Times New Roman"/>
+                          <a:ea typeface="Times New Roman"/>
+                          <a:cs typeface="Times New Roman"/>
+                        </a:rPr>
+                        <a:t>Brake</a:t>
+                      </a:r>
+                      <a:r>
+                        <a:rPr sz="1200">
+                          <a:solidFill>
+                            <a:srgbClr val="000000"/>
+                          </a:solidFill>
+                          <a:latin typeface="Times New Roman"/>
+                          <a:ea typeface="Times New Roman"/>
+                          <a:cs typeface="Times New Roman"/>
+                        </a:rPr>
+                        <a:t> ⚠️</a:t>
+                      </a:r>
+                      <a:endParaRPr/>
+                    </a:p>
+                  </a:txBody>
+                  <a:tcPr vert="horz" anchor="ctr"/>
+                </a:tc>
+              </a:tr>
+            </a:tbl>
+          </a:graphicData>
+        </a:graphic>
+      </p:graphicFrame>
       <p:sp>
         <p:nvSpPr>
-          <p:cNvPr id="1368999250" name=""/>
-          <p:cNvSpPr txBox="1"/>
+          <p:cNvPr id="873004136" name=""/>
+          <p:cNvSpPr/>
           <p:nvPr/>
         </p:nvSpPr>
         <p:spPr bwMode="auto">
           <a:xfrm flipH="0" flipV="0">
-            <a:off x="6004378" y="3246120"/>
-            <a:ext cx="183240" cy="365756"/>
+            <a:off x="741050" y="4441391"/>
+            <a:ext cx="7291146" cy="518519"/>
           </a:xfrm>
-          <a:prstGeom prst="rect">
-            <a:avLst/>
-          </a:prstGeom>
-          <a:noFill/>
         </p:spPr>
         <p:txBody>
-          <a:bodyPr vertOverflow="overflow" horzOverflow="overflow" vert="horz" wrap="square" lIns="91440" tIns="45720" rIns="91440" bIns="45720" numCol="1" spcCol="0" rtlCol="0" fromWordArt="0" anchor="t" anchorCtr="0" forceAA="0" upright="0" compatLnSpc="0">
+          <a:bodyPr rot="0" spcFirstLastPara="0" vertOverflow="overflow" horzOverflow="overflow" vert="horz" wrap="square" lIns="91440" tIns="45720" rIns="91440" bIns="45720" numCol="1" spcCol="0" rtlCol="0" fromWordArt="0" anchor="t" anchorCtr="0" forceAA="0" upright="0" compatLnSpc="1">
+            <a:prstTxWarp prst="textNoShape"/>
             <a:spAutoFit/>
           </a:bodyPr>
           <a:p>
-            <a:pPr algn="l">
-              <a:defRPr/>
-            </a:pPr>
+            <a:pPr>
+              <a:defRPr/>
+            </a:pPr>
+            <a:r>
+              <a:rPr sz="2800" b="0" i="0" u="none">
+                <a:solidFill>
+                  <a:schemeClr val="bg1">
+                    <a:lumMod val="95000"/>
+                  </a:schemeClr>
+                </a:solidFill>
+                <a:latin typeface="Times New Roman"/>
+                <a:ea typeface="Times New Roman"/>
+                <a:cs typeface="Times New Roman"/>
+              </a:rPr>
+              <a:t>• </a:t>
+            </a:r>
+            <a:r>
+              <a:rPr sz="2800" b="0" i="0" u="none">
+                <a:solidFill>
+                  <a:schemeClr val="accent5"/>
+                </a:solidFill>
+                <a:latin typeface="Times New Roman"/>
+                <a:ea typeface="Times New Roman"/>
+                <a:cs typeface="Times New Roman"/>
+              </a:rPr>
+              <a:t>H-Bridge Motor Control Principl</a:t>
+            </a:r>
+            <a:r>
+              <a:rPr sz="2800" b="0" i="0" u="none">
+                <a:solidFill>
+                  <a:schemeClr val="accent5"/>
+                </a:solidFill>
+                <a:latin typeface="Times New Roman"/>
+                <a:ea typeface="Times New Roman"/>
+                <a:cs typeface="Times New Roman"/>
+              </a:rPr>
+              <a:t>e:</a:t>
+            </a:r>
             <a:endParaRPr/>
           </a:p>
         </p:txBody>
@@ -6240,7 +8018,7 @@
       </p:grpSpPr>
       <p:sp>
         <p:nvSpPr>
-          <p:cNvPr id="760032073" name="Title 1"/>
+          <p:cNvPr id="392007052" name="Title 1"/>
           <p:cNvSpPr>
             <a:spLocks noGrp="1"/>
           </p:cNvSpPr>
@@ -6278,7 +8056,7 @@
       </p:sp>
       <p:sp>
         <p:nvSpPr>
-          <p:cNvPr id="1247998181" name="Content Placeholder 2"/>
+          <p:cNvPr id="1274355503" name="Content Placeholder 2"/>
           <p:cNvSpPr>
             <a:spLocks noGrp="1"/>
           </p:cNvSpPr>
@@ -6289,12 +8067,12 @@
         <p:spPr bwMode="auto">
           <a:xfrm flipH="0" flipV="0">
             <a:off x="295034" y="765121"/>
-            <a:ext cx="11620618" cy="5982711"/>
+            <a:ext cx="11196689" cy="5982711"/>
           </a:xfrm>
         </p:spPr>
         <p:txBody>
           <a:bodyPr vertOverflow="overflow" horzOverflow="overflow" vert="horz" wrap="square" lIns="91440" tIns="45720" rIns="91440" bIns="45720" numCol="1" spcCol="0" rtlCol="0" fromWordArt="0" anchor="t" anchorCtr="0" forceAA="0" upright="0" compatLnSpc="0">
-            <a:normAutofit fontScale="95000" lnSpcReduction="1000"/>
+            <a:normAutofit fontScale="65000" lnSpcReduction="7000"/>
           </a:bodyPr>
           <a:lstStyle/>
           <a:p>
@@ -6304,13 +8082,24 @@
             <a:r>
               <a:rPr sz="2800" b="1" i="0" u="none">
                 <a:solidFill>
-                  <a:schemeClr val="bg1"/>
+                  <a:schemeClr val="accent5"/>
                 </a:solidFill>
                 <a:latin typeface="Aptos Display"/>
                 <a:ea typeface="Aptos Display"/>
                 <a:cs typeface="Aptos Display"/>
               </a:rPr>
-              <a:t>During Programming (Code Upload):</a:t>
+              <a:t>Critical Programming Setup</a:t>
+            </a:r>
+            <a:r>
+              <a:rPr sz="2800" b="1" i="0" u="none">
+                <a:solidFill>
+                  <a:schemeClr val="bg1"/>
+                </a:solidFill>
+                <a:latin typeface="Aptos Display"/>
+                <a:ea typeface="Aptos Display"/>
+                <a:cs typeface="Aptos Display"/>
+              </a:rPr>
+              <a:t> </a:t>
             </a:r>
             <a:endParaRPr sz="2800">
               <a:solidFill>
@@ -6325,7 +8114,7 @@
               <a:defRPr/>
             </a:pPr>
             <a:r>
-              <a:rPr sz="2400" b="0" i="0" u="none">
+              <a:rPr sz="2800" b="1" i="0" u="none">
                 <a:solidFill>
                   <a:schemeClr val="bg1"/>
                 </a:solidFill>
@@ -6333,228 +8122,7 @@
                 <a:ea typeface="Aptos Display"/>
                 <a:cs typeface="Aptos Display"/>
               </a:rPr>
-              <a:t>Step 1: Connect USB cable to computer</a:t>
-            </a:r>
-            <a:endParaRPr sz="2800" b="0" i="0" u="none">
-              <a:solidFill>
-                <a:schemeClr val="bg1"/>
-              </a:solidFill>
-              <a:latin typeface="Aptos Display"/>
-              <a:ea typeface="Aptos Display"/>
-              <a:cs typeface="Aptos Display"/>
-            </a:endParaRPr>
-          </a:p>
-          <a:p>
-            <a:pPr lvl="1">
-              <a:defRPr/>
-            </a:pPr>
-            <a:r>
-              <a:rPr sz="2400" b="0" i="0" u="none">
-                <a:solidFill>
-                  <a:schemeClr val="bg1"/>
-                </a:solidFill>
-                <a:latin typeface="Aptos Display"/>
-                <a:ea typeface="Aptos Display"/>
-                <a:cs typeface="Aptos Display"/>
-              </a:rPr>
-              <a:t>Step 2: Set Switch “</a:t>
-            </a:r>
-            <a:r>
-              <a:rPr lang="en-US" sz="2400" b="1" i="0" u="none" strike="noStrike" cap="none" spc="0">
-                <a:solidFill>
-                  <a:schemeClr val="accent5"/>
-                </a:solidFill>
-                <a:latin typeface="Aptos Display"/>
-                <a:ea typeface="Aptos Display"/>
-                <a:cs typeface="Aptos Display"/>
-              </a:rPr>
-              <a:t>Motor Driver Standby/On Swit</a:t>
-            </a:r>
-            <a:r>
-              <a:rPr lang="en-US" sz="2400" b="1" i="0" u="none" strike="noStrike" cap="none" spc="0">
-                <a:solidFill>
-                  <a:schemeClr val="bg1"/>
-                </a:solidFill>
-                <a:latin typeface="Aptos Display"/>
-                <a:ea typeface="Aptos Display"/>
-                <a:cs typeface="Aptos Display"/>
-              </a:rPr>
-              <a:t>ch</a:t>
-            </a:r>
-            <a:r>
-              <a:rPr sz="2400" b="0" i="0" u="none">
-                <a:solidFill>
-                  <a:schemeClr val="bg1"/>
-                </a:solidFill>
-                <a:latin typeface="Aptos Display"/>
-                <a:ea typeface="Aptos Display"/>
-                <a:cs typeface="Aptos Display"/>
-              </a:rPr>
-              <a:t>” → STANDBY</a:t>
-            </a:r>
-            <a:endParaRPr sz="2800" b="0" i="0" u="none">
-              <a:solidFill>
-                <a:schemeClr val="bg1"/>
-              </a:solidFill>
-              <a:latin typeface="Aptos Display"/>
-              <a:ea typeface="Aptos Display"/>
-              <a:cs typeface="Aptos Display"/>
-            </a:endParaRPr>
-          </a:p>
-          <a:p>
-            <a:pPr lvl="1">
-              <a:defRPr/>
-            </a:pPr>
-            <a:r>
-              <a:rPr sz="2400" b="0" i="0" u="none">
-                <a:solidFill>
-                  <a:schemeClr val="bg1"/>
-                </a:solidFill>
-                <a:latin typeface="Aptos Display"/>
-                <a:ea typeface="Aptos Display"/>
-                <a:cs typeface="Aptos Display"/>
-              </a:rPr>
-              <a:t>Step 3: Set Switch “</a:t>
-            </a:r>
-            <a:r>
-              <a:rPr lang="en-US" sz="2400" b="1" i="0" u="none" strike="noStrike" cap="none" spc="0">
-                <a:solidFill>
-                  <a:schemeClr val="accent5"/>
-                </a:solidFill>
-                <a:latin typeface="Aptos Display"/>
-                <a:ea typeface="Aptos Display"/>
-                <a:cs typeface="Aptos Display"/>
-              </a:rPr>
-              <a:t>Line/Wall Following Switch</a:t>
-            </a:r>
-            <a:r>
-              <a:rPr sz="2400" b="0" i="0" u="none">
-                <a:solidFill>
-                  <a:schemeClr val="bg1"/>
-                </a:solidFill>
-                <a:latin typeface="Aptos Display"/>
-                <a:ea typeface="Aptos Display"/>
-                <a:cs typeface="Aptos Display"/>
-              </a:rPr>
-              <a:t>” LINE FOLLOWING</a:t>
-            </a:r>
-            <a:endParaRPr sz="2400" b="0" i="0" u="none">
-              <a:solidFill>
-                <a:schemeClr val="bg1"/>
-              </a:solidFill>
-              <a:latin typeface="Aptos Display"/>
-              <a:ea typeface="Aptos Display"/>
-              <a:cs typeface="Aptos Display"/>
-            </a:endParaRPr>
-          </a:p>
-          <a:p>
-            <a:pPr lvl="1">
-              <a:defRPr/>
-            </a:pPr>
-            <a:r>
-              <a:rPr lang="en-US" sz="2400" b="0" i="0" u="none" strike="noStrike" cap="none" spc="0">
-                <a:solidFill>
-                  <a:schemeClr val="bg1"/>
-                </a:solidFill>
-                <a:latin typeface="Aptos Display"/>
-                <a:ea typeface="Aptos Display"/>
-                <a:cs typeface="Aptos Display"/>
-              </a:rPr>
-              <a:t>Step 4: Set Switch “</a:t>
-            </a:r>
-            <a:r>
-              <a:rPr lang="en-US" sz="2400" b="1" i="0" u="none" strike="noStrike" cap="none" spc="0">
-                <a:solidFill>
-                  <a:schemeClr val="accent5"/>
-                </a:solidFill>
-                <a:latin typeface="Times New Roman"/>
-                <a:ea typeface="Times New Roman"/>
-                <a:cs typeface="Times New Roman"/>
-              </a:rPr>
-              <a:t>ON/OFF Switch</a:t>
-            </a:r>
-            <a:r>
-              <a:rPr lang="en-US" sz="2400" b="0" i="0" u="none" strike="noStrike" cap="none" spc="0">
-                <a:solidFill>
-                  <a:schemeClr val="bg1"/>
-                </a:solidFill>
-                <a:latin typeface="Aptos Display"/>
-                <a:ea typeface="Aptos Display"/>
-                <a:cs typeface="Aptos Display"/>
-              </a:rPr>
-              <a:t>” → OFF -&gt;for batter power</a:t>
-            </a:r>
-            <a:endParaRPr sz="2800" b="0" i="0" u="none">
-              <a:solidFill>
-                <a:schemeClr val="bg1"/>
-              </a:solidFill>
-              <a:latin typeface="Aptos Display"/>
-              <a:ea typeface="Aptos Display"/>
-              <a:cs typeface="Aptos Display"/>
-            </a:endParaRPr>
-          </a:p>
-          <a:p>
-            <a:pPr lvl="1">
-              <a:defRPr/>
-            </a:pPr>
-            <a:r>
-              <a:rPr sz="2400" b="0" i="0" u="none">
-                <a:solidFill>
-                  <a:schemeClr val="bg1"/>
-                </a:solidFill>
-                <a:latin typeface="Aptos Display"/>
-                <a:ea typeface="Aptos Display"/>
-                <a:cs typeface="Aptos Display"/>
-              </a:rPr>
-              <a:t>Step 5: Upload your pit avoidance program</a:t>
-            </a:r>
-            <a:endParaRPr sz="2800" b="0" i="0" u="none">
-              <a:solidFill>
-                <a:schemeClr val="bg1"/>
-              </a:solidFill>
-              <a:latin typeface="Aptos Display"/>
-              <a:ea typeface="Aptos Display"/>
-              <a:cs typeface="Aptos Display"/>
-            </a:endParaRPr>
-          </a:p>
-          <a:p>
-            <a:pPr lvl="1">
-              <a:defRPr/>
-            </a:pPr>
-            <a:r>
-              <a:rPr sz="2400" b="0" i="0" u="none">
-                <a:solidFill>
-                  <a:schemeClr val="bg1"/>
-                </a:solidFill>
-                <a:latin typeface="Aptos Display"/>
-                <a:ea typeface="Aptos Display"/>
-                <a:cs typeface="Aptos Display"/>
-              </a:rPr>
-              <a:t>Step 6: Wait for "Upload Complete" message</a:t>
-            </a:r>
-            <a:endParaRPr sz="2800" b="0" i="0" u="none">
-              <a:solidFill>
-                <a:schemeClr val="bg1"/>
-              </a:solidFill>
-              <a:latin typeface="Aptos Display"/>
-              <a:ea typeface="Aptos Display"/>
-              <a:cs typeface="Aptos Display"/>
-            </a:endParaRPr>
-          </a:p>
-          <a:p>
-            <a:pPr lvl="1">
-              <a:defRPr/>
-            </a:pPr>
-            <a:r>
-              <a:rPr sz="2400" b="0" i="0" u="none">
-                <a:solidFill>
-                  <a:schemeClr val="bg1"/>
-                </a:solidFill>
-                <a:latin typeface="Aptos Display"/>
-                <a:ea typeface="Aptos Display"/>
-                <a:cs typeface="Aptos Display"/>
-              </a:rPr>
-              <a:t>Step 7: Disconnect USB cable</a:t>
+              <a:t>MANDATORY Switch Settings Before Uploading Code</a:t>
             </a:r>
             <a:endParaRPr sz="2800">
               <a:solidFill>
@@ -6565,7 +8133,7 @@
             </a:endParaRPr>
           </a:p>
           <a:p>
-            <a:pPr>
+            <a:pPr lvl="1">
               <a:defRPr/>
             </a:pPr>
             <a:r>
@@ -6577,7 +8145,7 @@
                 <a:ea typeface="Aptos Display"/>
                 <a:cs typeface="Aptos Display"/>
               </a:rPr>
-              <a:t>Before Testing (Running the Robot):</a:t>
+              <a:t>Before connecting USB and uploading program:</a:t>
             </a:r>
             <a:endParaRPr sz="2800">
               <a:solidFill>
@@ -6588,81 +8156,70 @@
             </a:endParaRPr>
           </a:p>
           <a:p>
-            <a:pPr lvl="1">
-              <a:defRPr/>
-            </a:pPr>
-            <a:r>
-              <a:rPr sz="2400" b="0" i="0" u="none">
-                <a:solidFill>
-                  <a:schemeClr val="bg1"/>
+            <a:pPr lvl="2">
+              <a:defRPr/>
+            </a:pPr>
+            <a:r>
+              <a:rPr sz="2800" b="1" i="1" u="none">
+                <a:solidFill>
+                  <a:schemeClr val="accent5"/>
                 </a:solidFill>
                 <a:latin typeface="Aptos Display"/>
                 <a:ea typeface="Aptos Display"/>
                 <a:cs typeface="Aptos Display"/>
               </a:rPr>
-              <a:t>Step 1: Place robot on the ground. No obstacle as this test for basic movements </a:t>
-            </a:r>
-            <a:endParaRPr sz="2400" b="0" i="0" u="none">
+              <a:t>Motor Driver Standby/On Switch</a:t>
+            </a:r>
+            <a:r>
+              <a:rPr sz="2800" b="1" i="0" u="none">
+                <a:solidFill>
+                  <a:schemeClr val="bg1"/>
+                </a:solidFill>
+                <a:latin typeface="Aptos Display"/>
+                <a:ea typeface="Aptos Display"/>
+                <a:cs typeface="Aptos Display"/>
+              </a:rPr>
+              <a:t> </a:t>
+            </a:r>
+            <a:endParaRPr sz="2800">
               <a:solidFill>
                 <a:schemeClr val="bg1"/>
               </a:solidFill>
               <a:latin typeface="Aptos Display"/>
-              <a:ea typeface="Aptos Display"/>
               <a:cs typeface="Aptos Display"/>
             </a:endParaRPr>
           </a:p>
           <a:p>
-            <a:pPr lvl="1">
-              <a:defRPr/>
-            </a:pPr>
-            <a:r>
-              <a:rPr sz="2400" b="0" i="0" u="none">
-                <a:solidFill>
-                  <a:schemeClr val="bg1"/>
+            <a:pPr lvl="3">
+              <a:defRPr/>
+            </a:pPr>
+            <a:r>
+              <a:rPr sz="2800" b="0" i="0" u="none">
+                <a:solidFill>
+                  <a:schemeClr val="accent4">
+                    <a:lumMod val="75000"/>
+                  </a:schemeClr>
                 </a:solidFill>
                 <a:latin typeface="Aptos Display"/>
                 <a:ea typeface="Aptos Display"/>
                 <a:cs typeface="Aptos Display"/>
               </a:rPr>
-              <a:t>Step 2: Verify Switch “</a:t>
-            </a:r>
-            <a:r>
-              <a:rPr lang="en-US" sz="2400" b="1" i="0" u="none" strike="noStrike" cap="none" spc="0">
-                <a:solidFill>
-                  <a:schemeClr val="accent5"/>
-                </a:solidFill>
-                <a:latin typeface="Aptos Display"/>
-                <a:ea typeface="Aptos Display"/>
-                <a:cs typeface="Aptos Display"/>
-              </a:rPr>
-              <a:t>Line/Wall Following Switch</a:t>
-            </a:r>
-            <a:r>
-              <a:rPr sz="2400" b="0" i="0" u="none">
-                <a:solidFill>
-                  <a:schemeClr val="bg1"/>
-                </a:solidFill>
-                <a:latin typeface="Aptos Display"/>
-                <a:ea typeface="Aptos Display"/>
-                <a:cs typeface="Aptos Display"/>
-              </a:rPr>
-              <a:t>” -&gt;  WALL FOLLOWING </a:t>
-            </a:r>
-            <a:endParaRPr sz="2400" b="0" i="0" u="none">
+              <a:t>⚠️ MUST BE SET TO: STANDBY</a:t>
+            </a:r>
+            <a:endParaRPr sz="2800">
               <a:solidFill>
                 <a:schemeClr val="bg1"/>
               </a:solidFill>
               <a:latin typeface="Aptos Display"/>
-              <a:ea typeface="Aptos Display"/>
               <a:cs typeface="Aptos Display"/>
             </a:endParaRPr>
           </a:p>
           <a:p>
-            <a:pPr lvl="1">
-              <a:defRPr/>
-            </a:pPr>
-            <a:r>
-              <a:rPr sz="2400" b="0" i="0" u="none">
+            <a:pPr lvl="2">
+              <a:defRPr/>
+            </a:pPr>
+            <a:r>
+              <a:rPr sz="2800" b="1" i="0" u="none">
                 <a:solidFill>
                   <a:schemeClr val="bg1"/>
                 </a:solidFill>
@@ -6670,111 +8227,22 @@
                 <a:ea typeface="Aptos Display"/>
                 <a:cs typeface="Aptos Display"/>
               </a:rPr>
-              <a:t>Step 3: Set Switch </a:t>
-            </a:r>
-            <a:r>
-              <a:rPr lang="en-US" sz="2400" b="0" i="0" u="none" strike="noStrike" cap="none" spc="0">
-                <a:solidFill>
-                  <a:schemeClr val="bg1"/>
-                </a:solidFill>
-                <a:latin typeface="Aptos Display"/>
-                <a:ea typeface="Aptos Display"/>
-                <a:cs typeface="Aptos Display"/>
-              </a:rPr>
-              <a:t>“</a:t>
-            </a:r>
-            <a:r>
-              <a:rPr lang="en-US" sz="2400" b="1" i="0" u="none" strike="noStrike" cap="none" spc="0">
-                <a:solidFill>
-                  <a:schemeClr val="accent5"/>
-                </a:solidFill>
-                <a:latin typeface="Aptos Display"/>
-                <a:ea typeface="Aptos Display"/>
-                <a:cs typeface="Aptos Display"/>
-              </a:rPr>
-              <a:t>Motor Driver Standby/On Switch</a:t>
-            </a:r>
-            <a:r>
-              <a:rPr lang="en-US" sz="2400" b="0" i="0" u="none" strike="noStrike" cap="none" spc="0">
-                <a:solidFill>
-                  <a:schemeClr val="bg1"/>
-                </a:solidFill>
-                <a:latin typeface="Aptos Display"/>
-                <a:ea typeface="Aptos Display"/>
-                <a:cs typeface="Aptos Display"/>
-              </a:rPr>
-              <a:t>”</a:t>
-            </a:r>
-            <a:r>
-              <a:rPr sz="2400" b="0" i="0" u="none">
-                <a:solidFill>
-                  <a:schemeClr val="bg1"/>
-                </a:solidFill>
-                <a:latin typeface="Aptos Display"/>
-                <a:ea typeface="Aptos Display"/>
-                <a:cs typeface="Aptos Display"/>
-              </a:rPr>
-              <a:t> -&gt;</a:t>
-            </a:r>
-            <a:r>
-              <a:rPr lang="en-US" sz="2400" b="0" i="0" u="none" strike="noStrike" cap="none" spc="0">
-                <a:solidFill>
-                  <a:schemeClr val="bg1"/>
-                </a:solidFill>
-                <a:latin typeface="Aptos Display"/>
-                <a:ea typeface="Aptos Display"/>
-                <a:cs typeface="Aptos Display"/>
-              </a:rPr>
-              <a:t>activate</a:t>
-            </a:r>
-            <a:r>
-              <a:rPr sz="2400" b="0" i="0" u="none">
-                <a:solidFill>
-                  <a:schemeClr val="bg1"/>
-                </a:solidFill>
-                <a:latin typeface="Aptos Display"/>
-                <a:ea typeface="Aptos Display"/>
-                <a:cs typeface="Aptos Display"/>
-              </a:rPr>
-              <a:t> (  motor driver</a:t>
-            </a:r>
-            <a:r>
-              <a:rPr lang="en-US" sz="2400" b="0" i="0" u="none" strike="noStrike" cap="none" spc="0">
-                <a:solidFill>
-                  <a:schemeClr val="bg1"/>
-                </a:solidFill>
-                <a:latin typeface="Aptos Display"/>
-                <a:ea typeface="Aptos Display"/>
-                <a:cs typeface="Aptos Display"/>
-              </a:rPr>
-              <a:t> ON</a:t>
-            </a:r>
-            <a:r>
-              <a:rPr sz="2400" b="0" i="0" u="none">
-                <a:solidFill>
-                  <a:schemeClr val="bg1"/>
-                </a:solidFill>
-                <a:latin typeface="Aptos Display"/>
-                <a:ea typeface="Aptos Display"/>
-                <a:cs typeface="Aptos Display"/>
-              </a:rPr>
-              <a:t>)</a:t>
-            </a:r>
-            <a:endParaRPr sz="2400" b="0" i="0" u="none">
+              <a:t>Why?</a:t>
+            </a:r>
+            <a:endParaRPr sz="2800">
               <a:solidFill>
                 <a:schemeClr val="bg1"/>
               </a:solidFill>
               <a:latin typeface="Aptos Display"/>
-              <a:ea typeface="Aptos Display"/>
               <a:cs typeface="Aptos Display"/>
             </a:endParaRPr>
           </a:p>
           <a:p>
-            <a:pPr lvl="1">
-              <a:defRPr/>
-            </a:pPr>
-            <a:r>
-              <a:rPr lang="en-US" sz="2400" b="0" i="0" u="none" strike="noStrike" cap="none" spc="0">
+            <a:pPr lvl="3">
+              <a:defRPr/>
+            </a:pPr>
+            <a:r>
+              <a:rPr sz="2800" b="0" i="0" u="none">
                 <a:solidFill>
                   <a:schemeClr val="bg1"/>
                 </a:solidFill>
@@ -6782,45 +8250,22 @@
                 <a:ea typeface="Aptos Display"/>
                 <a:cs typeface="Aptos Display"/>
               </a:rPr>
-              <a:t>Step 4: Set Switch “</a:t>
-            </a:r>
-            <a:r>
-              <a:rPr sz="2800" b="1">
-                <a:solidFill>
-                  <a:schemeClr val="accent5"/>
-                </a:solidFill>
-                <a:latin typeface="Times New Roman"/>
-                <a:ea typeface="Times New Roman"/>
-                <a:cs typeface="Times New Roman"/>
-              </a:rPr>
-              <a:t>ON/OFF Switch</a:t>
-            </a:r>
-            <a:r>
-              <a:rPr lang="en-US" sz="2400" b="0" i="0" u="none" strike="noStrike" cap="none" spc="0">
-                <a:solidFill>
-                  <a:schemeClr val="bg1"/>
-                </a:solidFill>
-                <a:latin typeface="Aptos Display"/>
-                <a:ea typeface="Aptos Display"/>
-                <a:cs typeface="Aptos Display"/>
-              </a:rPr>
-              <a:t>” → ON -&gt;for batter power</a:t>
-            </a:r>
-            <a:endParaRPr sz="2400" b="0" i="0" u="none">
+              <a:t>Prevents motors from running during code upload</a:t>
+            </a:r>
+            <a:endParaRPr sz="2800">
               <a:solidFill>
                 <a:schemeClr val="bg1"/>
               </a:solidFill>
               <a:latin typeface="Aptos Display"/>
-              <a:ea typeface="Aptos Display"/>
               <a:cs typeface="Aptos Display"/>
             </a:endParaRPr>
           </a:p>
           <a:p>
-            <a:pPr lvl="1">
-              <a:defRPr/>
-            </a:pPr>
-            <a:r>
-              <a:rPr sz="2400" b="0" i="0" u="none">
+            <a:pPr lvl="3">
+              <a:defRPr/>
+            </a:pPr>
+            <a:r>
+              <a:rPr sz="2800" b="0" i="0" u="none">
                 <a:solidFill>
                   <a:schemeClr val="bg1"/>
                 </a:solidFill>
@@ -6828,45 +8273,22 @@
                 <a:ea typeface="Aptos Display"/>
                 <a:cs typeface="Aptos Display"/>
               </a:rPr>
-              <a:t>Step 5: Press </a:t>
-            </a:r>
-            <a:r>
-              <a:rPr sz="2400" b="0" i="1" u="none">
-                <a:solidFill>
-                  <a:schemeClr val="accent5"/>
-                </a:solidFill>
-                <a:latin typeface="Aptos Display"/>
-                <a:ea typeface="Aptos Display"/>
-                <a:cs typeface="Aptos Display"/>
-              </a:rPr>
-              <a:t>RESET </a:t>
-            </a:r>
-            <a:r>
-              <a:rPr sz="2400" b="0" i="0" u="none">
-                <a:solidFill>
-                  <a:schemeClr val="bg1"/>
-                </a:solidFill>
-                <a:latin typeface="Aptos Display"/>
-                <a:ea typeface="Aptos Display"/>
-                <a:cs typeface="Aptos Display"/>
-              </a:rPr>
-              <a:t>button </a:t>
-            </a:r>
-            <a:endParaRPr sz="2400" b="0" i="0" u="none">
+              <a:t>Avoids car moving unexpectedly on desk</a:t>
+            </a:r>
+            <a:endParaRPr sz="2800">
               <a:solidFill>
                 <a:schemeClr val="bg1"/>
               </a:solidFill>
               <a:latin typeface="Aptos Display"/>
-              <a:ea typeface="Aptos Display"/>
               <a:cs typeface="Aptos Display"/>
             </a:endParaRPr>
           </a:p>
           <a:p>
-            <a:pPr lvl="1">
-              <a:defRPr/>
-            </a:pPr>
-            <a:r>
-              <a:rPr sz="2400" b="0" i="0" u="none">
+            <a:pPr lvl="3">
+              <a:defRPr/>
+            </a:pPr>
+            <a:r>
+              <a:rPr sz="2800" b="0" i="0" u="none">
                 <a:solidFill>
                   <a:schemeClr val="bg1"/>
                 </a:solidFill>
@@ -6874,7 +8296,239 @@
                 <a:ea typeface="Aptos Display"/>
                 <a:cs typeface="Aptos Display"/>
               </a:rPr>
-              <a:t>Step 6: Robot car-1 starts pit avoidance program</a:t>
+              <a:t>Protects USB connection from power surges</a:t>
+            </a:r>
+            <a:endParaRPr sz="2800">
+              <a:solidFill>
+                <a:schemeClr val="bg1"/>
+              </a:solidFill>
+              <a:latin typeface="Aptos Display"/>
+              <a:cs typeface="Aptos Display"/>
+            </a:endParaRPr>
+          </a:p>
+          <a:p>
+            <a:pPr>
+              <a:defRPr/>
+            </a:pPr>
+            <a:r>
+              <a:rPr sz="2800" b="1" i="0" u="none">
+                <a:solidFill>
+                  <a:schemeClr val="bg1"/>
+                </a:solidFill>
+                <a:latin typeface="Aptos Display"/>
+                <a:ea typeface="Aptos Display"/>
+                <a:cs typeface="Aptos Display"/>
+              </a:rPr>
+              <a:t>Safety first during programming!</a:t>
+            </a:r>
+            <a:endParaRPr sz="2800">
+              <a:solidFill>
+                <a:schemeClr val="bg1"/>
+              </a:solidFill>
+              <a:latin typeface="Aptos Display"/>
+              <a:cs typeface="Aptos Display"/>
+            </a:endParaRPr>
+          </a:p>
+          <a:p>
+            <a:pPr lvl="1">
+              <a:defRPr/>
+            </a:pPr>
+            <a:r>
+              <a:rPr sz="2800" b="1" i="1" u="none">
+                <a:solidFill>
+                  <a:schemeClr val="accent5"/>
+                </a:solidFill>
+                <a:latin typeface="Aptos Display"/>
+                <a:ea typeface="Aptos Display"/>
+                <a:cs typeface="Aptos Display"/>
+              </a:rPr>
+              <a:t>Line/Wall Following Switch </a:t>
+            </a:r>
+            <a:endParaRPr sz="2800">
+              <a:solidFill>
+                <a:schemeClr val="bg1"/>
+              </a:solidFill>
+              <a:latin typeface="Aptos Display"/>
+              <a:cs typeface="Aptos Display"/>
+            </a:endParaRPr>
+          </a:p>
+          <a:p>
+            <a:pPr lvl="2">
+              <a:defRPr/>
+            </a:pPr>
+            <a:r>
+              <a:rPr sz="2800" b="0" i="0" u="none">
+                <a:solidFill>
+                  <a:schemeClr val="accent4">
+                    <a:lumMod val="75000"/>
+                  </a:schemeClr>
+                </a:solidFill>
+                <a:latin typeface="Aptos Display"/>
+                <a:ea typeface="Aptos Display"/>
+                <a:cs typeface="Aptos Display"/>
+              </a:rPr>
+              <a:t>⚠️ MUST BE SET TO: WALL FOLLOWING MODE</a:t>
+            </a:r>
+            <a:endParaRPr sz="2800">
+              <a:solidFill>
+                <a:schemeClr val="bg1"/>
+              </a:solidFill>
+              <a:latin typeface="Aptos Display"/>
+              <a:cs typeface="Aptos Display"/>
+            </a:endParaRPr>
+          </a:p>
+          <a:p>
+            <a:pPr lvl="1">
+              <a:defRPr/>
+            </a:pPr>
+            <a:r>
+              <a:rPr sz="2800" b="1" i="0" u="none">
+                <a:solidFill>
+                  <a:schemeClr val="bg1"/>
+                </a:solidFill>
+                <a:latin typeface="Aptos Display"/>
+                <a:ea typeface="Aptos Display"/>
+                <a:cs typeface="Aptos Display"/>
+              </a:rPr>
+              <a:t>Why?</a:t>
+            </a:r>
+            <a:endParaRPr sz="2800">
+              <a:solidFill>
+                <a:schemeClr val="bg1"/>
+              </a:solidFill>
+              <a:latin typeface="Aptos Display"/>
+              <a:cs typeface="Aptos Display"/>
+            </a:endParaRPr>
+          </a:p>
+          <a:p>
+            <a:pPr lvl="1">
+              <a:defRPr/>
+            </a:pPr>
+            <a:r>
+              <a:rPr sz="2800" b="1" i="0" u="none">
+                <a:solidFill>
+                  <a:schemeClr val="bg1"/>
+                </a:solidFill>
+                <a:latin typeface="Aptos Display"/>
+                <a:ea typeface="Aptos Display"/>
+                <a:cs typeface="Aptos Display"/>
+              </a:rPr>
+              <a:t>Navigation Modes:</a:t>
+            </a:r>
+            <a:endParaRPr sz="2800">
+              <a:solidFill>
+                <a:schemeClr val="bg1"/>
+              </a:solidFill>
+              <a:latin typeface="Aptos Display"/>
+              <a:cs typeface="Aptos Display"/>
+            </a:endParaRPr>
+          </a:p>
+          <a:p>
+            <a:pPr lvl="2">
+              <a:defRPr/>
+            </a:pPr>
+            <a:r>
+              <a:rPr sz="2800" b="1" i="0" u="none">
+                <a:solidFill>
+                  <a:schemeClr val="bg1"/>
+                </a:solidFill>
+                <a:latin typeface="Aptos Display"/>
+                <a:ea typeface="Aptos Display"/>
+                <a:cs typeface="Aptos Display"/>
+              </a:rPr>
+              <a:t>Wall Following:</a:t>
+            </a:r>
+            <a:endParaRPr sz="2800">
+              <a:solidFill>
+                <a:schemeClr val="bg1"/>
+              </a:solidFill>
+              <a:latin typeface="Aptos Display"/>
+              <a:cs typeface="Aptos Display"/>
+            </a:endParaRPr>
+          </a:p>
+          <a:p>
+            <a:pPr lvl="3">
+              <a:defRPr/>
+            </a:pPr>
+            <a:r>
+              <a:rPr sz="2800" b="0" i="0" u="none">
+                <a:solidFill>
+                  <a:schemeClr val="bg1"/>
+                </a:solidFill>
+                <a:latin typeface="Aptos Display"/>
+                <a:ea typeface="Aptos Display"/>
+                <a:cs typeface="Aptos Display"/>
+              </a:rPr>
+              <a:t>Uses a forward-facing sensor array for Wall following movements and ultrasonic object avoidance.</a:t>
+            </a:r>
+            <a:endParaRPr sz="2800">
+              <a:solidFill>
+                <a:schemeClr val="bg1"/>
+              </a:solidFill>
+              <a:latin typeface="Aptos Display"/>
+              <a:cs typeface="Aptos Display"/>
+            </a:endParaRPr>
+          </a:p>
+          <a:p>
+            <a:pPr lvl="2">
+              <a:defRPr/>
+            </a:pPr>
+            <a:r>
+              <a:rPr sz="2800" b="1" i="0" u="none">
+                <a:solidFill>
+                  <a:schemeClr val="bg1"/>
+                </a:solidFill>
+                <a:latin typeface="Aptos Display"/>
+                <a:ea typeface="Aptos Display"/>
+                <a:cs typeface="Aptos Display"/>
+              </a:rPr>
+              <a:t>Line Following:</a:t>
+            </a:r>
+            <a:endParaRPr sz="2800">
+              <a:solidFill>
+                <a:schemeClr val="bg1"/>
+              </a:solidFill>
+              <a:latin typeface="Aptos Display"/>
+              <a:cs typeface="Aptos Display"/>
+            </a:endParaRPr>
+          </a:p>
+          <a:p>
+            <a:pPr lvl="3">
+              <a:defRPr/>
+            </a:pPr>
+            <a:r>
+              <a:rPr sz="2800" b="0" i="0" u="none">
+                <a:solidFill>
+                  <a:schemeClr val="bg1"/>
+                </a:solidFill>
+                <a:latin typeface="Aptos Display"/>
+                <a:ea typeface="Aptos Display"/>
+                <a:cs typeface="Aptos Display"/>
+              </a:rPr>
+              <a:t>Utilizes a downward-facing sensor array for pit avoidance and line tracking.</a:t>
+            </a:r>
+            <a:endParaRPr sz="2800" b="0" i="0" u="none">
+              <a:solidFill>
+                <a:schemeClr val="bg1"/>
+              </a:solidFill>
+              <a:latin typeface="Aptos Display"/>
+              <a:cs typeface="Aptos Display"/>
+            </a:endParaRPr>
+          </a:p>
+          <a:p>
+            <a:pPr lvl="2">
+              <a:defRPr/>
+            </a:pPr>
+            <a:r>
+              <a:rPr sz="2800" b="0" i="0" u="none">
+                <a:solidFill>
+                  <a:schemeClr val="bg1"/>
+                </a:solidFill>
+                <a:latin typeface="Aptos Display"/>
+                <a:ea typeface="Aptos Display"/>
+                <a:cs typeface="Aptos Display"/>
+              </a:rPr>
+              <a:t>Wrong position = sensors won't be read correctly</a:t>
             </a:r>
             <a:endParaRPr/>
           </a:p>
@@ -6882,7 +8536,7 @@
       </p:sp>
       <p:pic>
         <p:nvPicPr>
-          <p:cNvPr id="2046235205" name="Picture 3"/>
+          <p:cNvPr id="1394866641" name="Picture 3"/>
           <p:cNvPicPr>
             <a:picLocks noChangeAspect="1"/>
           </p:cNvPicPr>
@@ -6904,7 +8558,7 @@
       </p:pic>
       <p:sp>
         <p:nvSpPr>
-          <p:cNvPr id="1299790000" name=""/>
+          <p:cNvPr id="1972057892" name=""/>
           <p:cNvSpPr txBox="1"/>
           <p:nvPr/>
         </p:nvSpPr>
@@ -6972,7 +8626,7 @@
       </p:grpSpPr>
       <p:sp>
         <p:nvSpPr>
-          <p:cNvPr id="1972583337" name="Title 1"/>
+          <p:cNvPr id="544720314" name="Title 1"/>
           <p:cNvSpPr>
             <a:spLocks noGrp="1"/>
           </p:cNvSpPr>
@@ -6982,8 +8636,8 @@
         </p:nvSpPr>
         <p:spPr bwMode="auto">
           <a:xfrm>
-            <a:off x="474572" y="-48641"/>
-            <a:ext cx="10515600" cy="1325562"/>
+            <a:off x="295034" y="-232065"/>
+            <a:ext cx="10515600" cy="1325559"/>
           </a:xfrm>
         </p:spPr>
         <p:txBody>
@@ -7002,7 +8656,7 @@
                 <a:ea typeface="Arial"/>
                 <a:cs typeface="Arial"/>
               </a:rPr>
-              <a:t> Car Basic Movements</a:t>
+              <a:t>Car Basic Movements</a:t>
             </a:r>
             <a:endParaRPr/>
           </a:p>
@@ -7010,7 +8664,7 @@
       </p:sp>
       <p:sp>
         <p:nvSpPr>
-          <p:cNvPr id="225038295" name="Content Placeholder 2"/>
+          <p:cNvPr id="876527381" name="Content Placeholder 2"/>
           <p:cNvSpPr>
             <a:spLocks noGrp="1"/>
           </p:cNvSpPr>
@@ -7020,38 +8674,56 @@
         </p:nvSpPr>
         <p:spPr bwMode="auto">
           <a:xfrm flipH="0" flipV="0">
-            <a:off x="376651" y="979204"/>
-            <a:ext cx="10515600" cy="5853322"/>
+            <a:off x="295034" y="765121"/>
+            <a:ext cx="11620618" cy="5982711"/>
           </a:xfrm>
         </p:spPr>
         <p:txBody>
           <a:bodyPr vertOverflow="overflow" horzOverflow="overflow" vert="horz" wrap="square" lIns="91440" tIns="45720" rIns="91440" bIns="45720" numCol="1" spcCol="0" rtlCol="0" fromWordArt="0" anchor="t" anchorCtr="0" forceAA="0" upright="0" compatLnSpc="0">
-            <a:normAutofit/>
+            <a:normAutofit fontScale="95000" lnSpcReduction="1000"/>
           </a:bodyPr>
           <a:lstStyle/>
           <a:p>
-            <a:pPr marL="0" marR="0" indent="0">
-              <a:spcBef>
-                <a:spcPts val="2699"/>
-              </a:spcBef>
-              <a:defRPr/>
-            </a:pPr>
-            <a:r>
-              <a:rPr sz="2800" b="0" i="0" u="none">
-                <a:solidFill>
-                  <a:schemeClr val="accent5"/>
+            <a:pPr>
+              <a:defRPr/>
+            </a:pPr>
+            <a:r>
+              <a:rPr sz="2800" b="1" i="0" u="none">
+                <a:solidFill>
+                  <a:schemeClr val="bg1"/>
                 </a:solidFill>
                 <a:latin typeface="Aptos Display"/>
                 <a:ea typeface="Aptos Display"/>
                 <a:cs typeface="Aptos Display"/>
               </a:rPr>
-              <a:t>Algorithm - Movement Control Logic</a:t>
-            </a:r>
-            <a:endParaRPr sz="2800" b="1">
+              <a:t>During Programming (Code Upload):</a:t>
+            </a:r>
+            <a:endParaRPr sz="2800">
               <a:solidFill>
-                <a:schemeClr val="bg1">
-                  <a:lumMod val="95000"/>
-                </a:schemeClr>
+                <a:schemeClr val="bg1"/>
+              </a:solidFill>
+              <a:latin typeface="Aptos Display"/>
+              <a:cs typeface="Aptos Display"/>
+            </a:endParaRPr>
+          </a:p>
+          <a:p>
+            <a:pPr lvl="1">
+              <a:defRPr/>
+            </a:pPr>
+            <a:r>
+              <a:rPr sz="2400" b="0" i="0" u="none">
+                <a:solidFill>
+                  <a:schemeClr val="bg1"/>
+                </a:solidFill>
+                <a:latin typeface="Aptos Display"/>
+                <a:ea typeface="Aptos Display"/>
+                <a:cs typeface="Aptos Display"/>
+              </a:rPr>
+              <a:t>Step 1: Connect USB cable to computer</a:t>
+            </a:r>
+            <a:endParaRPr sz="2800" b="0" i="0" u="none">
+              <a:solidFill>
+                <a:schemeClr val="bg1"/>
               </a:solidFill>
               <a:latin typeface="Aptos Display"/>
               <a:ea typeface="Aptos Display"/>
@@ -7059,26 +8731,543 @@
             </a:endParaRPr>
           </a:p>
           <a:p>
-            <a:pPr marL="0" marR="0" indent="0">
-              <a:spcBef>
-                <a:spcPts val="2698"/>
-              </a:spcBef>
-              <a:defRPr/>
-            </a:pPr>
-            <a:endParaRPr sz="2800" b="1">
+            <a:pPr lvl="1">
+              <a:defRPr/>
+            </a:pPr>
+            <a:r>
+              <a:rPr sz="2400" b="0" i="0" u="none">
+                <a:solidFill>
+                  <a:schemeClr val="bg1"/>
+                </a:solidFill>
+                <a:latin typeface="Aptos Display"/>
+                <a:ea typeface="Aptos Display"/>
+                <a:cs typeface="Aptos Display"/>
+              </a:rPr>
+              <a:t>Step 2: Set Switch “</a:t>
+            </a:r>
+            <a:r>
+              <a:rPr lang="en-US" sz="2400" b="1" i="0" u="none" strike="noStrike" cap="none" spc="0">
+                <a:solidFill>
+                  <a:schemeClr val="accent5"/>
+                </a:solidFill>
+                <a:latin typeface="Aptos Display"/>
+                <a:ea typeface="Aptos Display"/>
+                <a:cs typeface="Aptos Display"/>
+              </a:rPr>
+              <a:t>Motor Driver Standby/On Swit</a:t>
+            </a:r>
+            <a:r>
+              <a:rPr lang="en-US" sz="2400" b="1" i="0" u="none" strike="noStrike" cap="none" spc="0">
+                <a:solidFill>
+                  <a:schemeClr val="bg1"/>
+                </a:solidFill>
+                <a:latin typeface="Aptos Display"/>
+                <a:ea typeface="Aptos Display"/>
+                <a:cs typeface="Aptos Display"/>
+              </a:rPr>
+              <a:t>ch</a:t>
+            </a:r>
+            <a:r>
+              <a:rPr sz="2400" b="0" i="0" u="none">
+                <a:solidFill>
+                  <a:schemeClr val="bg1"/>
+                </a:solidFill>
+                <a:latin typeface="Aptos Display"/>
+                <a:ea typeface="Aptos Display"/>
+                <a:cs typeface="Aptos Display"/>
+              </a:rPr>
+              <a:t>” → STANDBY</a:t>
+            </a:r>
+            <a:endParaRPr sz="2800" b="0" i="0" u="none">
               <a:solidFill>
                 <a:schemeClr val="bg1"/>
               </a:solidFill>
-              <a:latin typeface="Aptos"/>
-              <a:ea typeface="Aptos"/>
-              <a:cs typeface="Aptos"/>
+              <a:latin typeface="Aptos Display"/>
+              <a:ea typeface="Aptos Display"/>
+              <a:cs typeface="Aptos Display"/>
+            </a:endParaRPr>
+          </a:p>
+          <a:p>
+            <a:pPr lvl="1">
+              <a:defRPr/>
+            </a:pPr>
+            <a:r>
+              <a:rPr lang="en-US" sz="2400" b="0" i="0" u="none" strike="noStrike" cap="none" spc="0">
+                <a:solidFill>
+                  <a:schemeClr val="bg1"/>
+                </a:solidFill>
+                <a:latin typeface="Aptos Display"/>
+                <a:ea typeface="Aptos Display"/>
+                <a:cs typeface="Aptos Display"/>
+              </a:rPr>
+              <a:t>Step 3: Set Switch “</a:t>
+            </a:r>
+            <a:r>
+              <a:rPr lang="en-US" sz="2400" b="1" i="0" u="none" strike="noStrike" cap="none" spc="0">
+                <a:solidFill>
+                  <a:schemeClr val="accent5"/>
+                </a:solidFill>
+                <a:latin typeface="Times New Roman"/>
+                <a:ea typeface="Times New Roman"/>
+                <a:cs typeface="Times New Roman"/>
+              </a:rPr>
+              <a:t>ON/OFF Switch</a:t>
+            </a:r>
+            <a:r>
+              <a:rPr lang="en-US" sz="2400" b="0" i="0" u="none" strike="noStrike" cap="none" spc="0">
+                <a:solidFill>
+                  <a:schemeClr val="bg1"/>
+                </a:solidFill>
+                <a:latin typeface="Aptos Display"/>
+                <a:ea typeface="Aptos Display"/>
+                <a:cs typeface="Aptos Display"/>
+              </a:rPr>
+              <a:t>” → OFF -&gt;for batter power</a:t>
+            </a:r>
+            <a:endParaRPr sz="2800" b="0" i="0" u="none">
+              <a:solidFill>
+                <a:schemeClr val="bg1"/>
+              </a:solidFill>
+              <a:latin typeface="Aptos Display"/>
+              <a:ea typeface="Aptos Display"/>
+              <a:cs typeface="Aptos Display"/>
+            </a:endParaRPr>
+          </a:p>
+          <a:p>
+            <a:pPr lvl="1">
+              <a:defRPr/>
+            </a:pPr>
+            <a:r>
+              <a:rPr sz="2400" b="0" i="0" u="none">
+                <a:solidFill>
+                  <a:schemeClr val="bg1"/>
+                </a:solidFill>
+                <a:latin typeface="Aptos Display"/>
+                <a:ea typeface="Aptos Display"/>
+                <a:cs typeface="Aptos Display"/>
+              </a:rPr>
+              <a:t>Step 4: Upload your pit avoidance program</a:t>
+            </a:r>
+            <a:endParaRPr sz="2800" b="0" i="0" u="none">
+              <a:solidFill>
+                <a:schemeClr val="bg1"/>
+              </a:solidFill>
+              <a:latin typeface="Aptos Display"/>
+              <a:ea typeface="Aptos Display"/>
+              <a:cs typeface="Aptos Display"/>
+            </a:endParaRPr>
+          </a:p>
+          <a:p>
+            <a:pPr lvl="1">
+              <a:defRPr/>
+            </a:pPr>
+            <a:r>
+              <a:rPr sz="2400" b="0" i="0" u="none">
+                <a:solidFill>
+                  <a:schemeClr val="bg1"/>
+                </a:solidFill>
+                <a:latin typeface="Aptos Display"/>
+                <a:ea typeface="Aptos Display"/>
+                <a:cs typeface="Aptos Display"/>
+              </a:rPr>
+              <a:t>Step 5: Wait for "Upload Complete" message</a:t>
+            </a:r>
+            <a:endParaRPr sz="2800" b="0" i="0" u="none">
+              <a:solidFill>
+                <a:schemeClr val="bg1"/>
+              </a:solidFill>
+              <a:latin typeface="Aptos Display"/>
+              <a:ea typeface="Aptos Display"/>
+              <a:cs typeface="Aptos Display"/>
+            </a:endParaRPr>
+          </a:p>
+          <a:p>
+            <a:pPr lvl="1">
+              <a:defRPr/>
+            </a:pPr>
+            <a:r>
+              <a:rPr sz="2400" b="0" i="0" u="none">
+                <a:solidFill>
+                  <a:schemeClr val="bg1"/>
+                </a:solidFill>
+                <a:latin typeface="Aptos Display"/>
+                <a:ea typeface="Aptos Display"/>
+                <a:cs typeface="Aptos Display"/>
+              </a:rPr>
+              <a:t>Step 6: Disconnect USB cable</a:t>
+            </a:r>
+            <a:endParaRPr sz="2800">
+              <a:solidFill>
+                <a:schemeClr val="bg1"/>
+              </a:solidFill>
+              <a:latin typeface="Aptos Display"/>
+              <a:cs typeface="Aptos Display"/>
+            </a:endParaRPr>
+          </a:p>
+          <a:p>
+            <a:pPr>
+              <a:defRPr/>
+            </a:pPr>
+            <a:r>
+              <a:rPr sz="2800" b="1" i="0" u="none">
+                <a:solidFill>
+                  <a:schemeClr val="bg1"/>
+                </a:solidFill>
+                <a:latin typeface="Aptos Display"/>
+                <a:ea typeface="Aptos Display"/>
+                <a:cs typeface="Aptos Display"/>
+              </a:rPr>
+              <a:t>Before Testing (Running the Robot):</a:t>
+            </a:r>
+            <a:endParaRPr sz="2800">
+              <a:solidFill>
+                <a:schemeClr val="bg1"/>
+              </a:solidFill>
+              <a:latin typeface="Aptos Display"/>
+              <a:cs typeface="Aptos Display"/>
+            </a:endParaRPr>
+          </a:p>
+          <a:p>
+            <a:pPr lvl="1">
+              <a:defRPr/>
+            </a:pPr>
+            <a:r>
+              <a:rPr sz="2400" b="0" i="0" u="none">
+                <a:solidFill>
+                  <a:schemeClr val="bg1"/>
+                </a:solidFill>
+                <a:latin typeface="Aptos Display"/>
+                <a:ea typeface="Aptos Display"/>
+                <a:cs typeface="Aptos Display"/>
+              </a:rPr>
+              <a:t>Step 1: Place robot on the ground. No obstacle as this test for basic movements </a:t>
+            </a:r>
+            <a:endParaRPr sz="2400" b="0" i="0" u="none">
+              <a:solidFill>
+                <a:schemeClr val="bg1"/>
+              </a:solidFill>
+              <a:latin typeface="Aptos Display"/>
+              <a:ea typeface="Aptos Display"/>
+              <a:cs typeface="Aptos Display"/>
+            </a:endParaRPr>
+          </a:p>
+          <a:p>
+            <a:pPr lvl="1">
+              <a:defRPr/>
+            </a:pPr>
+            <a:r>
+              <a:rPr sz="2400" b="0" i="0" u="none">
+                <a:solidFill>
+                  <a:schemeClr val="bg1"/>
+                </a:solidFill>
+                <a:latin typeface="Aptos Display"/>
+                <a:ea typeface="Aptos Display"/>
+                <a:cs typeface="Aptos Display"/>
+              </a:rPr>
+              <a:t>Step 2: Set Switch </a:t>
+            </a:r>
+            <a:r>
+              <a:rPr lang="en-US" sz="2400" b="0" i="0" u="none" strike="noStrike" cap="none" spc="0">
+                <a:solidFill>
+                  <a:schemeClr val="bg1"/>
+                </a:solidFill>
+                <a:latin typeface="Aptos Display"/>
+                <a:ea typeface="Aptos Display"/>
+                <a:cs typeface="Aptos Display"/>
+              </a:rPr>
+              <a:t>“</a:t>
+            </a:r>
+            <a:r>
+              <a:rPr lang="en-US" sz="2400" b="1" i="0" u="none" strike="noStrike" cap="none" spc="0">
+                <a:solidFill>
+                  <a:schemeClr val="accent5"/>
+                </a:solidFill>
+                <a:latin typeface="Aptos Display"/>
+                <a:ea typeface="Aptos Display"/>
+                <a:cs typeface="Aptos Display"/>
+              </a:rPr>
+              <a:t>Motor Driver Standby/On Switch</a:t>
+            </a:r>
+            <a:r>
+              <a:rPr lang="en-US" sz="2400" b="0" i="0" u="none" strike="noStrike" cap="none" spc="0">
+                <a:solidFill>
+                  <a:schemeClr val="bg1"/>
+                </a:solidFill>
+                <a:latin typeface="Aptos Display"/>
+                <a:ea typeface="Aptos Display"/>
+                <a:cs typeface="Aptos Display"/>
+              </a:rPr>
+              <a:t>”</a:t>
+            </a:r>
+            <a:r>
+              <a:rPr sz="2400" b="0" i="0" u="none">
+                <a:solidFill>
+                  <a:schemeClr val="bg1"/>
+                </a:solidFill>
+                <a:latin typeface="Aptos Display"/>
+                <a:ea typeface="Aptos Display"/>
+                <a:cs typeface="Aptos Display"/>
+              </a:rPr>
+              <a:t> -&gt;</a:t>
+            </a:r>
+            <a:r>
+              <a:rPr lang="en-US" sz="2400" b="0" i="0" u="none" strike="noStrike" cap="none" spc="0">
+                <a:solidFill>
+                  <a:schemeClr val="bg1"/>
+                </a:solidFill>
+                <a:latin typeface="Aptos Display"/>
+                <a:ea typeface="Aptos Display"/>
+                <a:cs typeface="Aptos Display"/>
+              </a:rPr>
+              <a:t>activate</a:t>
+            </a:r>
+            <a:r>
+              <a:rPr sz="2400" b="0" i="0" u="none">
+                <a:solidFill>
+                  <a:schemeClr val="bg1"/>
+                </a:solidFill>
+                <a:latin typeface="Aptos Display"/>
+                <a:ea typeface="Aptos Display"/>
+                <a:cs typeface="Aptos Display"/>
+              </a:rPr>
+              <a:t> (  motor driver</a:t>
+            </a:r>
+            <a:r>
+              <a:rPr lang="en-US" sz="2400" b="0" i="0" u="none" strike="noStrike" cap="none" spc="0">
+                <a:solidFill>
+                  <a:schemeClr val="bg1"/>
+                </a:solidFill>
+                <a:latin typeface="Aptos Display"/>
+                <a:ea typeface="Aptos Display"/>
+                <a:cs typeface="Aptos Display"/>
+              </a:rPr>
+              <a:t> ON</a:t>
+            </a:r>
+            <a:r>
+              <a:rPr sz="2400" b="0" i="0" u="none">
+                <a:solidFill>
+                  <a:schemeClr val="bg1"/>
+                </a:solidFill>
+                <a:latin typeface="Aptos Display"/>
+                <a:ea typeface="Aptos Display"/>
+                <a:cs typeface="Aptos Display"/>
+              </a:rPr>
+              <a:t>)</a:t>
+            </a:r>
+            <a:endParaRPr sz="2400" b="0" i="0" u="none">
+              <a:solidFill>
+                <a:schemeClr val="bg1"/>
+              </a:solidFill>
+              <a:latin typeface="Aptos Display"/>
+              <a:ea typeface="Aptos Display"/>
+              <a:cs typeface="Aptos Display"/>
+            </a:endParaRPr>
+          </a:p>
+          <a:p>
+            <a:pPr lvl="1">
+              <a:defRPr/>
+            </a:pPr>
+            <a:r>
+              <a:rPr lang="en-US" sz="2400" b="0" i="0" u="none" strike="noStrike" cap="none" spc="0">
+                <a:solidFill>
+                  <a:schemeClr val="bg1"/>
+                </a:solidFill>
+                <a:latin typeface="Aptos Display"/>
+                <a:ea typeface="Aptos Display"/>
+                <a:cs typeface="Aptos Display"/>
+              </a:rPr>
+              <a:t>Step 3: Set Switch “</a:t>
+            </a:r>
+            <a:r>
+              <a:rPr sz="2800" b="1">
+                <a:solidFill>
+                  <a:schemeClr val="accent5"/>
+                </a:solidFill>
+                <a:latin typeface="Times New Roman"/>
+                <a:ea typeface="Times New Roman"/>
+                <a:cs typeface="Times New Roman"/>
+              </a:rPr>
+              <a:t>ON/OFF Switch</a:t>
+            </a:r>
+            <a:r>
+              <a:rPr lang="en-US" sz="2400" b="0" i="0" u="none" strike="noStrike" cap="none" spc="0">
+                <a:solidFill>
+                  <a:schemeClr val="bg1"/>
+                </a:solidFill>
+                <a:latin typeface="Aptos Display"/>
+                <a:ea typeface="Aptos Display"/>
+                <a:cs typeface="Aptos Display"/>
+              </a:rPr>
+              <a:t>” → ON -&gt;for batter power</a:t>
+            </a:r>
+            <a:endParaRPr sz="2400" b="0" i="0" u="none">
+              <a:solidFill>
+                <a:schemeClr val="bg1"/>
+              </a:solidFill>
+              <a:latin typeface="Aptos Display"/>
+              <a:ea typeface="Aptos Display"/>
+              <a:cs typeface="Aptos Display"/>
+            </a:endParaRPr>
+          </a:p>
+          <a:p>
+            <a:pPr lvl="1">
+              <a:defRPr/>
+            </a:pPr>
+            <a:r>
+              <a:rPr sz="2400" b="0" i="0" u="none">
+                <a:solidFill>
+                  <a:schemeClr val="bg1"/>
+                </a:solidFill>
+                <a:latin typeface="Aptos Display"/>
+                <a:ea typeface="Aptos Display"/>
+                <a:cs typeface="Aptos Display"/>
+              </a:rPr>
+              <a:t>Step 4: Press </a:t>
+            </a:r>
+            <a:r>
+              <a:rPr sz="2400" b="0" i="1" u="none">
+                <a:solidFill>
+                  <a:schemeClr val="accent5"/>
+                </a:solidFill>
+                <a:latin typeface="Aptos Display"/>
+                <a:ea typeface="Aptos Display"/>
+                <a:cs typeface="Aptos Display"/>
+              </a:rPr>
+              <a:t>RESET </a:t>
+            </a:r>
+            <a:r>
+              <a:rPr sz="2400" b="0" i="0" u="none">
+                <a:solidFill>
+                  <a:schemeClr val="bg1"/>
+                </a:solidFill>
+                <a:latin typeface="Aptos Display"/>
+                <a:ea typeface="Aptos Display"/>
+                <a:cs typeface="Aptos Display"/>
+              </a:rPr>
+              <a:t>button </a:t>
+            </a:r>
+            <a:endParaRPr sz="2400" b="0" i="0" u="none">
+              <a:solidFill>
+                <a:schemeClr val="bg1"/>
+              </a:solidFill>
+              <a:latin typeface="Aptos Display"/>
+              <a:ea typeface="Aptos Display"/>
+              <a:cs typeface="Aptos Display"/>
+            </a:endParaRPr>
+          </a:p>
+          <a:p>
+            <a:pPr lvl="1">
+              <a:defRPr/>
+            </a:pPr>
+            <a:r>
+              <a:rPr sz="2400" b="0" i="0" u="none">
+                <a:solidFill>
+                  <a:schemeClr val="bg1"/>
+                </a:solidFill>
+                <a:latin typeface="Aptos Display"/>
+                <a:ea typeface="Aptos Display"/>
+                <a:cs typeface="Aptos Display"/>
+              </a:rPr>
+              <a:t>Step 5: Robot car-1 starts pit avoidance program</a:t>
+            </a:r>
+            <a:endParaRPr sz="2400" b="0" i="0" u="none">
+              <a:solidFill>
+                <a:schemeClr val="bg1"/>
+              </a:solidFill>
+              <a:latin typeface="Aptos Display"/>
+              <a:ea typeface="Aptos Display"/>
+              <a:cs typeface="Aptos Display"/>
+            </a:endParaRPr>
+          </a:p>
+          <a:p>
+            <a:pPr lvl="1">
+              <a:defRPr/>
+            </a:pPr>
+            <a:r>
+              <a:rPr sz="2400" b="0" i="0" u="none">
+                <a:solidFill>
+                  <a:schemeClr val="bg1"/>
+                </a:solidFill>
+                <a:highlight>
+                  <a:srgbClr val="FF0000"/>
+                </a:highlight>
+                <a:latin typeface="Aptos Display"/>
+                <a:ea typeface="Aptos Display"/>
+                <a:cs typeface="Aptos Display"/>
+              </a:rPr>
+              <a:t>Note: </a:t>
+            </a:r>
+            <a:endParaRPr sz="2400" b="0" i="0" u="none">
+              <a:solidFill>
+                <a:schemeClr val="bg1"/>
+              </a:solidFill>
+              <a:latin typeface="Aptos Display"/>
+              <a:ea typeface="Aptos Display"/>
+              <a:cs typeface="Aptos Display"/>
+            </a:endParaRPr>
+          </a:p>
+          <a:p>
+            <a:pPr lvl="2">
+              <a:defRPr/>
+            </a:pPr>
+            <a:r>
+              <a:rPr sz="2000" b="0" i="0" u="none">
+                <a:solidFill>
+                  <a:schemeClr val="bg1"/>
+                </a:solidFill>
+                <a:latin typeface="Aptos Display"/>
+                <a:ea typeface="Aptos Display"/>
+                <a:cs typeface="Aptos Display"/>
+              </a:rPr>
+              <a:t>For Basic Movement </a:t>
+            </a:r>
+            <a:r>
+              <a:rPr sz="2000" b="0" i="0" u="none">
+                <a:solidFill>
+                  <a:schemeClr val="bg1"/>
+                </a:solidFill>
+                <a:latin typeface="Aptos Display"/>
+                <a:ea typeface="Aptos Display"/>
+                <a:cs typeface="Aptos Display"/>
+              </a:rPr>
+              <a:t> </a:t>
+            </a:r>
+            <a:r>
+              <a:rPr lang="en-US" sz="2000" b="1" i="1" u="none" strike="noStrike" cap="none" spc="0">
+                <a:solidFill>
+                  <a:schemeClr val="accent5"/>
+                </a:solidFill>
+                <a:latin typeface="Aptos Display"/>
+                <a:ea typeface="Aptos Display"/>
+                <a:cs typeface="Aptos Display"/>
+              </a:rPr>
+              <a:t>Line/Wall Following Switch</a:t>
+            </a:r>
+            <a:r>
+              <a:rPr sz="2000" b="0" i="0" u="none">
+                <a:solidFill>
+                  <a:schemeClr val="bg1"/>
+                </a:solidFill>
+                <a:latin typeface="Aptos Display"/>
+                <a:ea typeface="Aptos Display"/>
+                <a:cs typeface="Aptos Display"/>
+              </a:rPr>
+              <a:t> selection is not mandatory</a:t>
+            </a:r>
+            <a:endParaRPr sz="2400" b="0" i="0" u="none">
+              <a:solidFill>
+                <a:schemeClr val="bg1"/>
+              </a:solidFill>
+              <a:latin typeface="Aptos Display"/>
+              <a:ea typeface="Aptos Display"/>
+              <a:cs typeface="Aptos Display"/>
             </a:endParaRPr>
           </a:p>
         </p:txBody>
       </p:sp>
       <p:pic>
         <p:nvPicPr>
-          <p:cNvPr id="212522128" name="Picture 3"/>
+          <p:cNvPr id="852825967" name="Picture 3"/>
           <p:cNvPicPr>
             <a:picLocks noChangeAspect="1"/>
           </p:cNvPicPr>
@@ -7090,2159 +9279,38 @@
         </p:blipFill>
         <p:spPr bwMode="auto">
           <a:xfrm>
-            <a:off x="9971313" y="156101"/>
-            <a:ext cx="2037719" cy="549228"/>
+            <a:off x="9971313" y="156099"/>
+            <a:ext cx="2037717" cy="549226"/>
           </a:xfrm>
           <a:prstGeom prst="rect">
             <a:avLst/>
           </a:prstGeom>
         </p:spPr>
       </p:pic>
-      <p:graphicFrame>
-        <p:nvGraphicFramePr>
-          <p:cNvPr id="1884975130" name=""/>
-          <p:cNvGraphicFramePr>
-            <a:graphicFrameLocks xmlns:a="http://schemas.openxmlformats.org/drawingml/2006/main"/>
-          </p:cNvGraphicFramePr>
-          <p:nvPr/>
-        </p:nvGraphicFramePr>
-        <p:xfrm>
-          <a:off x="567371" y="1522086"/>
-          <a:ext cx="10422801" cy="2919303"/>
-        </p:xfrm>
-        <a:graphic>
-          <a:graphicData uri="http://schemas.openxmlformats.org/drawingml/2006/table">
-            <a:tbl>
-              <a:tblPr firstRow="1" firstCol="1" lastRow="0" lastCol="0" bandRow="1" bandCol="0">
-                <a:tableStyleId>{5C22544A-7EE6-4342-B048-85BDC9FD1C3A}</a:tableStyleId>
-              </a:tblPr>
-              <a:tblGrid>
-                <a:gridCol w="1813924"/>
-                <a:gridCol w="2004864"/>
-                <a:gridCol w="2100333"/>
-                <a:gridCol w="1460876"/>
-                <a:gridCol w="3030104"/>
-              </a:tblGrid>
-              <a:tr h="429174">
-                <a:tc>
-                  <a:txBody>
-                    <a:bodyPr/>
-                    <a:p>
-                      <a:pPr algn="l">
-                        <a:lnSpc>
-                          <a:spcPct val="100000"/>
-                        </a:lnSpc>
-                        <a:spcBef>
-                          <a:spcPts val="0"/>
-                        </a:spcBef>
-                        <a:spcAft>
-                          <a:spcPts val="0"/>
-                        </a:spcAft>
-                        <a:defRPr/>
-                      </a:pPr>
-                      <a:r>
-                        <a:rPr sz="1200" b="1">
-                          <a:solidFill>
-                            <a:srgbClr val="000000"/>
-                          </a:solidFill>
-                          <a:latin typeface="Times New Roman"/>
-                          <a:ea typeface="Times New Roman"/>
-                          <a:cs typeface="Times New Roman"/>
-                        </a:rPr>
-                        <a:t>Movement Command</a:t>
-                      </a:r>
-                      <a:endParaRPr/>
-                    </a:p>
-                  </a:txBody>
-                  <a:tcPr vert="horz"/>
-                </a:tc>
-                <a:tc>
-                  <a:txBody>
-                    <a:bodyPr/>
-                    <a:p>
-                      <a:pPr algn="l">
-                        <a:lnSpc>
-                          <a:spcPct val="100000"/>
-                        </a:lnSpc>
-                        <a:spcBef>
-                          <a:spcPts val="0"/>
-                        </a:spcBef>
-                        <a:spcAft>
-                          <a:spcPts val="0"/>
-                        </a:spcAft>
-                        <a:defRPr/>
-                      </a:pPr>
-                      <a:r>
-                        <a:rPr sz="1200" b="1">
-                          <a:solidFill>
-                            <a:srgbClr val="000000"/>
-                          </a:solidFill>
-                          <a:latin typeface="Times New Roman"/>
-                          <a:ea typeface="Times New Roman"/>
-                          <a:cs typeface="Times New Roman"/>
-                        </a:rPr>
-                        <a:t>Left Motor (IN1 / IN2)</a:t>
-                      </a:r>
-                      <a:endParaRPr/>
-                    </a:p>
-                  </a:txBody>
-                  <a:tcPr vert="horz"/>
-                </a:tc>
-                <a:tc>
-                  <a:txBody>
-                    <a:bodyPr/>
-                    <a:p>
-                      <a:pPr algn="l">
-                        <a:lnSpc>
-                          <a:spcPct val="100000"/>
-                        </a:lnSpc>
-                        <a:spcBef>
-                          <a:spcPts val="0"/>
-                        </a:spcBef>
-                        <a:spcAft>
-                          <a:spcPts val="0"/>
-                        </a:spcAft>
-                        <a:defRPr/>
-                      </a:pPr>
-                      <a:r>
-                        <a:rPr sz="1200" b="1">
-                          <a:solidFill>
-                            <a:srgbClr val="000000"/>
-                          </a:solidFill>
-                          <a:latin typeface="Times New Roman"/>
-                          <a:ea typeface="Times New Roman"/>
-                          <a:cs typeface="Times New Roman"/>
-                        </a:rPr>
-                        <a:t>Right Motor (IN3 / IN4)</a:t>
-                      </a:r>
-                      <a:endParaRPr/>
-                    </a:p>
-                  </a:txBody>
-                  <a:tcPr vert="horz"/>
-                </a:tc>
-                <a:tc>
-                  <a:txBody>
-                    <a:bodyPr/>
-                    <a:p>
-                      <a:pPr algn="l">
-                        <a:lnSpc>
-                          <a:spcPct val="100000"/>
-                        </a:lnSpc>
-                        <a:spcBef>
-                          <a:spcPts val="0"/>
-                        </a:spcBef>
-                        <a:spcAft>
-                          <a:spcPts val="0"/>
-                        </a:spcAft>
-                        <a:defRPr/>
-                      </a:pPr>
-                      <a:r>
-                        <a:rPr sz="1200" b="1">
-                          <a:solidFill>
-                            <a:srgbClr val="000000"/>
-                          </a:solidFill>
-                          <a:latin typeface="Times New Roman"/>
-                          <a:ea typeface="Times New Roman"/>
-                          <a:cs typeface="Times New Roman"/>
-                        </a:rPr>
-                        <a:t>Speed (ENA / ENB)</a:t>
-                      </a:r>
-                      <a:endParaRPr/>
-                    </a:p>
-                  </a:txBody>
-                  <a:tcPr vert="horz"/>
-                </a:tc>
-                <a:tc>
-                  <a:txBody>
-                    <a:bodyPr/>
-                    <a:p>
-                      <a:pPr algn="l">
-                        <a:lnSpc>
-                          <a:spcPct val="100000"/>
-                        </a:lnSpc>
-                        <a:spcBef>
-                          <a:spcPts val="0"/>
-                        </a:spcBef>
-                        <a:spcAft>
-                          <a:spcPts val="0"/>
-                        </a:spcAft>
-                        <a:defRPr/>
-                      </a:pPr>
-                      <a:r>
-                        <a:rPr sz="1200" b="1">
-                          <a:solidFill>
-                            <a:srgbClr val="000000"/>
-                          </a:solidFill>
-                          <a:latin typeface="Times New Roman"/>
-                          <a:ea typeface="Times New Roman"/>
-                          <a:cs typeface="Times New Roman"/>
-                        </a:rPr>
-                        <a:t>Description</a:t>
-                      </a:r>
-                      <a:endParaRPr/>
-                    </a:p>
-                  </a:txBody>
-                  <a:tcPr vert="horz"/>
-                </a:tc>
-              </a:tr>
-              <a:tr h="512878">
-                <a:tc>
-                  <a:txBody>
-                    <a:bodyPr/>
-                    <a:p>
-                      <a:pPr algn="l">
-                        <a:lnSpc>
-                          <a:spcPct val="100000"/>
-                        </a:lnSpc>
-                        <a:spcBef>
-                          <a:spcPts val="0"/>
-                        </a:spcBef>
-                        <a:spcAft>
-                          <a:spcPts val="0"/>
-                        </a:spcAft>
-                        <a:defRPr/>
-                      </a:pPr>
-                      <a:r>
-                        <a:rPr sz="1200" b="1">
-                          <a:solidFill>
-                            <a:srgbClr val="000000"/>
-                          </a:solidFill>
-                          <a:latin typeface="Times New Roman"/>
-                          <a:ea typeface="Times New Roman"/>
-                          <a:cs typeface="Times New Roman"/>
-                        </a:rPr>
-                        <a:t>FORWARD</a:t>
-                      </a:r>
-                      <a:endParaRPr/>
-                    </a:p>
-                  </a:txBody>
-                  <a:tcPr vert="horz"/>
-                </a:tc>
-                <a:tc>
-                  <a:txBody>
-                    <a:bodyPr/>
-                    <a:p>
-                      <a:pPr algn="l">
-                        <a:lnSpc>
-                          <a:spcPct val="100000"/>
-                        </a:lnSpc>
-                        <a:spcBef>
-                          <a:spcPts val="0"/>
-                        </a:spcBef>
-                        <a:spcAft>
-                          <a:spcPts val="0"/>
-                        </a:spcAft>
-                        <a:defRPr/>
-                      </a:pPr>
-                      <a:r>
-                        <a:rPr sz="1200">
-                          <a:solidFill>
-                            <a:srgbClr val="000000"/>
-                          </a:solidFill>
-                          <a:latin typeface="Times New Roman"/>
-                          <a:ea typeface="Times New Roman"/>
-                          <a:cs typeface="Times New Roman"/>
-                        </a:rPr>
-                        <a:t>IN1 = HIGH IN2 = LOW</a:t>
-                      </a:r>
-                      <a:endParaRPr/>
-                    </a:p>
-                  </a:txBody>
-                  <a:tcPr vert="horz"/>
-                </a:tc>
-                <a:tc>
-                  <a:txBody>
-                    <a:bodyPr/>
-                    <a:p>
-                      <a:pPr algn="l">
-                        <a:lnSpc>
-                          <a:spcPct val="100000"/>
-                        </a:lnSpc>
-                        <a:spcBef>
-                          <a:spcPts val="0"/>
-                        </a:spcBef>
-                        <a:spcAft>
-                          <a:spcPts val="0"/>
-                        </a:spcAft>
-                        <a:defRPr/>
-                      </a:pPr>
-                      <a:r>
-                        <a:rPr sz="1200">
-                          <a:solidFill>
-                            <a:srgbClr val="000000"/>
-                          </a:solidFill>
-                          <a:latin typeface="Times New Roman"/>
-                          <a:ea typeface="Times New Roman"/>
-                          <a:cs typeface="Times New Roman"/>
-                        </a:rPr>
-                        <a:t>IN3 = HIGH IN4 = LOW</a:t>
-                      </a:r>
-                      <a:endParaRPr/>
-                    </a:p>
-                  </a:txBody>
-                  <a:tcPr vert="horz"/>
-                </a:tc>
-                <a:tc>
-                  <a:txBody>
-                    <a:bodyPr/>
-                    <a:p>
-                      <a:pPr algn="l">
-                        <a:lnSpc>
-                          <a:spcPct val="100000"/>
-                        </a:lnSpc>
-                        <a:spcBef>
-                          <a:spcPts val="0"/>
-                        </a:spcBef>
-                        <a:spcAft>
-                          <a:spcPts val="0"/>
-                        </a:spcAft>
-                        <a:defRPr/>
-                      </a:pPr>
-                      <a:r>
-                        <a:rPr sz="1200">
-                          <a:solidFill>
-                            <a:srgbClr val="000000"/>
-                          </a:solidFill>
-                          <a:latin typeface="Times New Roman"/>
-                          <a:ea typeface="Times New Roman"/>
-                          <a:cs typeface="Times New Roman"/>
-                        </a:rPr>
-                        <a:t>PWM (0–255)</a:t>
-                      </a:r>
-                      <a:endParaRPr/>
-                    </a:p>
-                  </a:txBody>
-                  <a:tcPr vert="horz"/>
-                </a:tc>
-                <a:tc>
-                  <a:txBody>
-                    <a:bodyPr/>
-                    <a:p>
-                      <a:pPr algn="l">
-                        <a:lnSpc>
-                          <a:spcPct val="100000"/>
-                        </a:lnSpc>
-                        <a:spcBef>
-                          <a:spcPts val="0"/>
-                        </a:spcBef>
-                        <a:spcAft>
-                          <a:spcPts val="0"/>
-                        </a:spcAft>
-                        <a:defRPr/>
-                      </a:pPr>
-                      <a:r>
-                        <a:rPr sz="1200">
-                          <a:solidFill>
-                            <a:srgbClr val="000000"/>
-                          </a:solidFill>
-                          <a:latin typeface="Times New Roman"/>
-                          <a:ea typeface="Times New Roman"/>
-                          <a:cs typeface="Times New Roman"/>
-                        </a:rPr>
-                        <a:t>Both motors rotate forward at the same speed</a:t>
-                      </a:r>
-                      <a:endParaRPr/>
-                    </a:p>
-                  </a:txBody>
-                  <a:tcPr vert="horz"/>
-                </a:tc>
-              </a:tr>
-              <a:tr h="442604">
-                <a:tc>
-                  <a:txBody>
-                    <a:bodyPr/>
-                    <a:p>
-                      <a:pPr algn="l">
-                        <a:lnSpc>
-                          <a:spcPct val="100000"/>
-                        </a:lnSpc>
-                        <a:spcBef>
-                          <a:spcPts val="0"/>
-                        </a:spcBef>
-                        <a:spcAft>
-                          <a:spcPts val="0"/>
-                        </a:spcAft>
-                        <a:defRPr/>
-                      </a:pPr>
-                      <a:r>
-                        <a:rPr sz="1200" b="1">
-                          <a:solidFill>
-                            <a:srgbClr val="000000"/>
-                          </a:solidFill>
-                          <a:latin typeface="Times New Roman"/>
-                          <a:ea typeface="Times New Roman"/>
-                          <a:cs typeface="Times New Roman"/>
-                        </a:rPr>
-                        <a:t>BACKWARD</a:t>
-                      </a:r>
-                      <a:endParaRPr/>
-                    </a:p>
-                  </a:txBody>
-                  <a:tcPr vert="horz"/>
-                </a:tc>
-                <a:tc>
-                  <a:txBody>
-                    <a:bodyPr/>
-                    <a:p>
-                      <a:pPr algn="l">
-                        <a:lnSpc>
-                          <a:spcPct val="100000"/>
-                        </a:lnSpc>
-                        <a:spcBef>
-                          <a:spcPts val="0"/>
-                        </a:spcBef>
-                        <a:spcAft>
-                          <a:spcPts val="0"/>
-                        </a:spcAft>
-                        <a:defRPr/>
-                      </a:pPr>
-                      <a:r>
-                        <a:rPr sz="1200">
-                          <a:solidFill>
-                            <a:srgbClr val="000000"/>
-                          </a:solidFill>
-                          <a:latin typeface="Times New Roman"/>
-                          <a:ea typeface="Times New Roman"/>
-                          <a:cs typeface="Times New Roman"/>
-                        </a:rPr>
-                        <a:t>IN1 = LOW IN2 = HIGH</a:t>
-                      </a:r>
-                      <a:endParaRPr/>
-                    </a:p>
-                  </a:txBody>
-                  <a:tcPr vert="horz"/>
-                </a:tc>
-                <a:tc>
-                  <a:txBody>
-                    <a:bodyPr/>
-                    <a:p>
-                      <a:pPr algn="l">
-                        <a:lnSpc>
-                          <a:spcPct val="100000"/>
-                        </a:lnSpc>
-                        <a:spcBef>
-                          <a:spcPts val="0"/>
-                        </a:spcBef>
-                        <a:spcAft>
-                          <a:spcPts val="0"/>
-                        </a:spcAft>
-                        <a:defRPr/>
-                      </a:pPr>
-                      <a:r>
-                        <a:rPr sz="1200">
-                          <a:solidFill>
-                            <a:srgbClr val="000000"/>
-                          </a:solidFill>
-                          <a:latin typeface="Times New Roman"/>
-                          <a:ea typeface="Times New Roman"/>
-                          <a:cs typeface="Times New Roman"/>
-                        </a:rPr>
-                        <a:t>IN3 = LOW IN4 = HIGH</a:t>
-                      </a:r>
-                      <a:endParaRPr/>
-                    </a:p>
-                  </a:txBody>
-                  <a:tcPr vert="horz"/>
-                </a:tc>
-                <a:tc>
-                  <a:txBody>
-                    <a:bodyPr/>
-                    <a:p>
-                      <a:pPr algn="l">
-                        <a:lnSpc>
-                          <a:spcPct val="100000"/>
-                        </a:lnSpc>
-                        <a:spcBef>
-                          <a:spcPts val="0"/>
-                        </a:spcBef>
-                        <a:spcAft>
-                          <a:spcPts val="0"/>
-                        </a:spcAft>
-                        <a:defRPr/>
-                      </a:pPr>
-                      <a:r>
-                        <a:rPr sz="1200">
-                          <a:solidFill>
-                            <a:srgbClr val="000000"/>
-                          </a:solidFill>
-                          <a:latin typeface="Times New Roman"/>
-                          <a:ea typeface="Times New Roman"/>
-                          <a:cs typeface="Times New Roman"/>
-                        </a:rPr>
-                        <a:t>PWM (0–255)</a:t>
-                      </a:r>
-                      <a:endParaRPr/>
-                    </a:p>
-                  </a:txBody>
-                  <a:tcPr vert="horz"/>
-                </a:tc>
-                <a:tc>
-                  <a:txBody>
-                    <a:bodyPr/>
-                    <a:p>
-                      <a:pPr algn="l">
-                        <a:lnSpc>
-                          <a:spcPct val="100000"/>
-                        </a:lnSpc>
-                        <a:spcBef>
-                          <a:spcPts val="0"/>
-                        </a:spcBef>
-                        <a:spcAft>
-                          <a:spcPts val="0"/>
-                        </a:spcAft>
-                        <a:defRPr/>
-                      </a:pPr>
-                      <a:r>
-                        <a:rPr sz="1200">
-                          <a:solidFill>
-                            <a:srgbClr val="000000"/>
-                          </a:solidFill>
-                          <a:latin typeface="Times New Roman"/>
-                          <a:ea typeface="Times New Roman"/>
-                          <a:cs typeface="Times New Roman"/>
-                        </a:rPr>
-                        <a:t>Both motors rotate backward at the same speed</a:t>
-                      </a:r>
-                      <a:endParaRPr/>
-                    </a:p>
-                  </a:txBody>
-                  <a:tcPr vert="horz"/>
-                </a:tc>
-              </a:tr>
-              <a:tr h="429174">
-                <a:tc>
-                  <a:txBody>
-                    <a:bodyPr/>
-                    <a:p>
-                      <a:pPr algn="l">
-                        <a:lnSpc>
-                          <a:spcPct val="100000"/>
-                        </a:lnSpc>
-                        <a:spcBef>
-                          <a:spcPts val="0"/>
-                        </a:spcBef>
-                        <a:spcAft>
-                          <a:spcPts val="0"/>
-                        </a:spcAft>
-                        <a:defRPr/>
-                      </a:pPr>
-                      <a:r>
-                        <a:rPr sz="1200" b="1">
-                          <a:solidFill>
-                            <a:srgbClr val="000000"/>
-                          </a:solidFill>
-                          <a:latin typeface="Times New Roman"/>
-                          <a:ea typeface="Times New Roman"/>
-                          <a:cs typeface="Times New Roman"/>
-                        </a:rPr>
-                        <a:t>TURN LEFT</a:t>
-                      </a:r>
-                      <a:endParaRPr/>
-                    </a:p>
-                  </a:txBody>
-                  <a:tcPr vert="horz"/>
-                </a:tc>
-                <a:tc>
-                  <a:txBody>
-                    <a:bodyPr/>
-                    <a:p>
-                      <a:pPr algn="l">
-                        <a:lnSpc>
-                          <a:spcPct val="100000"/>
-                        </a:lnSpc>
-                        <a:spcBef>
-                          <a:spcPts val="0"/>
-                        </a:spcBef>
-                        <a:spcAft>
-                          <a:spcPts val="0"/>
-                        </a:spcAft>
-                        <a:defRPr/>
-                      </a:pPr>
-                      <a:r>
-                        <a:rPr sz="1200">
-                          <a:solidFill>
-                            <a:srgbClr val="000000"/>
-                          </a:solidFill>
-                          <a:latin typeface="Times New Roman"/>
-                          <a:ea typeface="Times New Roman"/>
-                          <a:cs typeface="Times New Roman"/>
-                        </a:rPr>
-                        <a:t>IN1 = LOW IN2 = HIGH</a:t>
-                      </a:r>
-                      <a:endParaRPr/>
-                    </a:p>
-                  </a:txBody>
-                  <a:tcPr vert="horz"/>
-                </a:tc>
-                <a:tc>
-                  <a:txBody>
-                    <a:bodyPr/>
-                    <a:p>
-                      <a:pPr algn="l">
-                        <a:lnSpc>
-                          <a:spcPct val="100000"/>
-                        </a:lnSpc>
-                        <a:spcBef>
-                          <a:spcPts val="0"/>
-                        </a:spcBef>
-                        <a:spcAft>
-                          <a:spcPts val="0"/>
-                        </a:spcAft>
-                        <a:defRPr/>
-                      </a:pPr>
-                      <a:r>
-                        <a:rPr sz="1200">
-                          <a:solidFill>
-                            <a:srgbClr val="000000"/>
-                          </a:solidFill>
-                          <a:latin typeface="Times New Roman"/>
-                          <a:ea typeface="Times New Roman"/>
-                          <a:cs typeface="Times New Roman"/>
-                        </a:rPr>
-                        <a:t>IN3 = HIGH IN4 = LOW</a:t>
-                      </a:r>
-                      <a:endParaRPr/>
-                    </a:p>
-                  </a:txBody>
-                  <a:tcPr vert="horz"/>
-                </a:tc>
-                <a:tc>
-                  <a:txBody>
-                    <a:bodyPr/>
-                    <a:p>
-                      <a:pPr algn="l">
-                        <a:lnSpc>
-                          <a:spcPct val="100000"/>
-                        </a:lnSpc>
-                        <a:spcBef>
-                          <a:spcPts val="0"/>
-                        </a:spcBef>
-                        <a:spcAft>
-                          <a:spcPts val="0"/>
-                        </a:spcAft>
-                        <a:defRPr/>
-                      </a:pPr>
-                      <a:r>
-                        <a:rPr sz="1200">
-                          <a:solidFill>
-                            <a:srgbClr val="000000"/>
-                          </a:solidFill>
-                          <a:latin typeface="Times New Roman"/>
-                          <a:ea typeface="Times New Roman"/>
-                          <a:cs typeface="Times New Roman"/>
-                        </a:rPr>
-                        <a:t>PWM (0–255)</a:t>
-                      </a:r>
-                      <a:endParaRPr/>
-                    </a:p>
-                  </a:txBody>
-                  <a:tcPr vert="horz"/>
-                </a:tc>
-                <a:tc>
-                  <a:txBody>
-                    <a:bodyPr/>
-                    <a:p>
-                      <a:pPr algn="l">
-                        <a:lnSpc>
-                          <a:spcPct val="100000"/>
-                        </a:lnSpc>
-                        <a:spcBef>
-                          <a:spcPts val="0"/>
-                        </a:spcBef>
-                        <a:spcAft>
-                          <a:spcPts val="0"/>
-                        </a:spcAft>
-                        <a:defRPr/>
-                      </a:pPr>
-                      <a:r>
-                        <a:rPr sz="1200">
-                          <a:solidFill>
-                            <a:srgbClr val="000000"/>
-                          </a:solidFill>
-                          <a:latin typeface="Times New Roman"/>
-                          <a:ea typeface="Times New Roman"/>
-                          <a:cs typeface="Times New Roman"/>
-                        </a:rPr>
-                        <a:t>Left motor backward, right motor forward (pivot turn)</a:t>
-                      </a:r>
-                      <a:endParaRPr/>
-                    </a:p>
-                  </a:txBody>
-                  <a:tcPr vert="horz"/>
-                </a:tc>
-              </a:tr>
-              <a:tr h="457480">
-                <a:tc>
-                  <a:txBody>
-                    <a:bodyPr/>
-                    <a:p>
-                      <a:pPr algn="l">
-                        <a:lnSpc>
-                          <a:spcPct val="100000"/>
-                        </a:lnSpc>
-                        <a:spcBef>
-                          <a:spcPts val="0"/>
-                        </a:spcBef>
-                        <a:spcAft>
-                          <a:spcPts val="0"/>
-                        </a:spcAft>
-                        <a:defRPr/>
-                      </a:pPr>
-                      <a:r>
-                        <a:rPr sz="1200" b="1">
-                          <a:solidFill>
-                            <a:srgbClr val="000000"/>
-                          </a:solidFill>
-                          <a:latin typeface="Times New Roman"/>
-                          <a:ea typeface="Times New Roman"/>
-                          <a:cs typeface="Times New Roman"/>
-                        </a:rPr>
-                        <a:t>TURN RIGHT</a:t>
-                      </a:r>
-                      <a:endParaRPr/>
-                    </a:p>
-                  </a:txBody>
-                  <a:tcPr vert="horz"/>
-                </a:tc>
-                <a:tc>
-                  <a:txBody>
-                    <a:bodyPr/>
-                    <a:p>
-                      <a:pPr algn="l">
-                        <a:lnSpc>
-                          <a:spcPct val="100000"/>
-                        </a:lnSpc>
-                        <a:spcBef>
-                          <a:spcPts val="0"/>
-                        </a:spcBef>
-                        <a:spcAft>
-                          <a:spcPts val="0"/>
-                        </a:spcAft>
-                        <a:defRPr/>
-                      </a:pPr>
-                      <a:r>
-                        <a:rPr sz="1200">
-                          <a:solidFill>
-                            <a:srgbClr val="000000"/>
-                          </a:solidFill>
-                          <a:latin typeface="Times New Roman"/>
-                          <a:ea typeface="Times New Roman"/>
-                          <a:cs typeface="Times New Roman"/>
-                        </a:rPr>
-                        <a:t>IN1 = HIGH IN2 = LOW</a:t>
-                      </a:r>
-                      <a:endParaRPr/>
-                    </a:p>
-                  </a:txBody>
-                  <a:tcPr vert="horz"/>
-                </a:tc>
-                <a:tc>
-                  <a:txBody>
-                    <a:bodyPr/>
-                    <a:p>
-                      <a:pPr algn="l">
-                        <a:lnSpc>
-                          <a:spcPct val="100000"/>
-                        </a:lnSpc>
-                        <a:spcBef>
-                          <a:spcPts val="0"/>
-                        </a:spcBef>
-                        <a:spcAft>
-                          <a:spcPts val="0"/>
-                        </a:spcAft>
-                        <a:defRPr/>
-                      </a:pPr>
-                      <a:r>
-                        <a:rPr sz="1200">
-                          <a:solidFill>
-                            <a:srgbClr val="000000"/>
-                          </a:solidFill>
-                          <a:latin typeface="Times New Roman"/>
-                          <a:ea typeface="Times New Roman"/>
-                          <a:cs typeface="Times New Roman"/>
-                        </a:rPr>
-                        <a:t>IN3 = LOW IN4 = HIGH</a:t>
-                      </a:r>
-                      <a:endParaRPr/>
-                    </a:p>
-                  </a:txBody>
-                  <a:tcPr vert="horz"/>
-                </a:tc>
-                <a:tc>
-                  <a:txBody>
-                    <a:bodyPr/>
-                    <a:p>
-                      <a:pPr algn="l">
-                        <a:lnSpc>
-                          <a:spcPct val="100000"/>
-                        </a:lnSpc>
-                        <a:spcBef>
-                          <a:spcPts val="0"/>
-                        </a:spcBef>
-                        <a:spcAft>
-                          <a:spcPts val="0"/>
-                        </a:spcAft>
-                        <a:defRPr/>
-                      </a:pPr>
-                      <a:r>
-                        <a:rPr sz="1200">
-                          <a:solidFill>
-                            <a:srgbClr val="000000"/>
-                          </a:solidFill>
-                          <a:latin typeface="Times New Roman"/>
-                          <a:ea typeface="Times New Roman"/>
-                          <a:cs typeface="Times New Roman"/>
-                        </a:rPr>
-                        <a:t>PWM (0–255)</a:t>
-                      </a:r>
-                      <a:endParaRPr/>
-                    </a:p>
-                  </a:txBody>
-                  <a:tcPr vert="horz"/>
-                </a:tc>
-                <a:tc>
-                  <a:txBody>
-                    <a:bodyPr/>
-                    <a:p>
-                      <a:pPr algn="l">
-                        <a:lnSpc>
-                          <a:spcPct val="100000"/>
-                        </a:lnSpc>
-                        <a:spcBef>
-                          <a:spcPts val="0"/>
-                        </a:spcBef>
-                        <a:spcAft>
-                          <a:spcPts val="0"/>
-                        </a:spcAft>
-                        <a:defRPr/>
-                      </a:pPr>
-                      <a:r>
-                        <a:rPr sz="1200">
-                          <a:solidFill>
-                            <a:srgbClr val="000000"/>
-                          </a:solidFill>
-                          <a:latin typeface="Times New Roman"/>
-                          <a:ea typeface="Times New Roman"/>
-                          <a:cs typeface="Times New Roman"/>
-                        </a:rPr>
-                        <a:t>Left motor forward, right motor backward (pivot turn)</a:t>
-                      </a:r>
-                      <a:endParaRPr/>
-                    </a:p>
-                  </a:txBody>
-                  <a:tcPr vert="horz"/>
-                </a:tc>
-              </a:tr>
-              <a:tr h="564646">
-                <a:tc>
-                  <a:txBody>
-                    <a:bodyPr/>
-                    <a:p>
-                      <a:pPr algn="l">
-                        <a:lnSpc>
-                          <a:spcPct val="100000"/>
-                        </a:lnSpc>
-                        <a:spcBef>
-                          <a:spcPts val="0"/>
-                        </a:spcBef>
-                        <a:spcAft>
-                          <a:spcPts val="0"/>
-                        </a:spcAft>
-                        <a:defRPr/>
-                      </a:pPr>
-                      <a:r>
-                        <a:rPr sz="1200" b="1">
-                          <a:solidFill>
-                            <a:srgbClr val="000000"/>
-                          </a:solidFill>
-                          <a:latin typeface="Times New Roman"/>
-                          <a:ea typeface="Times New Roman"/>
-                          <a:cs typeface="Times New Roman"/>
-                        </a:rPr>
-                        <a:t>STOP</a:t>
-                      </a:r>
-                      <a:endParaRPr/>
-                    </a:p>
-                  </a:txBody>
-                  <a:tcPr vert="horz"/>
-                </a:tc>
-                <a:tc>
-                  <a:txBody>
-                    <a:bodyPr/>
-                    <a:p>
-                      <a:pPr algn="l">
-                        <a:lnSpc>
-                          <a:spcPct val="100000"/>
-                        </a:lnSpc>
-                        <a:spcBef>
-                          <a:spcPts val="0"/>
-                        </a:spcBef>
-                        <a:spcAft>
-                          <a:spcPts val="0"/>
-                        </a:spcAft>
-                        <a:defRPr/>
-                      </a:pPr>
-                      <a:r>
-                        <a:rPr sz="1200">
-                          <a:solidFill>
-                            <a:srgbClr val="000000"/>
-                          </a:solidFill>
-                          <a:latin typeface="Times New Roman"/>
-                          <a:ea typeface="Times New Roman"/>
-                          <a:cs typeface="Times New Roman"/>
-                        </a:rPr>
-                        <a:t>IN1 = LOW IN2 = LOW</a:t>
-                      </a:r>
-                      <a:endParaRPr/>
-                    </a:p>
-                  </a:txBody>
-                  <a:tcPr vert="horz"/>
-                </a:tc>
-                <a:tc>
-                  <a:txBody>
-                    <a:bodyPr/>
-                    <a:p>
-                      <a:pPr algn="l">
-                        <a:lnSpc>
-                          <a:spcPct val="100000"/>
-                        </a:lnSpc>
-                        <a:spcBef>
-                          <a:spcPts val="0"/>
-                        </a:spcBef>
-                        <a:spcAft>
-                          <a:spcPts val="0"/>
-                        </a:spcAft>
-                        <a:defRPr/>
-                      </a:pPr>
-                      <a:r>
-                        <a:rPr sz="1200">
-                          <a:solidFill>
-                            <a:srgbClr val="000000"/>
-                          </a:solidFill>
-                          <a:latin typeface="Times New Roman"/>
-                          <a:ea typeface="Times New Roman"/>
-                          <a:cs typeface="Times New Roman"/>
-                        </a:rPr>
-                        <a:t>IN3 = LOW IN4 = LOW</a:t>
-                      </a:r>
-                      <a:endParaRPr/>
-                    </a:p>
-                  </a:txBody>
-                  <a:tcPr vert="horz"/>
-                </a:tc>
-                <a:tc>
-                  <a:txBody>
-                    <a:bodyPr/>
-                    <a:p>
-                      <a:pPr algn="l">
-                        <a:lnSpc>
-                          <a:spcPct val="100000"/>
-                        </a:lnSpc>
-                        <a:spcBef>
-                          <a:spcPts val="0"/>
-                        </a:spcBef>
-                        <a:spcAft>
-                          <a:spcPts val="0"/>
-                        </a:spcAft>
-                        <a:defRPr/>
-                      </a:pPr>
-                      <a:r>
-                        <a:rPr sz="1200">
-                          <a:solidFill>
-                            <a:srgbClr val="000000"/>
-                          </a:solidFill>
-                          <a:latin typeface="Times New Roman"/>
-                          <a:ea typeface="Times New Roman"/>
-                          <a:cs typeface="Times New Roman"/>
-                        </a:rPr>
-                        <a:t>0</a:t>
-                      </a:r>
-                      <a:endParaRPr/>
-                    </a:p>
-                  </a:txBody>
-                  <a:tcPr vert="horz"/>
-                </a:tc>
-                <a:tc>
-                  <a:txBody>
-                    <a:bodyPr/>
-                    <a:p>
-                      <a:pPr algn="l">
-                        <a:lnSpc>
-                          <a:spcPct val="100000"/>
-                        </a:lnSpc>
-                        <a:spcBef>
-                          <a:spcPts val="0"/>
-                        </a:spcBef>
-                        <a:spcAft>
-                          <a:spcPts val="0"/>
-                        </a:spcAft>
-                        <a:defRPr/>
-                      </a:pPr>
-                      <a:r>
-                        <a:rPr sz="1200">
-                          <a:solidFill>
-                            <a:srgbClr val="000000"/>
-                          </a:solidFill>
-                          <a:latin typeface="Times New Roman"/>
-                          <a:ea typeface="Times New Roman"/>
-                          <a:cs typeface="Times New Roman"/>
-                        </a:rPr>
-                        <a:t>Both motors disabled, no movement</a:t>
-                      </a:r>
-                      <a:endParaRPr/>
-                    </a:p>
-                  </a:txBody>
-                  <a:tcPr vert="horz"/>
-                </a:tc>
-              </a:tr>
-            </a:tbl>
-          </a:graphicData>
-        </a:graphic>
-      </p:graphicFrame>
-      <p:graphicFrame>
-        <p:nvGraphicFramePr>
-          <p:cNvPr id="260580786" name=""/>
-          <p:cNvGraphicFramePr>
-            <a:graphicFrameLocks xmlns:a="http://schemas.openxmlformats.org/drawingml/2006/main"/>
-          </p:cNvGraphicFramePr>
-          <p:nvPr/>
-        </p:nvGraphicFramePr>
-        <p:xfrm>
-          <a:off x="741050" y="5051059"/>
-          <a:ext cx="7152639" cy="1580691"/>
-        </p:xfrm>
-        <a:graphic>
-          <a:graphicData uri="http://schemas.openxmlformats.org/drawingml/2006/table">
-            <a:tbl>
-              <a:tblPr firstRow="1" firstCol="1" lastRow="0" lastCol="0" bandRow="1" bandCol="0">
-                <a:tableStyleId>{5C22544A-7EE6-4342-B048-85BDC9FD1C3A}</a:tableStyleId>
-              </a:tblPr>
-              <a:tblGrid>
-                <a:gridCol w="1188719"/>
-                <a:gridCol w="1188719"/>
-                <a:gridCol w="1188719"/>
-                <a:gridCol w="1188719"/>
-                <a:gridCol w="1188719"/>
-                <a:gridCol w="1196339"/>
-              </a:tblGrid>
-              <a:tr h="457200">
-                <a:tc>
-                  <a:txBody>
-                    <a:bodyPr/>
-                    <a:p>
-                      <a:pPr algn="l">
-                        <a:lnSpc>
-                          <a:spcPct val="100000"/>
-                        </a:lnSpc>
-                        <a:spcBef>
-                          <a:spcPts val="0"/>
-                        </a:spcBef>
-                        <a:spcAft>
-                          <a:spcPts val="0"/>
-                        </a:spcAft>
-                        <a:defRPr/>
-                      </a:pPr>
-                      <a:r>
-                        <a:rPr sz="1200" b="1">
-                          <a:solidFill>
-                            <a:srgbClr val="000000"/>
-                          </a:solidFill>
-                          <a:latin typeface="Times New Roman"/>
-                          <a:ea typeface="Times New Roman"/>
-                          <a:cs typeface="Times New Roman"/>
-                        </a:rPr>
-                        <a:t>IN1</a:t>
-                      </a:r>
-                      <a:endParaRPr/>
-                    </a:p>
-                  </a:txBody>
-                  <a:tcPr vert="horz"/>
-                </a:tc>
-                <a:tc>
-                  <a:txBody>
-                    <a:bodyPr/>
-                    <a:p>
-                      <a:pPr algn="l">
-                        <a:lnSpc>
-                          <a:spcPct val="100000"/>
-                        </a:lnSpc>
-                        <a:spcBef>
-                          <a:spcPts val="0"/>
-                        </a:spcBef>
-                        <a:spcAft>
-                          <a:spcPts val="0"/>
-                        </a:spcAft>
-                        <a:defRPr/>
-                      </a:pPr>
-                      <a:r>
-                        <a:rPr sz="1200" b="1">
-                          <a:solidFill>
-                            <a:srgbClr val="000000"/>
-                          </a:solidFill>
-                          <a:latin typeface="Times New Roman"/>
-                          <a:ea typeface="Times New Roman"/>
-                          <a:cs typeface="Times New Roman"/>
-                        </a:rPr>
-                        <a:t>IN2</a:t>
-                      </a:r>
-                      <a:endParaRPr/>
-                    </a:p>
-                  </a:txBody>
-                  <a:tcPr vert="horz"/>
-                </a:tc>
-                <a:tc>
-                  <a:txBody>
-                    <a:bodyPr/>
-                    <a:p>
-                      <a:pPr algn="l">
-                        <a:lnSpc>
-                          <a:spcPct val="100000"/>
-                        </a:lnSpc>
-                        <a:spcBef>
-                          <a:spcPts val="0"/>
-                        </a:spcBef>
-                        <a:spcAft>
-                          <a:spcPts val="0"/>
-                        </a:spcAft>
-                        <a:defRPr/>
-                      </a:pPr>
-                      <a:r>
-                        <a:rPr sz="1200" b="1">
-                          <a:solidFill>
-                            <a:srgbClr val="000000"/>
-                          </a:solidFill>
-                          <a:latin typeface="Times New Roman"/>
-                          <a:ea typeface="Times New Roman"/>
-                          <a:cs typeface="Times New Roman"/>
-                        </a:rPr>
-                        <a:t>Motor A Direction</a:t>
-                      </a:r>
-                      <a:endParaRPr/>
-                    </a:p>
-                  </a:txBody>
-                  <a:tcPr vert="horz"/>
-                </a:tc>
-                <a:tc>
-                  <a:txBody>
-                    <a:bodyPr/>
-                    <a:p>
-                      <a:pPr algn="l">
-                        <a:lnSpc>
-                          <a:spcPct val="100000"/>
-                        </a:lnSpc>
-                        <a:spcBef>
-                          <a:spcPts val="0"/>
-                        </a:spcBef>
-                        <a:spcAft>
-                          <a:spcPts val="0"/>
-                        </a:spcAft>
-                        <a:defRPr/>
-                      </a:pPr>
-                      <a:r>
-                        <a:rPr sz="1200" b="1">
-                          <a:solidFill>
-                            <a:srgbClr val="000000"/>
-                          </a:solidFill>
-                          <a:latin typeface="Times New Roman"/>
-                          <a:ea typeface="Times New Roman"/>
-                          <a:cs typeface="Times New Roman"/>
-                        </a:rPr>
-                        <a:t>IN3</a:t>
-                      </a:r>
-                      <a:endParaRPr/>
-                    </a:p>
-                  </a:txBody>
-                  <a:tcPr vert="horz"/>
-                </a:tc>
-                <a:tc>
-                  <a:txBody>
-                    <a:bodyPr/>
-                    <a:p>
-                      <a:pPr algn="l">
-                        <a:lnSpc>
-                          <a:spcPct val="100000"/>
-                        </a:lnSpc>
-                        <a:spcBef>
-                          <a:spcPts val="0"/>
-                        </a:spcBef>
-                        <a:spcAft>
-                          <a:spcPts val="0"/>
-                        </a:spcAft>
-                        <a:defRPr/>
-                      </a:pPr>
-                      <a:r>
-                        <a:rPr sz="1200" b="1">
-                          <a:solidFill>
-                            <a:srgbClr val="000000"/>
-                          </a:solidFill>
-                          <a:latin typeface="Times New Roman"/>
-                          <a:ea typeface="Times New Roman"/>
-                          <a:cs typeface="Times New Roman"/>
-                        </a:rPr>
-                        <a:t>IN4</a:t>
-                      </a:r>
-                      <a:endParaRPr/>
-                    </a:p>
-                  </a:txBody>
-                  <a:tcPr vert="horz"/>
-                </a:tc>
-                <a:tc>
-                  <a:txBody>
-                    <a:bodyPr/>
-                    <a:p>
-                      <a:pPr algn="l">
-                        <a:lnSpc>
-                          <a:spcPct val="100000"/>
-                        </a:lnSpc>
-                        <a:spcBef>
-                          <a:spcPts val="0"/>
-                        </a:spcBef>
-                        <a:spcAft>
-                          <a:spcPts val="0"/>
-                        </a:spcAft>
-                        <a:defRPr/>
-                      </a:pPr>
-                      <a:r>
-                        <a:rPr sz="1200" b="1">
-                          <a:solidFill>
-                            <a:srgbClr val="000000"/>
-                          </a:solidFill>
-                          <a:latin typeface="Times New Roman"/>
-                          <a:ea typeface="Times New Roman"/>
-                          <a:cs typeface="Times New Roman"/>
-                        </a:rPr>
-                        <a:t>Motor B Direction</a:t>
-                      </a:r>
-                      <a:endParaRPr/>
-                    </a:p>
-                  </a:txBody>
-                  <a:tcPr vert="horz" anchor="ctr"/>
-                </a:tc>
-              </a:tr>
-              <a:tr h="274320">
-                <a:tc>
-                  <a:txBody>
-                    <a:bodyPr/>
-                    <a:p>
-                      <a:pPr algn="l">
-                        <a:lnSpc>
-                          <a:spcPct val="100000"/>
-                        </a:lnSpc>
-                        <a:spcBef>
-                          <a:spcPts val="0"/>
-                        </a:spcBef>
-                        <a:spcAft>
-                          <a:spcPts val="0"/>
-                        </a:spcAft>
-                        <a:defRPr/>
-                      </a:pPr>
-                      <a:r>
-                        <a:rPr sz="1200">
-                          <a:solidFill>
-                            <a:srgbClr val="000000"/>
-                          </a:solidFill>
-                          <a:latin typeface="Times New Roman"/>
-                          <a:ea typeface="Times New Roman"/>
-                          <a:cs typeface="Times New Roman"/>
-                        </a:rPr>
-                        <a:t>HIGH</a:t>
-                      </a:r>
-                      <a:endParaRPr/>
-                    </a:p>
-                  </a:txBody>
-                  <a:tcPr vert="horz"/>
-                </a:tc>
-                <a:tc>
-                  <a:txBody>
-                    <a:bodyPr/>
-                    <a:p>
-                      <a:pPr algn="l">
-                        <a:lnSpc>
-                          <a:spcPct val="100000"/>
-                        </a:lnSpc>
-                        <a:spcBef>
-                          <a:spcPts val="0"/>
-                        </a:spcBef>
-                        <a:spcAft>
-                          <a:spcPts val="0"/>
-                        </a:spcAft>
-                        <a:defRPr/>
-                      </a:pPr>
-                      <a:r>
-                        <a:rPr sz="1200">
-                          <a:solidFill>
-                            <a:srgbClr val="000000"/>
-                          </a:solidFill>
-                          <a:latin typeface="Times New Roman"/>
-                          <a:ea typeface="Times New Roman"/>
-                          <a:cs typeface="Times New Roman"/>
-                        </a:rPr>
-                        <a:t>LOW</a:t>
-                      </a:r>
-                      <a:endParaRPr/>
-                    </a:p>
-                  </a:txBody>
-                  <a:tcPr vert="horz"/>
-                </a:tc>
-                <a:tc>
-                  <a:txBody>
-                    <a:bodyPr/>
-                    <a:p>
-                      <a:pPr algn="l">
-                        <a:lnSpc>
-                          <a:spcPct val="100000"/>
-                        </a:lnSpc>
-                        <a:spcBef>
-                          <a:spcPts val="0"/>
-                        </a:spcBef>
-                        <a:spcAft>
-                          <a:spcPts val="0"/>
-                        </a:spcAft>
-                        <a:defRPr/>
-                      </a:pPr>
-                      <a:r>
-                        <a:rPr sz="1200" b="1">
-                          <a:solidFill>
-                            <a:srgbClr val="000000"/>
-                          </a:solidFill>
-                          <a:latin typeface="Times New Roman"/>
-                          <a:ea typeface="Times New Roman"/>
-                          <a:cs typeface="Times New Roman"/>
-                        </a:rPr>
-                        <a:t>Forward</a:t>
-                      </a:r>
-                      <a:r>
-                        <a:rPr sz="1200">
-                          <a:solidFill>
-                            <a:srgbClr val="000000"/>
-                          </a:solidFill>
-                          <a:latin typeface="Times New Roman"/>
-                          <a:ea typeface="Times New Roman"/>
-                          <a:cs typeface="Times New Roman"/>
-                        </a:rPr>
-                        <a:t> →</a:t>
-                      </a:r>
-                      <a:endParaRPr/>
-                    </a:p>
-                  </a:txBody>
-                  <a:tcPr vert="horz"/>
-                </a:tc>
-                <a:tc>
-                  <a:txBody>
-                    <a:bodyPr/>
-                    <a:p>
-                      <a:pPr algn="l">
-                        <a:lnSpc>
-                          <a:spcPct val="100000"/>
-                        </a:lnSpc>
-                        <a:spcBef>
-                          <a:spcPts val="0"/>
-                        </a:spcBef>
-                        <a:spcAft>
-                          <a:spcPts val="0"/>
-                        </a:spcAft>
-                        <a:defRPr/>
-                      </a:pPr>
-                      <a:r>
-                        <a:rPr sz="1200">
-                          <a:solidFill>
-                            <a:srgbClr val="000000"/>
-                          </a:solidFill>
-                          <a:latin typeface="Times New Roman"/>
-                          <a:ea typeface="Times New Roman"/>
-                          <a:cs typeface="Times New Roman"/>
-                        </a:rPr>
-                        <a:t>HIGH</a:t>
-                      </a:r>
-                      <a:endParaRPr/>
-                    </a:p>
-                  </a:txBody>
-                  <a:tcPr vert="horz"/>
-                </a:tc>
-                <a:tc>
-                  <a:txBody>
-                    <a:bodyPr/>
-                    <a:p>
-                      <a:pPr algn="l">
-                        <a:lnSpc>
-                          <a:spcPct val="100000"/>
-                        </a:lnSpc>
-                        <a:spcBef>
-                          <a:spcPts val="0"/>
-                        </a:spcBef>
-                        <a:spcAft>
-                          <a:spcPts val="0"/>
-                        </a:spcAft>
-                        <a:defRPr/>
-                      </a:pPr>
-                      <a:r>
-                        <a:rPr sz="1200">
-                          <a:solidFill>
-                            <a:srgbClr val="000000"/>
-                          </a:solidFill>
-                          <a:latin typeface="Times New Roman"/>
-                          <a:ea typeface="Times New Roman"/>
-                          <a:cs typeface="Times New Roman"/>
-                        </a:rPr>
-                        <a:t>LOW</a:t>
-                      </a:r>
-                      <a:endParaRPr/>
-                    </a:p>
-                  </a:txBody>
-                  <a:tcPr vert="horz"/>
-                </a:tc>
-                <a:tc>
-                  <a:txBody>
-                    <a:bodyPr/>
-                    <a:p>
-                      <a:pPr algn="l">
-                        <a:lnSpc>
-                          <a:spcPct val="100000"/>
-                        </a:lnSpc>
-                        <a:spcBef>
-                          <a:spcPts val="0"/>
-                        </a:spcBef>
-                        <a:spcAft>
-                          <a:spcPts val="0"/>
-                        </a:spcAft>
-                        <a:defRPr/>
-                      </a:pPr>
-                      <a:r>
-                        <a:rPr sz="1200" b="1">
-                          <a:solidFill>
-                            <a:srgbClr val="000000"/>
-                          </a:solidFill>
-                          <a:latin typeface="Times New Roman"/>
-                          <a:ea typeface="Times New Roman"/>
-                          <a:cs typeface="Times New Roman"/>
-                        </a:rPr>
-                        <a:t>Forward</a:t>
-                      </a:r>
-                      <a:r>
-                        <a:rPr sz="1200">
-                          <a:solidFill>
-                            <a:srgbClr val="000000"/>
-                          </a:solidFill>
-                          <a:latin typeface="Times New Roman"/>
-                          <a:ea typeface="Times New Roman"/>
-                          <a:cs typeface="Times New Roman"/>
-                        </a:rPr>
-                        <a:t> →</a:t>
-                      </a:r>
-                      <a:endParaRPr/>
-                    </a:p>
-                  </a:txBody>
-                  <a:tcPr vert="horz" anchor="ctr"/>
-                </a:tc>
-              </a:tr>
-              <a:tr h="274320">
-                <a:tc>
-                  <a:txBody>
-                    <a:bodyPr/>
-                    <a:p>
-                      <a:pPr algn="l">
-                        <a:lnSpc>
-                          <a:spcPct val="100000"/>
-                        </a:lnSpc>
-                        <a:spcBef>
-                          <a:spcPts val="0"/>
-                        </a:spcBef>
-                        <a:spcAft>
-                          <a:spcPts val="0"/>
-                        </a:spcAft>
-                        <a:defRPr/>
-                      </a:pPr>
-                      <a:r>
-                        <a:rPr sz="1200">
-                          <a:solidFill>
-                            <a:srgbClr val="000000"/>
-                          </a:solidFill>
-                          <a:latin typeface="Times New Roman"/>
-                          <a:ea typeface="Times New Roman"/>
-                          <a:cs typeface="Times New Roman"/>
-                        </a:rPr>
-                        <a:t>LOW</a:t>
-                      </a:r>
-                      <a:endParaRPr/>
-                    </a:p>
-                  </a:txBody>
-                  <a:tcPr vert="horz"/>
-                </a:tc>
-                <a:tc>
-                  <a:txBody>
-                    <a:bodyPr/>
-                    <a:p>
-                      <a:pPr algn="l">
-                        <a:lnSpc>
-                          <a:spcPct val="100000"/>
-                        </a:lnSpc>
-                        <a:spcBef>
-                          <a:spcPts val="0"/>
-                        </a:spcBef>
-                        <a:spcAft>
-                          <a:spcPts val="0"/>
-                        </a:spcAft>
-                        <a:defRPr/>
-                      </a:pPr>
-                      <a:r>
-                        <a:rPr sz="1200">
-                          <a:solidFill>
-                            <a:srgbClr val="000000"/>
-                          </a:solidFill>
-                          <a:latin typeface="Times New Roman"/>
-                          <a:ea typeface="Times New Roman"/>
-                          <a:cs typeface="Times New Roman"/>
-                        </a:rPr>
-                        <a:t>HIGH</a:t>
-                      </a:r>
-                      <a:endParaRPr/>
-                    </a:p>
-                  </a:txBody>
-                  <a:tcPr vert="horz"/>
-                </a:tc>
-                <a:tc>
-                  <a:txBody>
-                    <a:bodyPr/>
-                    <a:p>
-                      <a:pPr algn="l">
-                        <a:lnSpc>
-                          <a:spcPct val="100000"/>
-                        </a:lnSpc>
-                        <a:spcBef>
-                          <a:spcPts val="0"/>
-                        </a:spcBef>
-                        <a:spcAft>
-                          <a:spcPts val="0"/>
-                        </a:spcAft>
-                        <a:defRPr/>
-                      </a:pPr>
-                      <a:r>
-                        <a:rPr sz="1200" b="1">
-                          <a:solidFill>
-                            <a:srgbClr val="000000"/>
-                          </a:solidFill>
-                          <a:latin typeface="Times New Roman"/>
-                          <a:ea typeface="Times New Roman"/>
-                          <a:cs typeface="Times New Roman"/>
-                        </a:rPr>
-                        <a:t>Backward</a:t>
-                      </a:r>
-                      <a:r>
-                        <a:rPr sz="1200">
-                          <a:solidFill>
-                            <a:srgbClr val="000000"/>
-                          </a:solidFill>
-                          <a:latin typeface="Times New Roman"/>
-                          <a:ea typeface="Times New Roman"/>
-                          <a:cs typeface="Times New Roman"/>
-                        </a:rPr>
-                        <a:t> ←</a:t>
-                      </a:r>
-                      <a:endParaRPr/>
-                    </a:p>
-                  </a:txBody>
-                  <a:tcPr vert="horz"/>
-                </a:tc>
-                <a:tc>
-                  <a:txBody>
-                    <a:bodyPr/>
-                    <a:p>
-                      <a:pPr algn="l">
-                        <a:lnSpc>
-                          <a:spcPct val="100000"/>
-                        </a:lnSpc>
-                        <a:spcBef>
-                          <a:spcPts val="0"/>
-                        </a:spcBef>
-                        <a:spcAft>
-                          <a:spcPts val="0"/>
-                        </a:spcAft>
-                        <a:defRPr/>
-                      </a:pPr>
-                      <a:r>
-                        <a:rPr sz="1200">
-                          <a:solidFill>
-                            <a:srgbClr val="000000"/>
-                          </a:solidFill>
-                          <a:latin typeface="Times New Roman"/>
-                          <a:ea typeface="Times New Roman"/>
-                          <a:cs typeface="Times New Roman"/>
-                        </a:rPr>
-                        <a:t>LOW</a:t>
-                      </a:r>
-                      <a:endParaRPr/>
-                    </a:p>
-                  </a:txBody>
-                  <a:tcPr vert="horz"/>
-                </a:tc>
-                <a:tc>
-                  <a:txBody>
-                    <a:bodyPr/>
-                    <a:p>
-                      <a:pPr algn="l">
-                        <a:lnSpc>
-                          <a:spcPct val="100000"/>
-                        </a:lnSpc>
-                        <a:spcBef>
-                          <a:spcPts val="0"/>
-                        </a:spcBef>
-                        <a:spcAft>
-                          <a:spcPts val="0"/>
-                        </a:spcAft>
-                        <a:defRPr/>
-                      </a:pPr>
-                      <a:r>
-                        <a:rPr sz="1200">
-                          <a:solidFill>
-                            <a:srgbClr val="000000"/>
-                          </a:solidFill>
-                          <a:latin typeface="Times New Roman"/>
-                          <a:ea typeface="Times New Roman"/>
-                          <a:cs typeface="Times New Roman"/>
-                        </a:rPr>
-                        <a:t>HIGH</a:t>
-                      </a:r>
-                      <a:endParaRPr/>
-                    </a:p>
-                  </a:txBody>
-                  <a:tcPr vert="horz"/>
-                </a:tc>
-                <a:tc>
-                  <a:txBody>
-                    <a:bodyPr/>
-                    <a:p>
-                      <a:pPr algn="l">
-                        <a:lnSpc>
-                          <a:spcPct val="100000"/>
-                        </a:lnSpc>
-                        <a:spcBef>
-                          <a:spcPts val="0"/>
-                        </a:spcBef>
-                        <a:spcAft>
-                          <a:spcPts val="0"/>
-                        </a:spcAft>
-                        <a:defRPr/>
-                      </a:pPr>
-                      <a:r>
-                        <a:rPr sz="1200" b="1">
-                          <a:solidFill>
-                            <a:srgbClr val="000000"/>
-                          </a:solidFill>
-                          <a:latin typeface="Times New Roman"/>
-                          <a:ea typeface="Times New Roman"/>
-                          <a:cs typeface="Times New Roman"/>
-                        </a:rPr>
-                        <a:t>Backward</a:t>
-                      </a:r>
-                      <a:r>
-                        <a:rPr sz="1200">
-                          <a:solidFill>
-                            <a:srgbClr val="000000"/>
-                          </a:solidFill>
-                          <a:latin typeface="Times New Roman"/>
-                          <a:ea typeface="Times New Roman"/>
-                          <a:cs typeface="Times New Roman"/>
-                        </a:rPr>
-                        <a:t> ←</a:t>
-                      </a:r>
-                      <a:endParaRPr/>
-                    </a:p>
-                  </a:txBody>
-                  <a:tcPr vert="horz" anchor="ctr"/>
-                </a:tc>
-              </a:tr>
-              <a:tr h="281076">
-                <a:tc>
-                  <a:txBody>
-                    <a:bodyPr/>
-                    <a:p>
-                      <a:pPr algn="l">
-                        <a:lnSpc>
-                          <a:spcPct val="100000"/>
-                        </a:lnSpc>
-                        <a:spcBef>
-                          <a:spcPts val="0"/>
-                        </a:spcBef>
-                        <a:spcAft>
-                          <a:spcPts val="0"/>
-                        </a:spcAft>
-                        <a:defRPr/>
-                      </a:pPr>
-                      <a:r>
-                        <a:rPr sz="1200">
-                          <a:solidFill>
-                            <a:srgbClr val="000000"/>
-                          </a:solidFill>
-                          <a:latin typeface="Times New Roman"/>
-                          <a:ea typeface="Times New Roman"/>
-                          <a:cs typeface="Times New Roman"/>
-                        </a:rPr>
-                        <a:t>LOW</a:t>
-                      </a:r>
-                      <a:endParaRPr/>
-                    </a:p>
-                  </a:txBody>
-                  <a:tcPr vert="horz"/>
-                </a:tc>
-                <a:tc>
-                  <a:txBody>
-                    <a:bodyPr/>
-                    <a:p>
-                      <a:pPr algn="l">
-                        <a:lnSpc>
-                          <a:spcPct val="100000"/>
-                        </a:lnSpc>
-                        <a:spcBef>
-                          <a:spcPts val="0"/>
-                        </a:spcBef>
-                        <a:spcAft>
-                          <a:spcPts val="0"/>
-                        </a:spcAft>
-                        <a:defRPr/>
-                      </a:pPr>
-                      <a:r>
-                        <a:rPr sz="1200">
-                          <a:solidFill>
-                            <a:srgbClr val="000000"/>
-                          </a:solidFill>
-                          <a:latin typeface="Times New Roman"/>
-                          <a:ea typeface="Times New Roman"/>
-                          <a:cs typeface="Times New Roman"/>
-                        </a:rPr>
-                        <a:t>LOW</a:t>
-                      </a:r>
-                      <a:endParaRPr/>
-                    </a:p>
-                  </a:txBody>
-                  <a:tcPr vert="horz"/>
-                </a:tc>
-                <a:tc>
-                  <a:txBody>
-                    <a:bodyPr/>
-                    <a:p>
-                      <a:pPr algn="l">
-                        <a:lnSpc>
-                          <a:spcPct val="100000"/>
-                        </a:lnSpc>
-                        <a:spcBef>
-                          <a:spcPts val="0"/>
-                        </a:spcBef>
-                        <a:spcAft>
-                          <a:spcPts val="0"/>
-                        </a:spcAft>
-                        <a:defRPr/>
-                      </a:pPr>
-                      <a:r>
-                        <a:rPr sz="1200" b="1">
-                          <a:solidFill>
-                            <a:srgbClr val="000000"/>
-                          </a:solidFill>
-                          <a:latin typeface="Times New Roman"/>
-                          <a:ea typeface="Times New Roman"/>
-                          <a:cs typeface="Times New Roman"/>
-                        </a:rPr>
-                        <a:t>Stop</a:t>
-                      </a:r>
-                      <a:r>
-                        <a:rPr sz="1200">
-                          <a:solidFill>
-                            <a:srgbClr val="000000"/>
-                          </a:solidFill>
-                          <a:latin typeface="Times New Roman"/>
-                          <a:ea typeface="Times New Roman"/>
-                          <a:cs typeface="Times New Roman"/>
-                        </a:rPr>
-                        <a:t> ⛔</a:t>
-                      </a:r>
-                      <a:endParaRPr/>
-                    </a:p>
-                  </a:txBody>
-                  <a:tcPr vert="horz"/>
-                </a:tc>
-                <a:tc>
-                  <a:txBody>
-                    <a:bodyPr/>
-                    <a:p>
-                      <a:pPr algn="l">
-                        <a:lnSpc>
-                          <a:spcPct val="100000"/>
-                        </a:lnSpc>
-                        <a:spcBef>
-                          <a:spcPts val="0"/>
-                        </a:spcBef>
-                        <a:spcAft>
-                          <a:spcPts val="0"/>
-                        </a:spcAft>
-                        <a:defRPr/>
-                      </a:pPr>
-                      <a:r>
-                        <a:rPr sz="1200">
-                          <a:solidFill>
-                            <a:srgbClr val="000000"/>
-                          </a:solidFill>
-                          <a:latin typeface="Times New Roman"/>
-                          <a:ea typeface="Times New Roman"/>
-                          <a:cs typeface="Times New Roman"/>
-                        </a:rPr>
-                        <a:t>LOW</a:t>
-                      </a:r>
-                      <a:endParaRPr/>
-                    </a:p>
-                  </a:txBody>
-                  <a:tcPr vert="horz"/>
-                </a:tc>
-                <a:tc>
-                  <a:txBody>
-                    <a:bodyPr/>
-                    <a:p>
-                      <a:pPr algn="l">
-                        <a:lnSpc>
-                          <a:spcPct val="100000"/>
-                        </a:lnSpc>
-                        <a:spcBef>
-                          <a:spcPts val="0"/>
-                        </a:spcBef>
-                        <a:spcAft>
-                          <a:spcPts val="0"/>
-                        </a:spcAft>
-                        <a:defRPr/>
-                      </a:pPr>
-                      <a:r>
-                        <a:rPr sz="1200">
-                          <a:solidFill>
-                            <a:srgbClr val="000000"/>
-                          </a:solidFill>
-                          <a:latin typeface="Times New Roman"/>
-                          <a:ea typeface="Times New Roman"/>
-                          <a:cs typeface="Times New Roman"/>
-                        </a:rPr>
-                        <a:t>LOW</a:t>
-                      </a:r>
-                      <a:endParaRPr/>
-                    </a:p>
-                  </a:txBody>
-                  <a:tcPr vert="horz"/>
-                </a:tc>
-                <a:tc>
-                  <a:txBody>
-                    <a:bodyPr/>
-                    <a:p>
-                      <a:pPr algn="l">
-                        <a:lnSpc>
-                          <a:spcPct val="100000"/>
-                        </a:lnSpc>
-                        <a:spcBef>
-                          <a:spcPts val="0"/>
-                        </a:spcBef>
-                        <a:spcAft>
-                          <a:spcPts val="0"/>
-                        </a:spcAft>
-                        <a:defRPr/>
-                      </a:pPr>
-                      <a:r>
-                        <a:rPr sz="1200" b="1">
-                          <a:solidFill>
-                            <a:srgbClr val="000000"/>
-                          </a:solidFill>
-                          <a:latin typeface="Times New Roman"/>
-                          <a:ea typeface="Times New Roman"/>
-                          <a:cs typeface="Times New Roman"/>
-                        </a:rPr>
-                        <a:t>Stop</a:t>
-                      </a:r>
-                      <a:r>
-                        <a:rPr sz="1200">
-                          <a:solidFill>
-                            <a:srgbClr val="000000"/>
-                          </a:solidFill>
-                          <a:latin typeface="Times New Roman"/>
-                          <a:ea typeface="Times New Roman"/>
-                          <a:cs typeface="Times New Roman"/>
-                        </a:rPr>
-                        <a:t> ⛔</a:t>
-                      </a:r>
-                      <a:endParaRPr/>
-                    </a:p>
-                  </a:txBody>
-                  <a:tcPr vert="horz" anchor="ctr"/>
-                </a:tc>
-              </a:tr>
-              <a:tr h="281076">
-                <a:tc>
-                  <a:txBody>
-                    <a:bodyPr/>
-                    <a:p>
-                      <a:pPr algn="l">
-                        <a:lnSpc>
-                          <a:spcPct val="100000"/>
-                        </a:lnSpc>
-                        <a:spcBef>
-                          <a:spcPts val="0"/>
-                        </a:spcBef>
-                        <a:spcAft>
-                          <a:spcPts val="0"/>
-                        </a:spcAft>
-                        <a:defRPr/>
-                      </a:pPr>
-                      <a:r>
-                        <a:rPr sz="1200">
-                          <a:solidFill>
-                            <a:srgbClr val="000000"/>
-                          </a:solidFill>
-                          <a:latin typeface="Times New Roman"/>
-                          <a:ea typeface="Times New Roman"/>
-                          <a:cs typeface="Times New Roman"/>
-                        </a:rPr>
-                        <a:t>HIGH</a:t>
-                      </a:r>
-                      <a:endParaRPr/>
-                    </a:p>
-                  </a:txBody>
-                  <a:tcPr vert="horz"/>
-                </a:tc>
-                <a:tc>
-                  <a:txBody>
-                    <a:bodyPr/>
-                    <a:p>
-                      <a:pPr algn="l">
-                        <a:lnSpc>
-                          <a:spcPct val="100000"/>
-                        </a:lnSpc>
-                        <a:spcBef>
-                          <a:spcPts val="0"/>
-                        </a:spcBef>
-                        <a:spcAft>
-                          <a:spcPts val="0"/>
-                        </a:spcAft>
-                        <a:defRPr/>
-                      </a:pPr>
-                      <a:r>
-                        <a:rPr sz="1200">
-                          <a:solidFill>
-                            <a:srgbClr val="000000"/>
-                          </a:solidFill>
-                          <a:latin typeface="Times New Roman"/>
-                          <a:ea typeface="Times New Roman"/>
-                          <a:cs typeface="Times New Roman"/>
-                        </a:rPr>
-                        <a:t>HIGH</a:t>
-                      </a:r>
-                      <a:endParaRPr/>
-                    </a:p>
-                  </a:txBody>
-                  <a:tcPr vert="horz"/>
-                </a:tc>
-                <a:tc>
-                  <a:txBody>
-                    <a:bodyPr/>
-                    <a:p>
-                      <a:pPr algn="l">
-                        <a:lnSpc>
-                          <a:spcPct val="100000"/>
-                        </a:lnSpc>
-                        <a:spcBef>
-                          <a:spcPts val="0"/>
-                        </a:spcBef>
-                        <a:spcAft>
-                          <a:spcPts val="0"/>
-                        </a:spcAft>
-                        <a:defRPr/>
-                      </a:pPr>
-                      <a:r>
-                        <a:rPr sz="1200" b="1">
-                          <a:solidFill>
-                            <a:srgbClr val="000000"/>
-                          </a:solidFill>
-                          <a:latin typeface="Times New Roman"/>
-                          <a:ea typeface="Times New Roman"/>
-                          <a:cs typeface="Times New Roman"/>
-                        </a:rPr>
-                        <a:t>Brake</a:t>
-                      </a:r>
-                      <a:r>
-                        <a:rPr sz="1200">
-                          <a:solidFill>
-                            <a:srgbClr val="000000"/>
-                          </a:solidFill>
-                          <a:latin typeface="Times New Roman"/>
-                          <a:ea typeface="Times New Roman"/>
-                          <a:cs typeface="Times New Roman"/>
-                        </a:rPr>
-                        <a:t> ⚠️</a:t>
-                      </a:r>
-                      <a:endParaRPr/>
-                    </a:p>
-                  </a:txBody>
-                  <a:tcPr vert="horz"/>
-                </a:tc>
-                <a:tc>
-                  <a:txBody>
-                    <a:bodyPr/>
-                    <a:p>
-                      <a:pPr algn="l">
-                        <a:lnSpc>
-                          <a:spcPct val="100000"/>
-                        </a:lnSpc>
-                        <a:spcBef>
-                          <a:spcPts val="0"/>
-                        </a:spcBef>
-                        <a:spcAft>
-                          <a:spcPts val="0"/>
-                        </a:spcAft>
-                        <a:defRPr/>
-                      </a:pPr>
-                      <a:r>
-                        <a:rPr sz="1200">
-                          <a:solidFill>
-                            <a:srgbClr val="000000"/>
-                          </a:solidFill>
-                          <a:latin typeface="Times New Roman"/>
-                          <a:ea typeface="Times New Roman"/>
-                          <a:cs typeface="Times New Roman"/>
-                        </a:rPr>
-                        <a:t>HIGH</a:t>
-                      </a:r>
-                      <a:endParaRPr/>
-                    </a:p>
-                  </a:txBody>
-                  <a:tcPr vert="horz"/>
-                </a:tc>
-                <a:tc>
-                  <a:txBody>
-                    <a:bodyPr/>
-                    <a:p>
-                      <a:pPr algn="l">
-                        <a:lnSpc>
-                          <a:spcPct val="100000"/>
-                        </a:lnSpc>
-                        <a:spcBef>
-                          <a:spcPts val="0"/>
-                        </a:spcBef>
-                        <a:spcAft>
-                          <a:spcPts val="0"/>
-                        </a:spcAft>
-                        <a:defRPr/>
-                      </a:pPr>
-                      <a:r>
-                        <a:rPr sz="1200">
-                          <a:solidFill>
-                            <a:srgbClr val="000000"/>
-                          </a:solidFill>
-                          <a:latin typeface="Times New Roman"/>
-                          <a:ea typeface="Times New Roman"/>
-                          <a:cs typeface="Times New Roman"/>
-                        </a:rPr>
-                        <a:t>HIGH</a:t>
-                      </a:r>
-                      <a:endParaRPr/>
-                    </a:p>
-                  </a:txBody>
-                  <a:tcPr vert="horz"/>
-                </a:tc>
-                <a:tc>
-                  <a:txBody>
-                    <a:bodyPr/>
-                    <a:p>
-                      <a:pPr algn="l">
-                        <a:lnSpc>
-                          <a:spcPct val="100000"/>
-                        </a:lnSpc>
-                        <a:spcBef>
-                          <a:spcPts val="0"/>
-                        </a:spcBef>
-                        <a:spcAft>
-                          <a:spcPts val="0"/>
-                        </a:spcAft>
-                        <a:defRPr/>
-                      </a:pPr>
-                      <a:r>
-                        <a:rPr sz="1200" b="1">
-                          <a:solidFill>
-                            <a:srgbClr val="000000"/>
-                          </a:solidFill>
-                          <a:latin typeface="Times New Roman"/>
-                          <a:ea typeface="Times New Roman"/>
-                          <a:cs typeface="Times New Roman"/>
-                        </a:rPr>
-                        <a:t>Brake</a:t>
-                      </a:r>
-                      <a:r>
-                        <a:rPr sz="1200">
-                          <a:solidFill>
-                            <a:srgbClr val="000000"/>
-                          </a:solidFill>
-                          <a:latin typeface="Times New Roman"/>
-                          <a:ea typeface="Times New Roman"/>
-                          <a:cs typeface="Times New Roman"/>
-                        </a:rPr>
-                        <a:t> ⚠️</a:t>
-                      </a:r>
-                      <a:endParaRPr/>
-                    </a:p>
-                  </a:txBody>
-                  <a:tcPr vert="horz" anchor="ctr"/>
-                </a:tc>
-              </a:tr>
-            </a:tbl>
-          </a:graphicData>
-        </a:graphic>
-      </p:graphicFrame>
       <p:sp>
         <p:nvSpPr>
-          <p:cNvPr id="437573734" name=""/>
-          <p:cNvSpPr/>
+          <p:cNvPr id="456782730" name=""/>
+          <p:cNvSpPr txBox="1"/>
           <p:nvPr/>
         </p:nvSpPr>
         <p:spPr bwMode="auto">
           <a:xfrm flipH="0" flipV="0">
-            <a:off x="741050" y="4441391"/>
-            <a:ext cx="7291146" cy="518519"/>
+            <a:off x="6004378" y="3246120"/>
+            <a:ext cx="183240" cy="365756"/>
           </a:xfrm>
+          <a:prstGeom prst="rect">
+            <a:avLst/>
+          </a:prstGeom>
+          <a:noFill/>
         </p:spPr>
         <p:txBody>
-          <a:bodyPr rot="0" spcFirstLastPara="0" vertOverflow="overflow" horzOverflow="overflow" vert="horz" wrap="square" lIns="91440" tIns="45720" rIns="91440" bIns="45720" numCol="1" spcCol="0" rtlCol="0" fromWordArt="0" anchor="t" anchorCtr="0" forceAA="0" upright="0" compatLnSpc="1">
-            <a:prstTxWarp prst="textNoShape"/>
+          <a:bodyPr vertOverflow="overflow" horzOverflow="overflow" vert="horz" wrap="square" lIns="91440" tIns="45720" rIns="91440" bIns="45720" numCol="1" spcCol="0" rtlCol="0" fromWordArt="0" anchor="t" anchorCtr="0" forceAA="0" upright="0" compatLnSpc="0">
             <a:spAutoFit/>
           </a:bodyPr>
           <a:p>
-            <a:pPr>
-              <a:defRPr/>
-            </a:pPr>
-            <a:r>
-              <a:rPr sz="2800" b="0" i="0" u="none">
-                <a:solidFill>
-                  <a:schemeClr val="bg1">
-                    <a:lumMod val="95000"/>
-                  </a:schemeClr>
-                </a:solidFill>
-                <a:latin typeface="Times New Roman"/>
-                <a:ea typeface="Times New Roman"/>
-                <a:cs typeface="Times New Roman"/>
-              </a:rPr>
-              <a:t>• </a:t>
-            </a:r>
-            <a:r>
-              <a:rPr sz="2800" b="0" i="0" u="none">
-                <a:solidFill>
-                  <a:schemeClr val="accent5"/>
-                </a:solidFill>
-                <a:latin typeface="Times New Roman"/>
-                <a:ea typeface="Times New Roman"/>
-                <a:cs typeface="Times New Roman"/>
-              </a:rPr>
-              <a:t>H-Bridge Motor Control Principl</a:t>
-            </a:r>
-            <a:r>
-              <a:rPr sz="2800" b="0" i="0" u="none">
-                <a:solidFill>
-                  <a:schemeClr val="accent5"/>
-                </a:solidFill>
-                <a:latin typeface="Times New Roman"/>
-                <a:ea typeface="Times New Roman"/>
-                <a:cs typeface="Times New Roman"/>
-              </a:rPr>
-              <a:t>e:</a:t>
-            </a:r>
+            <a:pPr algn="l">
+              <a:defRPr/>
+            </a:pPr>
             <a:endParaRPr/>
           </a:p>
         </p:txBody>
@@ -9289,7 +9357,7 @@
       </p:grpSpPr>
       <p:sp>
         <p:nvSpPr>
-          <p:cNvPr id="1112923203" name="Title 1"/>
+          <p:cNvPr id="55738704" name="Title 1"/>
           <p:cNvSpPr>
             <a:spLocks noGrp="1"/>
           </p:cNvSpPr>
@@ -9327,7 +9395,7 @@
       </p:sp>
       <p:sp>
         <p:nvSpPr>
-          <p:cNvPr id="1150924773" name="Content Placeholder 2"/>
+          <p:cNvPr id="1030964831" name="Content Placeholder 2"/>
           <p:cNvSpPr>
             <a:spLocks noGrp="1"/>
           </p:cNvSpPr>
@@ -9395,7 +9463,7 @@
       </p:sp>
       <p:pic>
         <p:nvPicPr>
-          <p:cNvPr id="715520545" name="Picture 3"/>
+          <p:cNvPr id="95396398" name="Picture 3"/>
           <p:cNvPicPr>
             <a:picLocks noChangeAspect="1"/>
           </p:cNvPicPr>
@@ -9417,7 +9485,7 @@
       </p:pic>
       <p:pic>
         <p:nvPicPr>
-          <p:cNvPr id="1013612873" name=""/>
+          <p:cNvPr id="370529213" name=""/>
           <p:cNvPicPr>
             <a:picLocks noChangeAspect="1"/>
           </p:cNvPicPr>
@@ -9479,7 +9547,7 @@
       </p:grpSpPr>
       <p:sp>
         <p:nvSpPr>
-          <p:cNvPr id="815611999" name="Title 1"/>
+          <p:cNvPr id="2035089115" name="Title 1"/>
           <p:cNvSpPr>
             <a:spLocks noGrp="1"/>
           </p:cNvSpPr>
@@ -9517,7 +9585,7 @@
       </p:sp>
       <p:sp>
         <p:nvSpPr>
-          <p:cNvPr id="1943435143" name="Content Placeholder 2"/>
+          <p:cNvPr id="224460983" name="Content Placeholder 2"/>
           <p:cNvSpPr>
             <a:spLocks noGrp="1"/>
           </p:cNvSpPr>
@@ -9671,7 +9739,7 @@
       </p:sp>
       <p:pic>
         <p:nvPicPr>
-          <p:cNvPr id="1616033782" name="Picture 3"/>
+          <p:cNvPr id="1218592473" name="Picture 3"/>
           <p:cNvPicPr>
             <a:picLocks noChangeAspect="1"/>
           </p:cNvPicPr>
@@ -9693,7 +9761,7 @@
       </p:pic>
       <p:pic>
         <p:nvPicPr>
-          <p:cNvPr id="2071213007" name=""/>
+          <p:cNvPr id="1705517282" name=""/>
           <p:cNvPicPr>
             <a:picLocks noChangeAspect="1"/>
           </p:cNvPicPr>
@@ -9715,7 +9783,7 @@
       </p:pic>
       <p:pic>
         <p:nvPicPr>
-          <p:cNvPr id="2070226757" name=""/>
+          <p:cNvPr id="2008292647" name=""/>
           <p:cNvPicPr>
             <a:picLocks noChangeAspect="1"/>
           </p:cNvPicPr>
@@ -9777,7 +9845,7 @@
       </p:grpSpPr>
       <p:sp>
         <p:nvSpPr>
-          <p:cNvPr id="679264240" name="Title 1"/>
+          <p:cNvPr id="915981715" name="Title 1"/>
           <p:cNvSpPr>
             <a:spLocks noGrp="1"/>
           </p:cNvSpPr>
@@ -9815,7 +9883,7 @@
       </p:sp>
       <p:sp>
         <p:nvSpPr>
-          <p:cNvPr id="848926626" name="Content Placeholder 2"/>
+          <p:cNvPr id="101410427" name="Content Placeholder 2"/>
           <p:cNvSpPr>
             <a:spLocks noGrp="1"/>
           </p:cNvSpPr>
@@ -10119,7 +10187,7 @@
       </p:sp>
       <p:pic>
         <p:nvPicPr>
-          <p:cNvPr id="1771845148" name="Picture 3"/>
+          <p:cNvPr id="1348779238" name="Picture 3"/>
           <p:cNvPicPr>
             <a:picLocks noChangeAspect="1"/>
           </p:cNvPicPr>
@@ -10181,7 +10249,7 @@
       </p:grpSpPr>
       <p:sp>
         <p:nvSpPr>
-          <p:cNvPr id="1453038270" name="Title 1"/>
+          <p:cNvPr id="292347255" name="Title 1"/>
           <p:cNvSpPr>
             <a:spLocks noGrp="1"/>
           </p:cNvSpPr>
@@ -10219,7 +10287,7 @@
       </p:sp>
       <p:sp>
         <p:nvSpPr>
-          <p:cNvPr id="439748682" name="Content Placeholder 2"/>
+          <p:cNvPr id="1774088112" name="Content Placeholder 2"/>
           <p:cNvSpPr>
             <a:spLocks noGrp="1"/>
           </p:cNvSpPr>
@@ -10644,7 +10712,7 @@
       </p:sp>
       <p:pic>
         <p:nvPicPr>
-          <p:cNvPr id="390972440" name="Picture 3"/>
+          <p:cNvPr id="678555699" name="Picture 3"/>
           <p:cNvPicPr>
             <a:picLocks noChangeAspect="1"/>
           </p:cNvPicPr>
@@ -10706,7 +10774,7 @@
       </p:grpSpPr>
       <p:sp>
         <p:nvSpPr>
-          <p:cNvPr id="2085480411" name="Title 1"/>
+          <p:cNvPr id="355438635" name="Title 1"/>
           <p:cNvSpPr>
             <a:spLocks noGrp="1"/>
           </p:cNvSpPr>
@@ -10741,7 +10809,7 @@
       </p:sp>
       <p:sp>
         <p:nvSpPr>
-          <p:cNvPr id="428920155" name="Content Placeholder 2"/>
+          <p:cNvPr id="1254168673" name="Content Placeholder 2"/>
           <p:cNvSpPr>
             <a:spLocks noGrp="1"/>
           </p:cNvSpPr>
@@ -10823,7 +10891,7 @@
       </p:sp>
       <p:pic>
         <p:nvPicPr>
-          <p:cNvPr id="861455507" name="Picture 3"/>
+          <p:cNvPr id="893273811" name="Picture 3"/>
           <p:cNvPicPr>
             <a:picLocks noChangeAspect="1"/>
           </p:cNvPicPr>
@@ -11736,7 +11804,7 @@
       </p:grpSpPr>
       <p:sp>
         <p:nvSpPr>
-          <p:cNvPr id="370991588" name="Title 1"/>
+          <p:cNvPr id="273340508" name="Title 1"/>
           <p:cNvSpPr>
             <a:spLocks noGrp="1"/>
           </p:cNvSpPr>
@@ -11774,7 +11842,7 @@
       </p:sp>
       <p:sp>
         <p:nvSpPr>
-          <p:cNvPr id="526660105" name="Content Placeholder 2"/>
+          <p:cNvPr id="1643696144" name="Content Placeholder 2"/>
           <p:cNvSpPr>
             <a:spLocks noGrp="1"/>
           </p:cNvSpPr>
@@ -11821,7 +11889,7 @@
       </p:sp>
       <p:pic>
         <p:nvPicPr>
-          <p:cNvPr id="1391977944" name="Picture 3"/>
+          <p:cNvPr id="1940854460" name="Picture 3"/>
           <p:cNvPicPr>
             <a:picLocks noChangeAspect="1"/>
           </p:cNvPicPr>
@@ -11843,7 +11911,7 @@
       </p:pic>
       <p:pic>
         <p:nvPicPr>
-          <p:cNvPr id="523261727" name=""/>
+          <p:cNvPr id="1107511411" name=""/>
           <p:cNvPicPr>
             <a:picLocks noChangeAspect="1"/>
           </p:cNvPicPr>
@@ -11865,7 +11933,7 @@
       </p:pic>
       <p:sp>
         <p:nvSpPr>
-          <p:cNvPr id="1910738180" name=""/>
+          <p:cNvPr id="1746790839" name=""/>
           <p:cNvSpPr/>
           <p:nvPr/>
         </p:nvSpPr>
@@ -11900,7 +11968,7 @@
       </p:sp>
       <p:pic>
         <p:nvPicPr>
-          <p:cNvPr id="568269812" name=""/>
+          <p:cNvPr id="463969394" name=""/>
           <p:cNvPicPr>
             <a:picLocks noChangeAspect="1"/>
           </p:cNvPicPr>
@@ -11962,7 +12030,7 @@
       </p:grpSpPr>
       <p:sp>
         <p:nvSpPr>
-          <p:cNvPr id="207363983" name="Title 1"/>
+          <p:cNvPr id="2115235419" name="Title 1"/>
           <p:cNvSpPr>
             <a:spLocks noGrp="1"/>
           </p:cNvSpPr>
@@ -12000,7 +12068,7 @@
       </p:sp>
       <p:sp>
         <p:nvSpPr>
-          <p:cNvPr id="1713913926" name="Content Placeholder 2"/>
+          <p:cNvPr id="2116842497" name="Content Placeholder 2"/>
           <p:cNvSpPr>
             <a:spLocks noGrp="1"/>
           </p:cNvSpPr>
@@ -12058,7 +12126,7 @@
       </p:sp>
       <p:pic>
         <p:nvPicPr>
-          <p:cNvPr id="540853957" name="Picture 3"/>
+          <p:cNvPr id="1558859027" name="Picture 3"/>
           <p:cNvPicPr>
             <a:picLocks noChangeAspect="1"/>
           </p:cNvPicPr>
@@ -12080,7 +12148,7 @@
       </p:pic>
       <p:pic>
         <p:nvPicPr>
-          <p:cNvPr id="261672649" name=""/>
+          <p:cNvPr id="647376494" name=""/>
           <p:cNvPicPr>
             <a:picLocks noChangeAspect="1"/>
           </p:cNvPicPr>
@@ -12102,7 +12170,7 @@
       </p:pic>
       <p:pic>
         <p:nvPicPr>
-          <p:cNvPr id="1547297060" name=""/>
+          <p:cNvPr id="2123721209" name=""/>
           <p:cNvPicPr>
             <a:picLocks noChangeAspect="1"/>
           </p:cNvPicPr>
@@ -12124,7 +12192,7 @@
       </p:pic>
       <p:graphicFrame>
         <p:nvGraphicFramePr>
-          <p:cNvPr id="131715852" name=""/>
+          <p:cNvPr id="551343781" name=""/>
           <p:cNvGraphicFramePr>
             <a:graphicFrameLocks xmlns:a="http://schemas.openxmlformats.org/drawingml/2006/main"/>
           </p:cNvGraphicFramePr>
@@ -12639,7 +12707,7 @@
       </p:graphicFrame>
       <p:sp>
         <p:nvSpPr>
-          <p:cNvPr id="961452045" name=""/>
+          <p:cNvPr id="808217862" name=""/>
           <p:cNvSpPr/>
           <p:nvPr/>
         </p:nvSpPr>
@@ -12777,7 +12845,7 @@
       </p:grpSpPr>
       <p:sp>
         <p:nvSpPr>
-          <p:cNvPr id="1741773549" name="Title 1"/>
+          <p:cNvPr id="1509053950" name="Title 1"/>
           <p:cNvSpPr>
             <a:spLocks noGrp="1"/>
           </p:cNvSpPr>
@@ -12807,7 +12875,7 @@
                 <a:ea typeface="Arial"/>
                 <a:cs typeface="Arial"/>
               </a:rPr>
-              <a:t>Lab Session 1 – Car Basic Movements</a:t>
+              <a:t>Car Basic Movements</a:t>
             </a:r>
             <a:endParaRPr/>
           </a:p>
@@ -12815,7 +12883,7 @@
       </p:sp>
       <p:sp>
         <p:nvSpPr>
-          <p:cNvPr id="1869455224" name="Content Placeholder 2"/>
+          <p:cNvPr id="1064259949" name="Content Placeholder 2"/>
           <p:cNvSpPr>
             <a:spLocks noGrp="1"/>
           </p:cNvSpPr>
@@ -12867,7 +12935,7 @@
       </p:sp>
       <p:pic>
         <p:nvPicPr>
-          <p:cNvPr id="1709399990" name="Picture 3"/>
+          <p:cNvPr id="1483799813" name="Picture 3"/>
           <p:cNvPicPr>
             <a:picLocks noChangeAspect="1"/>
           </p:cNvPicPr>
@@ -12889,7 +12957,7 @@
       </p:pic>
       <p:graphicFrame>
         <p:nvGraphicFramePr>
-          <p:cNvPr id="1573247495" name=""/>
+          <p:cNvPr id="1290157186" name=""/>
           <p:cNvGraphicFramePr>
             <a:graphicFrameLocks xmlns:a="http://schemas.openxmlformats.org/drawingml/2006/main"/>
           </p:cNvGraphicFramePr>
@@ -13649,7 +13717,7 @@
       </p:graphicFrame>
       <p:graphicFrame>
         <p:nvGraphicFramePr>
-          <p:cNvPr id="1219030170" name=""/>
+          <p:cNvPr id="2083480889" name=""/>
           <p:cNvGraphicFramePr>
             <a:graphicFrameLocks xmlns:a="http://schemas.openxmlformats.org/drawingml/2006/main"/>
           </p:cNvGraphicFramePr>
@@ -13873,7 +13941,7 @@
       </p:graphicFrame>
       <p:sp>
         <p:nvSpPr>
-          <p:cNvPr id="984894443" name=""/>
+          <p:cNvPr id="2038150656" name=""/>
           <p:cNvSpPr/>
           <p:nvPr/>
         </p:nvSpPr>
@@ -13972,7 +14040,7 @@
       </p:grpSpPr>
       <p:sp>
         <p:nvSpPr>
-          <p:cNvPr id="1013739545" name="Title 1"/>
+          <p:cNvPr id="1378039049" name="Title 1"/>
           <p:cNvSpPr>
             <a:spLocks noGrp="1"/>
           </p:cNvSpPr>
@@ -14002,7 +14070,7 @@
                 <a:ea typeface="Arial"/>
                 <a:cs typeface="Arial"/>
               </a:rPr>
-              <a:t>Lab Session 1 – Car Basic Movements</a:t>
+              <a:t>Car Basic Movements</a:t>
             </a:r>
             <a:endParaRPr/>
           </a:p>
@@ -14010,7 +14078,7 @@
       </p:sp>
       <p:sp>
         <p:nvSpPr>
-          <p:cNvPr id="915478841" name="Content Placeholder 2"/>
+          <p:cNvPr id="316620232" name="Content Placeholder 2"/>
           <p:cNvSpPr>
             <a:spLocks noGrp="1"/>
           </p:cNvSpPr>
@@ -14277,7 +14345,7 @@
       </p:sp>
       <p:pic>
         <p:nvPicPr>
-          <p:cNvPr id="2082581909" name="Picture 3"/>
+          <p:cNvPr id="839706134" name="Picture 3"/>
           <p:cNvPicPr>
             <a:picLocks noChangeAspect="1"/>
           </p:cNvPicPr>
@@ -14299,7 +14367,7 @@
       </p:pic>
       <p:pic>
         <p:nvPicPr>
-          <p:cNvPr id="2081357914" name=""/>
+          <p:cNvPr id="62045227" name=""/>
           <p:cNvPicPr>
             <a:picLocks noChangeAspect="1"/>
           </p:cNvPicPr>
@@ -14321,7 +14389,7 @@
       </p:pic>
       <p:sp>
         <p:nvSpPr>
-          <p:cNvPr id="1689327439" name=""/>
+          <p:cNvPr id="2143814773" name=""/>
           <p:cNvSpPr/>
           <p:nvPr/>
         </p:nvSpPr>
@@ -14411,7 +14479,7 @@
       </p:grpSpPr>
       <p:sp>
         <p:nvSpPr>
-          <p:cNvPr id="54708481" name="Title 1"/>
+          <p:cNvPr id="1365912107" name="Title 1"/>
           <p:cNvSpPr>
             <a:spLocks noGrp="1"/>
           </p:cNvSpPr>
@@ -14441,7 +14509,7 @@
                 <a:ea typeface="Arial"/>
                 <a:cs typeface="Arial"/>
               </a:rPr>
-              <a:t>Lab Session 1 – Car Basic Movements</a:t>
+              <a:t> Car Basic Movements</a:t>
             </a:r>
             <a:endParaRPr/>
           </a:p>
@@ -14449,7 +14517,7 @@
       </p:sp>
       <p:sp>
         <p:nvSpPr>
-          <p:cNvPr id="1107134080" name="Content Placeholder 2"/>
+          <p:cNvPr id="207404541" name="Content Placeholder 2"/>
           <p:cNvSpPr>
             <a:spLocks noGrp="1"/>
           </p:cNvSpPr>
@@ -14514,7 +14582,7 @@
       </p:sp>
       <p:pic>
         <p:nvPicPr>
-          <p:cNvPr id="1371192211" name="Picture 3"/>
+          <p:cNvPr id="752260595" name="Picture 3"/>
           <p:cNvPicPr>
             <a:picLocks noChangeAspect="1"/>
           </p:cNvPicPr>
@@ -14536,7 +14604,7 @@
       </p:pic>
       <p:sp>
         <p:nvSpPr>
-          <p:cNvPr id="391975876" name=""/>
+          <p:cNvPr id="1024476716" name=""/>
           <p:cNvSpPr/>
           <p:nvPr/>
         </p:nvSpPr>
@@ -14590,7 +14658,7 @@
       </p:sp>
       <p:pic>
         <p:nvPicPr>
-          <p:cNvPr id="1411024922" name=""/>
+          <p:cNvPr id="1045254560" name=""/>
           <p:cNvPicPr>
             <a:picLocks noChangeAspect="1"/>
           </p:cNvPicPr>
@@ -14612,7 +14680,7 @@
       </p:pic>
       <p:graphicFrame>
         <p:nvGraphicFramePr>
-          <p:cNvPr id="1448349258" name=""/>
+          <p:cNvPr id="1590958958" name=""/>
           <p:cNvGraphicFramePr>
             <a:graphicFrameLocks xmlns:a="http://schemas.openxmlformats.org/drawingml/2006/main"/>
           </p:cNvGraphicFramePr>
@@ -15071,7 +15139,7 @@
       </p:grpSpPr>
       <p:sp>
         <p:nvSpPr>
-          <p:cNvPr id="86527318" name="Title 1"/>
+          <p:cNvPr id="219956686" name="Title 1"/>
           <p:cNvSpPr>
             <a:spLocks noGrp="1"/>
           </p:cNvSpPr>
@@ -15101,7 +15169,7 @@
                 <a:ea typeface="Arial"/>
                 <a:cs typeface="Arial"/>
               </a:rPr>
-              <a:t>Lab Session 1 – Car Basic Movements</a:t>
+              <a:t>Car Basic Movements</a:t>
             </a:r>
             <a:endParaRPr/>
           </a:p>
@@ -15109,7 +15177,7 @@
       </p:sp>
       <p:sp>
         <p:nvSpPr>
-          <p:cNvPr id="1846973972" name="Content Placeholder 2"/>
+          <p:cNvPr id="929833303" name="Content Placeholder 2"/>
           <p:cNvSpPr>
             <a:spLocks noGrp="1"/>
           </p:cNvSpPr>
@@ -15174,7 +15242,7 @@
       </p:sp>
       <p:pic>
         <p:nvPicPr>
-          <p:cNvPr id="1474438380" name="Picture 3"/>
+          <p:cNvPr id="1919382524" name="Picture 3"/>
           <p:cNvPicPr>
             <a:picLocks noChangeAspect="1"/>
           </p:cNvPicPr>
@@ -15196,7 +15264,7 @@
       </p:pic>
       <p:graphicFrame>
         <p:nvGraphicFramePr>
-          <p:cNvPr id="519014635" name=""/>
+          <p:cNvPr id="1664072193" name=""/>
           <p:cNvGraphicFramePr>
             <a:graphicFrameLocks xmlns:a="http://schemas.openxmlformats.org/drawingml/2006/main"/>
           </p:cNvGraphicFramePr>
@@ -15713,7 +15781,7 @@
       </p:graphicFrame>
       <p:graphicFrame>
         <p:nvGraphicFramePr>
-          <p:cNvPr id="1067132929" name=""/>
+          <p:cNvPr id="1148085564" name=""/>
           <p:cNvGraphicFramePr>
             <a:graphicFrameLocks xmlns:a="http://schemas.openxmlformats.org/drawingml/2006/main"/>
           </p:cNvGraphicFramePr>
@@ -16230,7 +16298,7 @@
       </p:graphicFrame>
       <p:sp>
         <p:nvSpPr>
-          <p:cNvPr id="783230691" name=""/>
+          <p:cNvPr id="708539817" name=""/>
           <p:cNvSpPr/>
           <p:nvPr/>
         </p:nvSpPr>
@@ -16279,7 +16347,7 @@
       </p:sp>
       <p:graphicFrame>
         <p:nvGraphicFramePr>
-          <p:cNvPr id="1286863752" name=""/>
+          <p:cNvPr id="509290339" name=""/>
           <p:cNvGraphicFramePr>
             <a:graphicFrameLocks xmlns:a="http://schemas.openxmlformats.org/drawingml/2006/main"/>
           </p:cNvGraphicFramePr>
@@ -16697,7 +16765,7 @@
       </p:graphicFrame>
       <p:sp>
         <p:nvSpPr>
-          <p:cNvPr id="1185720244" name=""/>
+          <p:cNvPr id="1582855710" name=""/>
           <p:cNvSpPr txBox="1"/>
           <p:nvPr/>
         </p:nvSpPr>
@@ -16725,7 +16793,7 @@
       </p:sp>
       <p:sp>
         <p:nvSpPr>
-          <p:cNvPr id="1846425600" name=""/>
+          <p:cNvPr id="1260249761" name=""/>
           <p:cNvSpPr/>
           <p:nvPr/>
         </p:nvSpPr>
@@ -16772,7 +16840,7 @@
       </p:sp>
       <p:sp>
         <p:nvSpPr>
-          <p:cNvPr id="926461040" name=""/>
+          <p:cNvPr id="1661116681" name=""/>
           <p:cNvSpPr txBox="1"/>
           <p:nvPr/>
         </p:nvSpPr>
